--- a/src/main/webapp/resources/doc/innoparts_user_guide.pptx
+++ b/src/main/webapp/resources/doc/innoparts_user_guide.pptx
@@ -5,10 +5,10 @@
     <p:sldMasterId id="2147483717" r:id="rId1"/>
   </p:sldMasterIdLst>
   <p:notesMasterIdLst>
-    <p:notesMasterId r:id="rId34"/>
+    <p:notesMasterId r:id="rId39"/>
   </p:notesMasterIdLst>
   <p:handoutMasterIdLst>
-    <p:handoutMasterId r:id="rId35"/>
+    <p:handoutMasterId r:id="rId40"/>
   </p:handoutMasterIdLst>
   <p:sldIdLst>
     <p:sldId id="582" r:id="rId2"/>
@@ -41,24 +41,29 @@
     <p:sldId id="607" r:id="rId29"/>
     <p:sldId id="608" r:id="rId30"/>
     <p:sldId id="609" r:id="rId31"/>
-    <p:sldId id="589" r:id="rId32"/>
-    <p:sldId id="587" r:id="rId33"/>
+    <p:sldId id="618" r:id="rId32"/>
+    <p:sldId id="619" r:id="rId33"/>
+    <p:sldId id="620" r:id="rId34"/>
+    <p:sldId id="621" r:id="rId35"/>
+    <p:sldId id="589" r:id="rId36"/>
+    <p:sldId id="587" r:id="rId37"/>
+    <p:sldId id="622" r:id="rId38"/>
   </p:sldIdLst>
   <p:sldSz cx="9904413" cy="6858000"/>
   <p:notesSz cx="6797675" cy="9926638"/>
   <p:embeddedFontLst>
     <p:embeddedFont>
-      <p:font typeface="HY그래픽M" pitchFamily="18" charset="-127"/>
-      <p:regular r:id="rId36"/>
+      <p:font typeface="맑은 고딕" pitchFamily="50" charset="-127"/>
+      <p:regular r:id="rId41"/>
+      <p:bold r:id="rId42"/>
     </p:embeddedFont>
     <p:embeddedFont>
-      <p:font typeface="맑은 고딕" pitchFamily="50" charset="-127"/>
-      <p:regular r:id="rId37"/>
-      <p:bold r:id="rId38"/>
+      <p:font typeface="HY그래픽M" pitchFamily="18" charset="-127"/>
+      <p:regular r:id="rId43"/>
     </p:embeddedFont>
     <p:embeddedFont>
       <p:font typeface="HY헤드라인M" pitchFamily="18" charset="-127"/>
-      <p:regular r:id="rId39"/>
+      <p:regular r:id="rId44"/>
     </p:embeddedFont>
   </p:embeddedFontLst>
   <p:defaultTextStyle>
@@ -242,7 +247,7 @@
             <a:fld id="{15A159CE-62C0-4076-A0EC-CA98B45244E2}" type="datetimeFigureOut">
               <a:rPr lang="ko-KR" altLang="en-US" smtClean="0"/>
               <a:pPr/>
-              <a:t>2016-11-03</a:t>
+              <a:t>2017-01-04</a:t>
             </a:fld>
             <a:endParaRPr lang="ko-KR" altLang="en-US"/>
           </a:p>
@@ -409,7 +414,7 @@
             <a:fld id="{4031041E-3402-46BC-9F7B-1A9B30D5AA9E}" type="datetimeFigureOut">
               <a:rPr lang="ko-KR" altLang="en-US" smtClean="0"/>
               <a:pPr/>
-              <a:t>2016-11-03</a:t>
+              <a:t>2017-01-04</a:t>
             </a:fld>
             <a:endParaRPr lang="ko-KR" altLang="en-US"/>
           </a:p>
@@ -859,7 +864,7 @@
           <a:p>
             <a:fld id="{C1898A93-C5D9-4E75-9769-6CA28F48A7CD}" type="datetimeFigureOut">
               <a:rPr lang="ko-KR" altLang="en-US" smtClean="0"/>
-              <a:t>2016-11-03</a:t>
+              <a:t>2017-01-04</a:t>
             </a:fld>
             <a:endParaRPr lang="ko-KR" altLang="en-US"/>
           </a:p>
@@ -1094,7 +1099,7 @@
           <a:p>
             <a:fld id="{C1898A93-C5D9-4E75-9769-6CA28F48A7CD}" type="datetimeFigureOut">
               <a:rPr lang="ko-KR" altLang="en-US" smtClean="0"/>
-              <a:t>2016-11-03</a:t>
+              <a:t>2017-01-04</a:t>
             </a:fld>
             <a:endParaRPr lang="ko-KR" altLang="en-US"/>
           </a:p>
@@ -1370,7 +1375,7 @@
               <a:pPr>
                 <a:defRPr/>
               </a:pPr>
-              <a:t>2016-11-03</a:t>
+              <a:t>2017-01-04</a:t>
             </a:fld>
             <a:endParaRPr lang="ko-KR" altLang="en-US"/>
           </a:p>
@@ -2412,8 +2417,12 @@
                 <a:latin typeface="HY그래픽M" pitchFamily="18" charset="-127"/>
                 <a:ea typeface="HY그래픽M" pitchFamily="18" charset="-127"/>
               </a:rPr>
-              <a:t>2016.11.3</a:t>
-            </a:r>
+              <a:t>2017. 1. 4</a:t>
+            </a:r>
+            <a:endParaRPr lang="en-US" altLang="ko-KR" sz="2400" dirty="0" smtClean="0">
+              <a:latin typeface="HY그래픽M" pitchFamily="18" charset="-127"/>
+              <a:ea typeface="HY그래픽M" pitchFamily="18" charset="-127"/>
+            </a:endParaRPr>
           </a:p>
           <a:p>
             <a:r>
@@ -3050,13 +3059,13 @@
       </p:grpSpPr>
       <p:pic>
         <p:nvPicPr>
-          <p:cNvPr id="32771" name="Picture 3"/>
+          <p:cNvPr id="3074" name="Picture 2"/>
           <p:cNvPicPr>
             <a:picLocks noChangeAspect="1" noChangeArrowheads="1"/>
           </p:cNvPicPr>
           <p:nvPr/>
         </p:nvPicPr>
-        <p:blipFill>
+        <p:blipFill rotWithShape="1">
           <a:blip r:embed="rId2">
             <a:extLst>
               <a:ext uri="{28A0092B-C50C-407E-A947-70E740481C1C}">
@@ -3064,79 +3073,13 @@
               </a:ext>
             </a:extLst>
           </a:blip>
-          <a:srcRect/>
-          <a:stretch>
-            <a:fillRect/>
-          </a:stretch>
+          <a:srcRect t="9022"/>
+          <a:stretch/>
         </p:blipFill>
         <p:spPr bwMode="auto">
           <a:xfrm>
-            <a:off x="298499" y="5589240"/>
-            <a:ext cx="9334227" cy="989161"/>
-          </a:xfrm>
-          <a:prstGeom prst="rect">
-            <a:avLst/>
-          </a:prstGeom>
-          <a:noFill/>
-          <a:ln>
-            <a:noFill/>
-          </a:ln>
-          <a:effectLst/>
-          <a:extLst>
-            <a:ext uri="{909E8E84-426E-40DD-AFC4-6F175D3DCCD1}">
-              <a14:hiddenFill xmlns:a14="http://schemas.microsoft.com/office/drawing/2010/main">
-                <a:solidFill>
-                  <a:schemeClr val="accent1"/>
-                </a:solidFill>
-              </a14:hiddenFill>
-            </a:ext>
-            <a:ext uri="{91240B29-F687-4F45-9708-019B960494DF}">
-              <a14:hiddenLine xmlns:a14="http://schemas.microsoft.com/office/drawing/2010/main" w="9525">
-                <a:solidFill>
-                  <a:schemeClr val="tx1"/>
-                </a:solidFill>
-                <a:miter lim="800000"/>
-                <a:headEnd/>
-                <a:tailEnd/>
-              </a14:hiddenLine>
-            </a:ext>
-            <a:ext uri="{AF507438-7753-43E0-B8FC-AC1667EBCBE1}">
-              <a14:hiddenEffects xmlns:a14="http://schemas.microsoft.com/office/drawing/2010/main">
-                <a:effectLst>
-                  <a:outerShdw dist="35921" dir="2700000" algn="ctr" rotWithShape="0">
-                    <a:schemeClr val="bg2"/>
-                  </a:outerShdw>
-                </a:effectLst>
-              </a14:hiddenEffects>
-            </a:ext>
-          </a:extLst>
-        </p:spPr>
-      </p:pic>
-      <p:pic>
-        <p:nvPicPr>
-          <p:cNvPr id="32770" name="Picture 2"/>
-          <p:cNvPicPr>
-            <a:picLocks noChangeAspect="1" noChangeArrowheads="1"/>
-          </p:cNvPicPr>
-          <p:nvPr/>
-        </p:nvPicPr>
-        <p:blipFill>
-          <a:blip r:embed="rId3">
-            <a:extLst>
-              <a:ext uri="{28A0092B-C50C-407E-A947-70E740481C1C}">
-                <a14:useLocalDpi xmlns:a14="http://schemas.microsoft.com/office/drawing/2010/main" val="0"/>
-              </a:ext>
-            </a:extLst>
-          </a:blip>
-          <a:srcRect/>
-          <a:stretch>
-            <a:fillRect/>
-          </a:stretch>
-        </p:blipFill>
-        <p:spPr bwMode="auto">
-          <a:xfrm>
-            <a:off x="495221" y="836712"/>
-            <a:ext cx="8558332" cy="4536504"/>
+            <a:off x="0" y="1181100"/>
+            <a:ext cx="9905404" cy="4902720"/>
           </a:xfrm>
           <a:prstGeom prst="rect">
             <a:avLst/>
@@ -3219,7 +3162,7 @@
         </p:nvSpPr>
         <p:spPr>
           <a:xfrm>
-            <a:off x="481813" y="5301208"/>
+            <a:off x="481813" y="6093296"/>
             <a:ext cx="8913972" cy="537721"/>
           </a:xfrm>
         </p:spPr>
@@ -3228,63 +3171,32 @@
           <a:lstStyle/>
           <a:p>
             <a:r>
-              <a:rPr lang="ko-KR" altLang="en-US" sz="2000" dirty="0"/>
-              <a:t>생성하면 하단에 </a:t>
-            </a:r>
-            <a:r>
               <a:rPr lang="ko-KR" altLang="en-US" sz="2000" dirty="0" smtClean="0"/>
-              <a:t>표시 </a:t>
-            </a:r>
-            <a:r>
-              <a:rPr lang="ko-KR" altLang="en-US" sz="2000" dirty="0"/>
-              <a:t>및 수정</a:t>
-            </a:r>
-            <a:r>
-              <a:rPr lang="en-US" altLang="ko-KR" sz="2000" dirty="0"/>
-              <a:t>,</a:t>
-            </a:r>
-            <a:r>
-              <a:rPr lang="ko-KR" altLang="en-US" sz="2000" dirty="0"/>
-              <a:t>삭제 가능</a:t>
+              <a:t>신규 생성하면 하단리스트에 추가됨</a:t>
+            </a:r>
+            <a:r>
+              <a:rPr lang="en-US" altLang="ko-KR" sz="2000" dirty="0" smtClean="0"/>
+              <a:t>.</a:t>
             </a:r>
           </a:p>
-        </p:txBody>
-      </p:sp>
-      <p:sp>
-        <p:nvSpPr>
-          <p:cNvPr id="4" name="오른쪽 중괄호 3"/>
-          <p:cNvSpPr/>
-          <p:nvPr/>
-        </p:nvSpPr>
-        <p:spPr>
-          <a:xfrm>
-            <a:off x="4304134" y="2852936"/>
-            <a:ext cx="288032" cy="504056"/>
-          </a:xfrm>
-          <a:prstGeom prst="rightBrace">
-            <a:avLst/>
-          </a:prstGeom>
-        </p:spPr>
-        <p:style>
-          <a:lnRef idx="2">
-            <a:schemeClr val="accent2"/>
-          </a:lnRef>
-          <a:fillRef idx="0">
-            <a:schemeClr val="accent2"/>
-          </a:fillRef>
-          <a:effectRef idx="1">
-            <a:schemeClr val="accent2"/>
-          </a:effectRef>
-          <a:fontRef idx="minor">
-            <a:schemeClr val="tx1"/>
-          </a:fontRef>
-        </p:style>
-        <p:txBody>
-          <a:bodyPr rtlCol="0" anchor="ctr"/>
-          <a:lstStyle/>
           <a:p>
-            <a:pPr algn="ctr"/>
-            <a:endParaRPr lang="ko-KR" altLang="en-US"/>
+            <a:r>
+              <a:rPr lang="ko-KR" altLang="en-US" sz="2000" dirty="0" smtClean="0"/>
+              <a:t>현재 </a:t>
+            </a:r>
+            <a:r>
+              <a:rPr lang="ko-KR" altLang="en-US" sz="2000" dirty="0" err="1" smtClean="0"/>
+              <a:t>파츠리스트</a:t>
+            </a:r>
+            <a:r>
+              <a:rPr lang="ko-KR" altLang="en-US" sz="2000" dirty="0" smtClean="0"/>
+              <a:t> 표시 및 수정가능</a:t>
+            </a:r>
+            <a:r>
+              <a:rPr lang="en-US" altLang="ko-KR" sz="2000" dirty="0" smtClean="0"/>
+              <a:t>.</a:t>
+            </a:r>
+            <a:endParaRPr lang="ko-KR" altLang="en-US" sz="2000" dirty="0"/>
           </a:p>
         </p:txBody>
       </p:sp>
@@ -3298,8 +3210,8 @@
         </p:nvSpPr>
         <p:spPr bwMode="auto">
           <a:xfrm>
-            <a:off x="4596567" y="2891279"/>
-            <a:ext cx="4676119" cy="537721"/>
+            <a:off x="4487228" y="3212976"/>
+            <a:ext cx="5073490" cy="583474"/>
           </a:xfrm>
           <a:prstGeom prst="rect">
             <a:avLst/>
@@ -3492,23 +3404,61 @@
             </a:pPr>
             <a:r>
               <a:rPr lang="ko-KR" altLang="en-US" sz="1600" dirty="0" smtClean="0"/>
-              <a:t>소수점포함 숫자만 가능</a:t>
+              <a:t>재고 </a:t>
             </a:r>
             <a:r>
               <a:rPr lang="en-US" altLang="ko-KR" sz="1600" dirty="0" smtClean="0"/>
-              <a:t>.  </a:t>
+              <a:t>: </a:t>
             </a:r>
             <a:r>
               <a:rPr lang="ko-KR" altLang="en-US" sz="1600" dirty="0" err="1" smtClean="0"/>
-              <a:t>천단위</a:t>
+              <a:t>천단위콤마</a:t>
+            </a:r>
+            <a:r>
+              <a:rPr lang="en-US" altLang="ko-KR" sz="1600" dirty="0" smtClean="0"/>
+              <a:t>, </a:t>
             </a:r>
             <a:r>
               <a:rPr lang="ko-KR" altLang="en-US" sz="1600" dirty="0" smtClean="0"/>
-              <a:t> 콤마인식가능</a:t>
+              <a:t>숫자입력가능</a:t>
+            </a:r>
+            <a:r>
+              <a:rPr lang="en-US" altLang="ko-KR" sz="1600" dirty="0" smtClean="0"/>
+              <a:t>. </a:t>
+            </a:r>
+            <a:r>
+              <a:rPr lang="ko-KR" altLang="en-US" sz="1600" dirty="0" err="1" smtClean="0"/>
+              <a:t>정수값</a:t>
             </a:r>
             <a:r>
               <a:rPr lang="en-US" altLang="ko-KR" sz="1600" dirty="0" smtClean="0"/>
               <a:t>.</a:t>
+            </a:r>
+            <a:endParaRPr lang="en-US" altLang="ko-KR" sz="1600" dirty="0" smtClean="0"/>
+          </a:p>
+          <a:p>
+            <a:pPr marL="0" indent="0">
+              <a:buNone/>
+            </a:pPr>
+            <a:r>
+              <a:rPr lang="ko-KR" altLang="en-US" sz="1600" dirty="0" smtClean="0"/>
+              <a:t>단가 </a:t>
+            </a:r>
+            <a:r>
+              <a:rPr lang="en-US" altLang="ko-KR" sz="1600" dirty="0" smtClean="0"/>
+              <a:t>:</a:t>
+            </a:r>
+            <a:r>
+              <a:rPr lang="ko-KR" altLang="en-US" sz="1600" dirty="0" err="1" smtClean="0"/>
+              <a:t>첨단위콤마</a:t>
+            </a:r>
+            <a:r>
+              <a:rPr lang="en-US" altLang="ko-KR" sz="1600" dirty="0" smtClean="0"/>
+              <a:t>, </a:t>
+            </a:r>
+            <a:r>
+              <a:rPr lang="ko-KR" altLang="en-US" sz="1600" dirty="0" err="1" smtClean="0"/>
+              <a:t>소숫점가능</a:t>
             </a:r>
             <a:endParaRPr lang="ko-KR" altLang="en-US" sz="1600" dirty="0"/>
           </a:p>
@@ -3551,6 +3501,70 @@
           <a:chExt cx="0" cy="0"/>
         </a:xfrm>
       </p:grpSpPr>
+      <p:pic>
+        <p:nvPicPr>
+          <p:cNvPr id="4098" name="Picture 2"/>
+          <p:cNvPicPr>
+            <a:picLocks noChangeAspect="1" noChangeArrowheads="1"/>
+          </p:cNvPicPr>
+          <p:nvPr/>
+        </p:nvPicPr>
+        <p:blipFill>
+          <a:blip r:embed="rId2">
+            <a:extLst>
+              <a:ext uri="{28A0092B-C50C-407E-A947-70E740481C1C}">
+                <a14:useLocalDpi xmlns:a14="http://schemas.microsoft.com/office/drawing/2010/main" val="0"/>
+              </a:ext>
+            </a:extLst>
+          </a:blip>
+          <a:srcRect/>
+          <a:stretch>
+            <a:fillRect/>
+          </a:stretch>
+        </p:blipFill>
+        <p:spPr bwMode="auto">
+          <a:xfrm>
+            <a:off x="55662" y="1628800"/>
+            <a:ext cx="9776743" cy="3399250"/>
+          </a:xfrm>
+          <a:prstGeom prst="rect">
+            <a:avLst/>
+          </a:prstGeom>
+          <a:noFill/>
+          <a:ln>
+            <a:noFill/>
+          </a:ln>
+          <a:effectLst/>
+          <a:extLst>
+            <a:ext uri="{909E8E84-426E-40DD-AFC4-6F175D3DCCD1}">
+              <a14:hiddenFill xmlns:a14="http://schemas.microsoft.com/office/drawing/2010/main">
+                <a:solidFill>
+                  <a:schemeClr val="accent1"/>
+                </a:solidFill>
+              </a14:hiddenFill>
+            </a:ext>
+            <a:ext uri="{91240B29-F687-4F45-9708-019B960494DF}">
+              <a14:hiddenLine xmlns:a14="http://schemas.microsoft.com/office/drawing/2010/main" w="9525">
+                <a:solidFill>
+                  <a:schemeClr val="tx1"/>
+                </a:solidFill>
+                <a:miter lim="800000"/>
+                <a:headEnd/>
+                <a:tailEnd/>
+              </a14:hiddenLine>
+            </a:ext>
+            <a:ext uri="{AF507438-7753-43E0-B8FC-AC1667EBCBE1}">
+              <a14:hiddenEffects xmlns:a14="http://schemas.microsoft.com/office/drawing/2010/main">
+                <a:effectLst>
+                  <a:outerShdw dist="35921" dir="2700000" algn="ctr" rotWithShape="0">
+                    <a:schemeClr val="bg2"/>
+                  </a:outerShdw>
+                </a:effectLst>
+              </a14:hiddenEffects>
+            </a:ext>
+          </a:extLst>
+        </p:spPr>
+      </p:pic>
       <p:sp>
         <p:nvSpPr>
           <p:cNvPr id="2" name="제목 1"/>
@@ -3567,20 +3581,20 @@
           <a:lstStyle/>
           <a:p>
             <a:r>
+              <a:rPr lang="ko-KR" altLang="en-US" dirty="0" err="1" smtClean="0"/>
+              <a:t>나의자재</a:t>
+            </a:r>
+            <a:r>
               <a:rPr lang="ko-KR" altLang="en-US" dirty="0" smtClean="0"/>
-              <a:t>출고부품 담기 </a:t>
+              <a:t> </a:t>
             </a:r>
             <a:r>
               <a:rPr lang="en-US" altLang="ko-KR" dirty="0" smtClean="0"/>
-              <a:t>(</a:t>
+              <a:t>- </a:t>
             </a:r>
             <a:r>
               <a:rPr lang="ko-KR" altLang="en-US" dirty="0" smtClean="0"/>
-              <a:t>장바구니 담기</a:t>
-            </a:r>
-            <a:r>
-              <a:rPr lang="en-US" altLang="ko-KR" dirty="0" smtClean="0"/>
-              <a:t>)</a:t>
+              <a:t>출고부품 담기</a:t>
             </a:r>
             <a:endParaRPr lang="ko-KR" altLang="en-US" dirty="0"/>
           </a:p>
@@ -3598,8 +3612,8 @@
         </p:nvSpPr>
         <p:spPr>
           <a:xfrm>
-            <a:off x="574738" y="5484361"/>
-            <a:ext cx="8913972" cy="1112991"/>
+            <a:off x="211207" y="4941168"/>
+            <a:ext cx="9202004" cy="1916832"/>
           </a:xfrm>
         </p:spPr>
         <p:txBody>
@@ -3608,31 +3622,91 @@
           <a:p>
             <a:r>
               <a:rPr lang="ko-KR" altLang="en-US" dirty="0" err="1" smtClean="0"/>
-              <a:t>수량입력후</a:t>
+              <a:t>입력칸은</a:t>
+            </a:r>
+            <a:r>
+              <a:rPr lang="ko-KR" altLang="en-US" dirty="0" smtClean="0"/>
+              <a:t> 노란색변경</a:t>
+            </a:r>
+            <a:r>
+              <a:rPr lang="en-US" altLang="ko-KR" dirty="0"/>
+              <a:t> </a:t>
+            </a:r>
+            <a:r>
+              <a:rPr lang="en-US" altLang="ko-KR" dirty="0" smtClean="0"/>
+              <a:t>+ </a:t>
+            </a:r>
+            <a:r>
+              <a:rPr lang="ko-KR" altLang="en-US" dirty="0" smtClean="0"/>
+              <a:t>좌측에 자동체크</a:t>
+            </a:r>
+            <a:endParaRPr lang="en-US" altLang="ko-KR" dirty="0" smtClean="0"/>
+          </a:p>
+          <a:p>
+            <a:r>
+              <a:rPr lang="ko-KR" altLang="en-US" dirty="0" err="1" smtClean="0"/>
+              <a:t>출고담기를</a:t>
+            </a:r>
+            <a:r>
+              <a:rPr lang="ko-KR" altLang="en-US" dirty="0" smtClean="0"/>
+              <a:t> 눌러 </a:t>
+            </a:r>
+            <a:r>
+              <a:rPr lang="ko-KR" altLang="en-US" dirty="0" err="1" smtClean="0"/>
+              <a:t>대기열에</a:t>
+            </a:r>
+            <a:r>
+              <a:rPr lang="ko-KR" altLang="en-US" dirty="0" smtClean="0"/>
+              <a:t> 추가함</a:t>
+            </a:r>
+            <a:r>
+              <a:rPr lang="en-US" altLang="ko-KR" dirty="0" smtClean="0"/>
+              <a:t>. </a:t>
+            </a:r>
+          </a:p>
+          <a:p>
+            <a:r>
+              <a:rPr lang="ko-KR" altLang="en-US" dirty="0" err="1" smtClean="0"/>
+              <a:t>담는즉시</a:t>
             </a:r>
             <a:r>
               <a:rPr lang="ko-KR" altLang="en-US" dirty="0" smtClean="0"/>
               <a:t> </a:t>
             </a:r>
             <a:r>
+              <a:rPr lang="ko-KR" altLang="en-US" dirty="0" err="1" smtClean="0"/>
+              <a:t>몇건이</a:t>
+            </a:r>
+            <a:r>
+              <a:rPr lang="ko-KR" altLang="en-US" dirty="0" smtClean="0"/>
+              <a:t> 담겼는지 메뉴에 표시되며</a:t>
+            </a:r>
+            <a:r>
               <a:rPr lang="en-US" altLang="ko-KR" dirty="0" smtClean="0"/>
-              <a:t>Cart(</a:t>
-            </a:r>
+              <a:t>,  </a:t>
+            </a:r>
+            <a:br>
+              <a:rPr lang="en-US" altLang="ko-KR" dirty="0" smtClean="0"/>
+            </a:br>
             <a:r>
               <a:rPr lang="ko-KR" altLang="en-US" dirty="0" smtClean="0"/>
-              <a:t>장바구니</a:t>
+              <a:t>현재재고는 감소</a:t>
+            </a:r>
+            <a:r>
+              <a:rPr lang="en-US" altLang="ko-KR" dirty="0" smtClean="0"/>
+              <a:t>(</a:t>
+            </a:r>
+            <a:r>
+              <a:rPr lang="ko-KR" altLang="en-US" dirty="0" err="1" smtClean="0"/>
+              <a:t>취소시</a:t>
+            </a:r>
+            <a:r>
+              <a:rPr lang="ko-KR" altLang="en-US" dirty="0" smtClean="0"/>
+              <a:t> 원복</a:t>
             </a:r>
             <a:r>
               <a:rPr lang="en-US" altLang="ko-KR" dirty="0" smtClean="0"/>
               <a:t>)</a:t>
-            </a:r>
-            <a:r>
-              <a:rPr lang="ko-KR" altLang="en-US" dirty="0"/>
-              <a:t> </a:t>
-            </a:r>
-            <a:r>
-              <a:rPr lang="ko-KR" altLang="en-US" dirty="0" smtClean="0"/>
-              <a:t>버튼 누름</a:t>
             </a:r>
             <a:endParaRPr lang="ko-KR" altLang="en-US" dirty="0"/>
           </a:p>
@@ -3640,13 +3714,13 @@
       </p:sp>
       <p:sp>
         <p:nvSpPr>
-          <p:cNvPr id="7" name="아래쪽 화살표 6"/>
+          <p:cNvPr id="8" name="아래쪽 화살표 7"/>
           <p:cNvSpPr/>
           <p:nvPr/>
         </p:nvSpPr>
         <p:spPr>
-          <a:xfrm>
-            <a:off x="1567830" y="1003025"/>
+          <a:xfrm rot="19402692">
+            <a:off x="8769315" y="2737442"/>
             <a:ext cx="491136" cy="444974"/>
           </a:xfrm>
           <a:prstGeom prst="downArrow">
@@ -3695,13 +3769,13 @@
       </p:sp>
       <p:sp>
         <p:nvSpPr>
-          <p:cNvPr id="8" name="아래쪽 화살표 7"/>
+          <p:cNvPr id="10" name="아래쪽 화살표 9"/>
           <p:cNvSpPr/>
           <p:nvPr/>
         </p:nvSpPr>
         <p:spPr>
-          <a:xfrm rot="3494259">
-            <a:off x="7616502" y="2956357"/>
+          <a:xfrm rot="20700000">
+            <a:off x="6873631" y="2133923"/>
             <a:ext cx="491136" cy="444974"/>
           </a:xfrm>
           <a:prstGeom prst="downArrow">
@@ -3750,38 +3824,37 @@
       </p:sp>
       <p:pic>
         <p:nvPicPr>
-          <p:cNvPr id="2050" name="Picture 2"/>
+          <p:cNvPr id="4100" name="Picture 4"/>
           <p:cNvPicPr>
             <a:picLocks noChangeAspect="1" noChangeArrowheads="1"/>
           </p:cNvPicPr>
           <p:nvPr/>
         </p:nvPicPr>
-        <p:blipFill>
-          <a:blip r:embed="rId2">
+        <p:blipFill rotWithShape="1">
+          <a:blip r:embed="rId3">
             <a:extLst>
               <a:ext uri="{28A0092B-C50C-407E-A947-70E740481C1C}">
                 <a14:useLocalDpi xmlns:a14="http://schemas.microsoft.com/office/drawing/2010/main" val="0"/>
               </a:ext>
             </a:extLst>
           </a:blip>
-          <a:srcRect/>
-          <a:stretch>
-            <a:fillRect/>
-          </a:stretch>
+          <a:srcRect l="26370" r="30347"/>
+          <a:stretch/>
         </p:blipFill>
         <p:spPr bwMode="auto">
           <a:xfrm>
-            <a:off x="72008" y="1484784"/>
-            <a:ext cx="9632726" cy="3794710"/>
+            <a:off x="2058966" y="1160522"/>
+            <a:ext cx="1093040" cy="468277"/>
           </a:xfrm>
           <a:prstGeom prst="rect">
             <a:avLst/>
           </a:prstGeom>
-          <a:noFill/>
           <a:ln>
             <a:noFill/>
           </a:ln>
-          <a:effectLst/>
+          <a:effectLst>
+            <a:softEdge rad="112500"/>
+          </a:effectLst>
           <a:extLst>
             <a:ext uri="{909E8E84-426E-40DD-AFC4-6F175D3DCCD1}">
               <a14:hiddenFill xmlns:a14="http://schemas.microsoft.com/office/drawing/2010/main">
@@ -3812,6 +3885,706 @@
           </a:extLst>
         </p:spPr>
       </p:pic>
+      <p:grpSp>
+        <p:nvGrpSpPr>
+          <p:cNvPr id="12" name="그룹 11"/>
+          <p:cNvGrpSpPr/>
+          <p:nvPr/>
+        </p:nvGrpSpPr>
+        <p:grpSpPr>
+          <a:xfrm>
+            <a:off x="1397974" y="1283549"/>
+            <a:ext cx="576064" cy="444974"/>
+            <a:chOff x="2719958" y="1089555"/>
+            <a:chExt cx="576064" cy="444974"/>
+          </a:xfrm>
+        </p:grpSpPr>
+        <p:sp>
+          <p:nvSpPr>
+            <p:cNvPr id="13" name="아래쪽 화살표 12"/>
+            <p:cNvSpPr/>
+            <p:nvPr/>
+          </p:nvSpPr>
+          <p:spPr>
+            <a:xfrm>
+              <a:off x="2719958" y="1089555"/>
+              <a:ext cx="491136" cy="444974"/>
+            </a:xfrm>
+            <a:prstGeom prst="downArrow">
+              <a:avLst/>
+            </a:prstGeom>
+            <a:solidFill>
+              <a:schemeClr val="accent2">
+                <a:tint val="100000"/>
+                <a:alpha val="31000"/>
+              </a:schemeClr>
+            </a:solidFill>
+          </p:spPr>
+          <p:style>
+            <a:lnRef idx="2">
+              <a:schemeClr val="accent2">
+                <a:shade val="50000"/>
+              </a:schemeClr>
+            </a:lnRef>
+            <a:fillRef idx="1">
+              <a:schemeClr val="accent2"/>
+            </a:fillRef>
+            <a:effectRef idx="0">
+              <a:schemeClr val="accent2"/>
+            </a:effectRef>
+            <a:fontRef idx="minor">
+              <a:schemeClr val="lt1"/>
+            </a:fontRef>
+          </p:style>
+          <p:txBody>
+            <a:bodyPr rot="0" spcFirstLastPara="0" vertOverflow="overflow" horzOverflow="overflow" vert="horz" wrap="square" lIns="91440" tIns="45720" rIns="91440" bIns="45720" numCol="1" spcCol="0" rtlCol="0" fromWordArt="0" anchor="ctr" anchorCtr="0" forceAA="0" compatLnSpc="1">
+              <a:prstTxWarp prst="textNoShape">
+                <a:avLst/>
+              </a:prstTxWarp>
+              <a:noAutofit/>
+            </a:bodyPr>
+            <a:lstStyle/>
+            <a:p>
+              <a:pPr algn="ctr"/>
+              <a:endParaRPr lang="ko-KR" altLang="en-US">
+                <a:solidFill>
+                  <a:schemeClr val="lt1"/>
+                </a:solidFill>
+              </a:endParaRPr>
+            </a:p>
+          </p:txBody>
+        </p:sp>
+        <p:sp>
+          <p:nvSpPr>
+            <p:cNvPr id="14" name="내용 개체 틀 2"/>
+            <p:cNvSpPr txBox="1">
+              <a:spLocks/>
+            </p:cNvSpPr>
+            <p:nvPr/>
+          </p:nvSpPr>
+          <p:spPr bwMode="auto">
+            <a:xfrm>
+              <a:off x="2789904" y="1100842"/>
+              <a:ext cx="506118" cy="380826"/>
+            </a:xfrm>
+            <a:prstGeom prst="rect">
+              <a:avLst/>
+            </a:prstGeom>
+            <a:noFill/>
+            <a:ln>
+              <a:noFill/>
+            </a:ln>
+            <a:extLst>
+              <a:ext uri="{909E8E84-426E-40DD-AFC4-6F175D3DCCD1}">
+                <a14:hiddenFill xmlns:a14="http://schemas.microsoft.com/office/drawing/2010/main">
+                  <a:solidFill>
+                    <a:srgbClr val="FFFFFF"/>
+                  </a:solidFill>
+                </a14:hiddenFill>
+              </a:ext>
+              <a:ext uri="{91240B29-F687-4F45-9708-019B960494DF}">
+                <a14:hiddenLine xmlns:a14="http://schemas.microsoft.com/office/drawing/2010/main" w="9525">
+                  <a:solidFill>
+                    <a:srgbClr val="000000"/>
+                  </a:solidFill>
+                  <a:miter lim="800000"/>
+                  <a:headEnd/>
+                  <a:tailEnd/>
+                </a14:hiddenLine>
+              </a:ext>
+            </a:extLst>
+          </p:spPr>
+          <p:txBody>
+            <a:bodyPr vert="horz" wrap="square" lIns="91440" tIns="45720" rIns="91440" bIns="45720" numCol="1" anchor="t" anchorCtr="0" compatLnSpc="1">
+              <a:prstTxWarp prst="textNoShape">
+                <a:avLst/>
+              </a:prstTxWarp>
+            </a:bodyPr>
+            <a:lstStyle>
+              <a:lvl1pPr marL="342900" indent="-342900" algn="l" rtl="0" eaLnBrk="0" fontAlgn="base" latinLnBrk="1" hangingPunct="0">
+                <a:spcBef>
+                  <a:spcPct val="20000"/>
+                </a:spcBef>
+                <a:spcAft>
+                  <a:spcPct val="0"/>
+                </a:spcAft>
+                <a:buFont typeface="Arial" pitchFamily="34" charset="0"/>
+                <a:buChar char="•"/>
+                <a:defRPr sz="2800" b="1" kern="1200">
+                  <a:solidFill>
+                    <a:schemeClr val="tx1"/>
+                  </a:solidFill>
+                  <a:latin typeface="HY그래픽M" pitchFamily="18" charset="-127"/>
+                  <a:ea typeface="HY그래픽M" pitchFamily="18" charset="-127"/>
+                  <a:cs typeface="+mn-cs"/>
+                </a:defRPr>
+              </a:lvl1pPr>
+              <a:lvl2pPr marL="742950" indent="-285750" algn="l" rtl="0" eaLnBrk="0" fontAlgn="base" latinLnBrk="1" hangingPunct="0">
+                <a:spcBef>
+                  <a:spcPct val="20000"/>
+                </a:spcBef>
+                <a:spcAft>
+                  <a:spcPct val="0"/>
+                </a:spcAft>
+                <a:buFont typeface="Arial" pitchFamily="34" charset="0"/>
+                <a:buChar char="–"/>
+                <a:defRPr sz="2400" b="1" kern="1200">
+                  <a:solidFill>
+                    <a:schemeClr val="tx1"/>
+                  </a:solidFill>
+                  <a:latin typeface="HY그래픽M" pitchFamily="18" charset="-127"/>
+                  <a:ea typeface="HY그래픽M" pitchFamily="18" charset="-127"/>
+                  <a:cs typeface="+mn-cs"/>
+                </a:defRPr>
+              </a:lvl2pPr>
+              <a:lvl3pPr marL="1143000" indent="-228600" algn="l" rtl="0" eaLnBrk="0" fontAlgn="base" latinLnBrk="1" hangingPunct="0">
+                <a:spcBef>
+                  <a:spcPct val="20000"/>
+                </a:spcBef>
+                <a:spcAft>
+                  <a:spcPct val="0"/>
+                </a:spcAft>
+                <a:buFont typeface="Arial" pitchFamily="34" charset="0"/>
+                <a:buChar char="•"/>
+                <a:defRPr sz="2000" b="1" kern="1200">
+                  <a:solidFill>
+                    <a:schemeClr val="tx1"/>
+                  </a:solidFill>
+                  <a:latin typeface="HY그래픽M" pitchFamily="18" charset="-127"/>
+                  <a:ea typeface="HY그래픽M" pitchFamily="18" charset="-127"/>
+                  <a:cs typeface="+mn-cs"/>
+                </a:defRPr>
+              </a:lvl3pPr>
+              <a:lvl4pPr marL="1600200" indent="-228600" algn="l" rtl="0" eaLnBrk="0" fontAlgn="base" latinLnBrk="1" hangingPunct="0">
+                <a:spcBef>
+                  <a:spcPct val="20000"/>
+                </a:spcBef>
+                <a:spcAft>
+                  <a:spcPct val="0"/>
+                </a:spcAft>
+                <a:buFont typeface="Arial" pitchFamily="34" charset="0"/>
+                <a:buChar char="–"/>
+                <a:defRPr sz="1800" b="1" kern="1200">
+                  <a:solidFill>
+                    <a:schemeClr val="tx1"/>
+                  </a:solidFill>
+                  <a:latin typeface="HY그래픽M" pitchFamily="18" charset="-127"/>
+                  <a:ea typeface="HY그래픽M" pitchFamily="18" charset="-127"/>
+                  <a:cs typeface="+mn-cs"/>
+                </a:defRPr>
+              </a:lvl4pPr>
+              <a:lvl5pPr marL="2057400" indent="-228600" algn="l" rtl="0" eaLnBrk="0" fontAlgn="base" latinLnBrk="1" hangingPunct="0">
+                <a:spcBef>
+                  <a:spcPct val="20000"/>
+                </a:spcBef>
+                <a:spcAft>
+                  <a:spcPct val="0"/>
+                </a:spcAft>
+                <a:buFont typeface="Arial" pitchFamily="34" charset="0"/>
+                <a:buChar char="»"/>
+                <a:defRPr sz="1800" b="1" kern="1200">
+                  <a:solidFill>
+                    <a:schemeClr val="tx1"/>
+                  </a:solidFill>
+                  <a:latin typeface="HY그래픽M" pitchFamily="18" charset="-127"/>
+                  <a:ea typeface="HY그래픽M" pitchFamily="18" charset="-127"/>
+                  <a:cs typeface="+mn-cs"/>
+                </a:defRPr>
+              </a:lvl5pPr>
+              <a:lvl6pPr marL="2514600" indent="-228600" algn="l" defTabSz="914400" rtl="0" eaLnBrk="1" latinLnBrk="1" hangingPunct="1">
+                <a:spcBef>
+                  <a:spcPct val="20000"/>
+                </a:spcBef>
+                <a:buFont typeface="Arial" pitchFamily="34" charset="0"/>
+                <a:buChar char="•"/>
+                <a:defRPr sz="2000" kern="1200">
+                  <a:solidFill>
+                    <a:schemeClr val="tx1"/>
+                  </a:solidFill>
+                  <a:latin typeface="+mn-lt"/>
+                  <a:ea typeface="+mn-ea"/>
+                  <a:cs typeface="+mn-cs"/>
+                </a:defRPr>
+              </a:lvl6pPr>
+              <a:lvl7pPr marL="2971800" indent="-228600" algn="l" defTabSz="914400" rtl="0" eaLnBrk="1" latinLnBrk="1" hangingPunct="1">
+                <a:spcBef>
+                  <a:spcPct val="20000"/>
+                </a:spcBef>
+                <a:buFont typeface="Arial" pitchFamily="34" charset="0"/>
+                <a:buChar char="•"/>
+                <a:defRPr sz="2000" kern="1200">
+                  <a:solidFill>
+                    <a:schemeClr val="tx1"/>
+                  </a:solidFill>
+                  <a:latin typeface="+mn-lt"/>
+                  <a:ea typeface="+mn-ea"/>
+                  <a:cs typeface="+mn-cs"/>
+                </a:defRPr>
+              </a:lvl7pPr>
+              <a:lvl8pPr marL="3429000" indent="-228600" algn="l" defTabSz="914400" rtl="0" eaLnBrk="1" latinLnBrk="1" hangingPunct="1">
+                <a:spcBef>
+                  <a:spcPct val="20000"/>
+                </a:spcBef>
+                <a:buFont typeface="Arial" pitchFamily="34" charset="0"/>
+                <a:buChar char="•"/>
+                <a:defRPr sz="2000" kern="1200">
+                  <a:solidFill>
+                    <a:schemeClr val="tx1"/>
+                  </a:solidFill>
+                  <a:latin typeface="+mn-lt"/>
+                  <a:ea typeface="+mn-ea"/>
+                  <a:cs typeface="+mn-cs"/>
+                </a:defRPr>
+              </a:lvl8pPr>
+              <a:lvl9pPr marL="3886200" indent="-228600" algn="l" defTabSz="914400" rtl="0" eaLnBrk="1" latinLnBrk="1" hangingPunct="1">
+                <a:spcBef>
+                  <a:spcPct val="20000"/>
+                </a:spcBef>
+                <a:buFont typeface="Arial" pitchFamily="34" charset="0"/>
+                <a:buChar char="•"/>
+                <a:defRPr sz="2000" kern="1200">
+                  <a:solidFill>
+                    <a:schemeClr val="tx1"/>
+                  </a:solidFill>
+                  <a:latin typeface="+mn-lt"/>
+                  <a:ea typeface="+mn-ea"/>
+                  <a:cs typeface="+mn-cs"/>
+                </a:defRPr>
+              </a:lvl9pPr>
+            </a:lstStyle>
+            <a:p>
+              <a:pPr marL="0" indent="0">
+                <a:buNone/>
+              </a:pPr>
+              <a:r>
+                <a:rPr lang="en-US" altLang="ko-KR" sz="1600" dirty="0" smtClean="0"/>
+                <a:t>1</a:t>
+              </a:r>
+              <a:endParaRPr lang="ko-KR" altLang="en-US" sz="1600" dirty="0"/>
+            </a:p>
+          </p:txBody>
+        </p:sp>
+      </p:grpSp>
+      <p:sp>
+        <p:nvSpPr>
+          <p:cNvPr id="19" name="내용 개체 틀 2"/>
+          <p:cNvSpPr txBox="1">
+            <a:spLocks/>
+          </p:cNvSpPr>
+          <p:nvPr/>
+        </p:nvSpPr>
+        <p:spPr bwMode="auto">
+          <a:xfrm>
+            <a:off x="8840638" y="2769516"/>
+            <a:ext cx="506118" cy="380826"/>
+          </a:xfrm>
+          <a:prstGeom prst="rect">
+            <a:avLst/>
+          </a:prstGeom>
+          <a:noFill/>
+          <a:ln>
+            <a:noFill/>
+          </a:ln>
+          <a:extLst>
+            <a:ext uri="{909E8E84-426E-40DD-AFC4-6F175D3DCCD1}">
+              <a14:hiddenFill xmlns:a14="http://schemas.microsoft.com/office/drawing/2010/main">
+                <a:solidFill>
+                  <a:srgbClr val="FFFFFF"/>
+                </a:solidFill>
+              </a14:hiddenFill>
+            </a:ext>
+            <a:ext uri="{91240B29-F687-4F45-9708-019B960494DF}">
+              <a14:hiddenLine xmlns:a14="http://schemas.microsoft.com/office/drawing/2010/main" w="9525">
+                <a:solidFill>
+                  <a:srgbClr val="000000"/>
+                </a:solidFill>
+                <a:miter lim="800000"/>
+                <a:headEnd/>
+                <a:tailEnd/>
+              </a14:hiddenLine>
+            </a:ext>
+          </a:extLst>
+        </p:spPr>
+        <p:txBody>
+          <a:bodyPr vert="horz" wrap="square" lIns="91440" tIns="45720" rIns="91440" bIns="45720" numCol="1" anchor="t" anchorCtr="0" compatLnSpc="1">
+            <a:prstTxWarp prst="textNoShape">
+              <a:avLst/>
+            </a:prstTxWarp>
+          </a:bodyPr>
+          <a:lstStyle>
+            <a:lvl1pPr marL="342900" indent="-342900" algn="l" rtl="0" eaLnBrk="0" fontAlgn="base" latinLnBrk="1" hangingPunct="0">
+              <a:spcBef>
+                <a:spcPct val="20000"/>
+              </a:spcBef>
+              <a:spcAft>
+                <a:spcPct val="0"/>
+              </a:spcAft>
+              <a:buFont typeface="Arial" pitchFamily="34" charset="0"/>
+              <a:buChar char="•"/>
+              <a:defRPr sz="2800" b="1" kern="1200">
+                <a:solidFill>
+                  <a:schemeClr val="tx1"/>
+                </a:solidFill>
+                <a:latin typeface="HY그래픽M" pitchFamily="18" charset="-127"/>
+                <a:ea typeface="HY그래픽M" pitchFamily="18" charset="-127"/>
+                <a:cs typeface="+mn-cs"/>
+              </a:defRPr>
+            </a:lvl1pPr>
+            <a:lvl2pPr marL="742950" indent="-285750" algn="l" rtl="0" eaLnBrk="0" fontAlgn="base" latinLnBrk="1" hangingPunct="0">
+              <a:spcBef>
+                <a:spcPct val="20000"/>
+              </a:spcBef>
+              <a:spcAft>
+                <a:spcPct val="0"/>
+              </a:spcAft>
+              <a:buFont typeface="Arial" pitchFamily="34" charset="0"/>
+              <a:buChar char="–"/>
+              <a:defRPr sz="2400" b="1" kern="1200">
+                <a:solidFill>
+                  <a:schemeClr val="tx1"/>
+                </a:solidFill>
+                <a:latin typeface="HY그래픽M" pitchFamily="18" charset="-127"/>
+                <a:ea typeface="HY그래픽M" pitchFamily="18" charset="-127"/>
+                <a:cs typeface="+mn-cs"/>
+              </a:defRPr>
+            </a:lvl2pPr>
+            <a:lvl3pPr marL="1143000" indent="-228600" algn="l" rtl="0" eaLnBrk="0" fontAlgn="base" latinLnBrk="1" hangingPunct="0">
+              <a:spcBef>
+                <a:spcPct val="20000"/>
+              </a:spcBef>
+              <a:spcAft>
+                <a:spcPct val="0"/>
+              </a:spcAft>
+              <a:buFont typeface="Arial" pitchFamily="34" charset="0"/>
+              <a:buChar char="•"/>
+              <a:defRPr sz="2000" b="1" kern="1200">
+                <a:solidFill>
+                  <a:schemeClr val="tx1"/>
+                </a:solidFill>
+                <a:latin typeface="HY그래픽M" pitchFamily="18" charset="-127"/>
+                <a:ea typeface="HY그래픽M" pitchFamily="18" charset="-127"/>
+                <a:cs typeface="+mn-cs"/>
+              </a:defRPr>
+            </a:lvl3pPr>
+            <a:lvl4pPr marL="1600200" indent="-228600" algn="l" rtl="0" eaLnBrk="0" fontAlgn="base" latinLnBrk="1" hangingPunct="0">
+              <a:spcBef>
+                <a:spcPct val="20000"/>
+              </a:spcBef>
+              <a:spcAft>
+                <a:spcPct val="0"/>
+              </a:spcAft>
+              <a:buFont typeface="Arial" pitchFamily="34" charset="0"/>
+              <a:buChar char="–"/>
+              <a:defRPr sz="1800" b="1" kern="1200">
+                <a:solidFill>
+                  <a:schemeClr val="tx1"/>
+                </a:solidFill>
+                <a:latin typeface="HY그래픽M" pitchFamily="18" charset="-127"/>
+                <a:ea typeface="HY그래픽M" pitchFamily="18" charset="-127"/>
+                <a:cs typeface="+mn-cs"/>
+              </a:defRPr>
+            </a:lvl4pPr>
+            <a:lvl5pPr marL="2057400" indent="-228600" algn="l" rtl="0" eaLnBrk="0" fontAlgn="base" latinLnBrk="1" hangingPunct="0">
+              <a:spcBef>
+                <a:spcPct val="20000"/>
+              </a:spcBef>
+              <a:spcAft>
+                <a:spcPct val="0"/>
+              </a:spcAft>
+              <a:buFont typeface="Arial" pitchFamily="34" charset="0"/>
+              <a:buChar char="»"/>
+              <a:defRPr sz="1800" b="1" kern="1200">
+                <a:solidFill>
+                  <a:schemeClr val="tx1"/>
+                </a:solidFill>
+                <a:latin typeface="HY그래픽M" pitchFamily="18" charset="-127"/>
+                <a:ea typeface="HY그래픽M" pitchFamily="18" charset="-127"/>
+                <a:cs typeface="+mn-cs"/>
+              </a:defRPr>
+            </a:lvl5pPr>
+            <a:lvl6pPr marL="2514600" indent="-228600" algn="l" defTabSz="914400" rtl="0" eaLnBrk="1" latinLnBrk="1" hangingPunct="1">
+              <a:spcBef>
+                <a:spcPct val="20000"/>
+              </a:spcBef>
+              <a:buFont typeface="Arial" pitchFamily="34" charset="0"/>
+              <a:buChar char="•"/>
+              <a:defRPr sz="2000" kern="1200">
+                <a:solidFill>
+                  <a:schemeClr val="tx1"/>
+                </a:solidFill>
+                <a:latin typeface="+mn-lt"/>
+                <a:ea typeface="+mn-ea"/>
+                <a:cs typeface="+mn-cs"/>
+              </a:defRPr>
+            </a:lvl6pPr>
+            <a:lvl7pPr marL="2971800" indent="-228600" algn="l" defTabSz="914400" rtl="0" eaLnBrk="1" latinLnBrk="1" hangingPunct="1">
+              <a:spcBef>
+                <a:spcPct val="20000"/>
+              </a:spcBef>
+              <a:buFont typeface="Arial" pitchFamily="34" charset="0"/>
+              <a:buChar char="•"/>
+              <a:defRPr sz="2000" kern="1200">
+                <a:solidFill>
+                  <a:schemeClr val="tx1"/>
+                </a:solidFill>
+                <a:latin typeface="+mn-lt"/>
+                <a:ea typeface="+mn-ea"/>
+                <a:cs typeface="+mn-cs"/>
+              </a:defRPr>
+            </a:lvl7pPr>
+            <a:lvl8pPr marL="3429000" indent="-228600" algn="l" defTabSz="914400" rtl="0" eaLnBrk="1" latinLnBrk="1" hangingPunct="1">
+              <a:spcBef>
+                <a:spcPct val="20000"/>
+              </a:spcBef>
+              <a:buFont typeface="Arial" pitchFamily="34" charset="0"/>
+              <a:buChar char="•"/>
+              <a:defRPr sz="2000" kern="1200">
+                <a:solidFill>
+                  <a:schemeClr val="tx1"/>
+                </a:solidFill>
+                <a:latin typeface="+mn-lt"/>
+                <a:ea typeface="+mn-ea"/>
+                <a:cs typeface="+mn-cs"/>
+              </a:defRPr>
+            </a:lvl8pPr>
+            <a:lvl9pPr marL="3886200" indent="-228600" algn="l" defTabSz="914400" rtl="0" eaLnBrk="1" latinLnBrk="1" hangingPunct="1">
+              <a:spcBef>
+                <a:spcPct val="20000"/>
+              </a:spcBef>
+              <a:buFont typeface="Arial" pitchFamily="34" charset="0"/>
+              <a:buChar char="•"/>
+              <a:defRPr sz="2000" kern="1200">
+                <a:solidFill>
+                  <a:schemeClr val="tx1"/>
+                </a:solidFill>
+                <a:latin typeface="+mn-lt"/>
+                <a:ea typeface="+mn-ea"/>
+                <a:cs typeface="+mn-cs"/>
+              </a:defRPr>
+            </a:lvl9pPr>
+          </a:lstStyle>
+          <a:p>
+            <a:pPr marL="0" indent="0">
+              <a:buNone/>
+            </a:pPr>
+            <a:r>
+              <a:rPr lang="en-US" altLang="ko-KR" sz="1600" dirty="0" smtClean="0"/>
+              <a:t>2</a:t>
+            </a:r>
+            <a:endParaRPr lang="ko-KR" altLang="en-US" sz="1600" dirty="0"/>
+          </a:p>
+        </p:txBody>
+      </p:sp>
+      <p:sp>
+        <p:nvSpPr>
+          <p:cNvPr id="20" name="내용 개체 틀 2"/>
+          <p:cNvSpPr txBox="1">
+            <a:spLocks/>
+          </p:cNvSpPr>
+          <p:nvPr/>
+        </p:nvSpPr>
+        <p:spPr bwMode="auto">
+          <a:xfrm>
+            <a:off x="6959922" y="2145978"/>
+            <a:ext cx="506118" cy="380826"/>
+          </a:xfrm>
+          <a:prstGeom prst="rect">
+            <a:avLst/>
+          </a:prstGeom>
+          <a:noFill/>
+          <a:ln>
+            <a:noFill/>
+          </a:ln>
+          <a:extLst>
+            <a:ext uri="{909E8E84-426E-40DD-AFC4-6F175D3DCCD1}">
+              <a14:hiddenFill xmlns:a14="http://schemas.microsoft.com/office/drawing/2010/main">
+                <a:solidFill>
+                  <a:srgbClr val="FFFFFF"/>
+                </a:solidFill>
+              </a14:hiddenFill>
+            </a:ext>
+            <a:ext uri="{91240B29-F687-4F45-9708-019B960494DF}">
+              <a14:hiddenLine xmlns:a14="http://schemas.microsoft.com/office/drawing/2010/main" w="9525">
+                <a:solidFill>
+                  <a:srgbClr val="000000"/>
+                </a:solidFill>
+                <a:miter lim="800000"/>
+                <a:headEnd/>
+                <a:tailEnd/>
+              </a14:hiddenLine>
+            </a:ext>
+          </a:extLst>
+        </p:spPr>
+        <p:txBody>
+          <a:bodyPr vert="horz" wrap="square" lIns="91440" tIns="45720" rIns="91440" bIns="45720" numCol="1" anchor="t" anchorCtr="0" compatLnSpc="1">
+            <a:prstTxWarp prst="textNoShape">
+              <a:avLst/>
+            </a:prstTxWarp>
+          </a:bodyPr>
+          <a:lstStyle>
+            <a:lvl1pPr marL="342900" indent="-342900" algn="l" rtl="0" eaLnBrk="0" fontAlgn="base" latinLnBrk="1" hangingPunct="0">
+              <a:spcBef>
+                <a:spcPct val="20000"/>
+              </a:spcBef>
+              <a:spcAft>
+                <a:spcPct val="0"/>
+              </a:spcAft>
+              <a:buFont typeface="Arial" pitchFamily="34" charset="0"/>
+              <a:buChar char="•"/>
+              <a:defRPr sz="2800" b="1" kern="1200">
+                <a:solidFill>
+                  <a:schemeClr val="tx1"/>
+                </a:solidFill>
+                <a:latin typeface="HY그래픽M" pitchFamily="18" charset="-127"/>
+                <a:ea typeface="HY그래픽M" pitchFamily="18" charset="-127"/>
+                <a:cs typeface="+mn-cs"/>
+              </a:defRPr>
+            </a:lvl1pPr>
+            <a:lvl2pPr marL="742950" indent="-285750" algn="l" rtl="0" eaLnBrk="0" fontAlgn="base" latinLnBrk="1" hangingPunct="0">
+              <a:spcBef>
+                <a:spcPct val="20000"/>
+              </a:spcBef>
+              <a:spcAft>
+                <a:spcPct val="0"/>
+              </a:spcAft>
+              <a:buFont typeface="Arial" pitchFamily="34" charset="0"/>
+              <a:buChar char="–"/>
+              <a:defRPr sz="2400" b="1" kern="1200">
+                <a:solidFill>
+                  <a:schemeClr val="tx1"/>
+                </a:solidFill>
+                <a:latin typeface="HY그래픽M" pitchFamily="18" charset="-127"/>
+                <a:ea typeface="HY그래픽M" pitchFamily="18" charset="-127"/>
+                <a:cs typeface="+mn-cs"/>
+              </a:defRPr>
+            </a:lvl2pPr>
+            <a:lvl3pPr marL="1143000" indent="-228600" algn="l" rtl="0" eaLnBrk="0" fontAlgn="base" latinLnBrk="1" hangingPunct="0">
+              <a:spcBef>
+                <a:spcPct val="20000"/>
+              </a:spcBef>
+              <a:spcAft>
+                <a:spcPct val="0"/>
+              </a:spcAft>
+              <a:buFont typeface="Arial" pitchFamily="34" charset="0"/>
+              <a:buChar char="•"/>
+              <a:defRPr sz="2000" b="1" kern="1200">
+                <a:solidFill>
+                  <a:schemeClr val="tx1"/>
+                </a:solidFill>
+                <a:latin typeface="HY그래픽M" pitchFamily="18" charset="-127"/>
+                <a:ea typeface="HY그래픽M" pitchFamily="18" charset="-127"/>
+                <a:cs typeface="+mn-cs"/>
+              </a:defRPr>
+            </a:lvl3pPr>
+            <a:lvl4pPr marL="1600200" indent="-228600" algn="l" rtl="0" eaLnBrk="0" fontAlgn="base" latinLnBrk="1" hangingPunct="0">
+              <a:spcBef>
+                <a:spcPct val="20000"/>
+              </a:spcBef>
+              <a:spcAft>
+                <a:spcPct val="0"/>
+              </a:spcAft>
+              <a:buFont typeface="Arial" pitchFamily="34" charset="0"/>
+              <a:buChar char="–"/>
+              <a:defRPr sz="1800" b="1" kern="1200">
+                <a:solidFill>
+                  <a:schemeClr val="tx1"/>
+                </a:solidFill>
+                <a:latin typeface="HY그래픽M" pitchFamily="18" charset="-127"/>
+                <a:ea typeface="HY그래픽M" pitchFamily="18" charset="-127"/>
+                <a:cs typeface="+mn-cs"/>
+              </a:defRPr>
+            </a:lvl4pPr>
+            <a:lvl5pPr marL="2057400" indent="-228600" algn="l" rtl="0" eaLnBrk="0" fontAlgn="base" latinLnBrk="1" hangingPunct="0">
+              <a:spcBef>
+                <a:spcPct val="20000"/>
+              </a:spcBef>
+              <a:spcAft>
+                <a:spcPct val="0"/>
+              </a:spcAft>
+              <a:buFont typeface="Arial" pitchFamily="34" charset="0"/>
+              <a:buChar char="»"/>
+              <a:defRPr sz="1800" b="1" kern="1200">
+                <a:solidFill>
+                  <a:schemeClr val="tx1"/>
+                </a:solidFill>
+                <a:latin typeface="HY그래픽M" pitchFamily="18" charset="-127"/>
+                <a:ea typeface="HY그래픽M" pitchFamily="18" charset="-127"/>
+                <a:cs typeface="+mn-cs"/>
+              </a:defRPr>
+            </a:lvl5pPr>
+            <a:lvl6pPr marL="2514600" indent="-228600" algn="l" defTabSz="914400" rtl="0" eaLnBrk="1" latinLnBrk="1" hangingPunct="1">
+              <a:spcBef>
+                <a:spcPct val="20000"/>
+              </a:spcBef>
+              <a:buFont typeface="Arial" pitchFamily="34" charset="0"/>
+              <a:buChar char="•"/>
+              <a:defRPr sz="2000" kern="1200">
+                <a:solidFill>
+                  <a:schemeClr val="tx1"/>
+                </a:solidFill>
+                <a:latin typeface="+mn-lt"/>
+                <a:ea typeface="+mn-ea"/>
+                <a:cs typeface="+mn-cs"/>
+              </a:defRPr>
+            </a:lvl6pPr>
+            <a:lvl7pPr marL="2971800" indent="-228600" algn="l" defTabSz="914400" rtl="0" eaLnBrk="1" latinLnBrk="1" hangingPunct="1">
+              <a:spcBef>
+                <a:spcPct val="20000"/>
+              </a:spcBef>
+              <a:buFont typeface="Arial" pitchFamily="34" charset="0"/>
+              <a:buChar char="•"/>
+              <a:defRPr sz="2000" kern="1200">
+                <a:solidFill>
+                  <a:schemeClr val="tx1"/>
+                </a:solidFill>
+                <a:latin typeface="+mn-lt"/>
+                <a:ea typeface="+mn-ea"/>
+                <a:cs typeface="+mn-cs"/>
+              </a:defRPr>
+            </a:lvl7pPr>
+            <a:lvl8pPr marL="3429000" indent="-228600" algn="l" defTabSz="914400" rtl="0" eaLnBrk="1" latinLnBrk="1" hangingPunct="1">
+              <a:spcBef>
+                <a:spcPct val="20000"/>
+              </a:spcBef>
+              <a:buFont typeface="Arial" pitchFamily="34" charset="0"/>
+              <a:buChar char="•"/>
+              <a:defRPr sz="2000" kern="1200">
+                <a:solidFill>
+                  <a:schemeClr val="tx1"/>
+                </a:solidFill>
+                <a:latin typeface="+mn-lt"/>
+                <a:ea typeface="+mn-ea"/>
+                <a:cs typeface="+mn-cs"/>
+              </a:defRPr>
+            </a:lvl8pPr>
+            <a:lvl9pPr marL="3886200" indent="-228600" algn="l" defTabSz="914400" rtl="0" eaLnBrk="1" latinLnBrk="1" hangingPunct="1">
+              <a:spcBef>
+                <a:spcPct val="20000"/>
+              </a:spcBef>
+              <a:buFont typeface="Arial" pitchFamily="34" charset="0"/>
+              <a:buChar char="•"/>
+              <a:defRPr sz="2000" kern="1200">
+                <a:solidFill>
+                  <a:schemeClr val="tx1"/>
+                </a:solidFill>
+                <a:latin typeface="+mn-lt"/>
+                <a:ea typeface="+mn-ea"/>
+                <a:cs typeface="+mn-cs"/>
+              </a:defRPr>
+            </a:lvl9pPr>
+          </a:lstStyle>
+          <a:p>
+            <a:pPr marL="0" indent="0">
+              <a:buNone/>
+            </a:pPr>
+            <a:r>
+              <a:rPr lang="en-US" altLang="ko-KR" sz="1600" dirty="0" smtClean="0"/>
+              <a:t>3</a:t>
+            </a:r>
+            <a:endParaRPr lang="ko-KR" altLang="en-US" sz="1600" dirty="0"/>
+          </a:p>
+        </p:txBody>
+      </p:sp>
     </p:spTree>
     <p:extLst>
       <p:ext uri="{BB962C8B-B14F-4D97-AF65-F5344CB8AC3E}">
@@ -3851,7 +4624,7 @@
       </p:grpSpPr>
       <p:pic>
         <p:nvPicPr>
-          <p:cNvPr id="3074" name="Picture 2"/>
+          <p:cNvPr id="5123" name="Picture 3"/>
           <p:cNvPicPr>
             <a:picLocks noChangeAspect="1" noChangeArrowheads="1"/>
           </p:cNvPicPr>
@@ -3872,8 +4645,8 @@
         </p:blipFill>
         <p:spPr bwMode="auto">
           <a:xfrm>
-            <a:off x="127669" y="1587234"/>
-            <a:ext cx="9793359" cy="3857990"/>
+            <a:off x="874713" y="1585913"/>
+            <a:ext cx="8153400" cy="3686175"/>
           </a:xfrm>
           <a:prstGeom prst="rect">
             <a:avLst/>
@@ -3974,7 +4747,7 @@
           <a:p>
             <a:r>
               <a:rPr lang="ko-KR" altLang="en-US" dirty="0" smtClean="0"/>
-              <a:t>부품리스트에 </a:t>
+              <a:t>준비리스트에 </a:t>
             </a:r>
             <a:r>
               <a:rPr lang="ko-KR" altLang="en-US" dirty="0" err="1" smtClean="0"/>
@@ -3982,7 +4755,11 @@
             </a:r>
             <a:r>
               <a:rPr lang="ko-KR" altLang="en-US" dirty="0" smtClean="0"/>
-              <a:t> 표시 및 수정</a:t>
+              <a:t> </a:t>
+            </a:r>
+            <a:r>
+              <a:rPr lang="ko-KR" altLang="en-US" dirty="0" smtClean="0"/>
+              <a:t>표시</a:t>
             </a:r>
             <a:r>
               <a:rPr lang="en-US" altLang="ko-KR" dirty="0" smtClean="0"/>
@@ -3991,541 +4768,594 @@
             <a:r>
               <a:rPr lang="ko-KR" altLang="en-US" dirty="0" smtClean="0"/>
               <a:t>삭제 가능</a:t>
+            </a:r>
+            <a:endParaRPr lang="en-US" altLang="ko-KR" dirty="0" smtClean="0"/>
+          </a:p>
+          <a:p>
+            <a:r>
+              <a:rPr lang="ko-KR" altLang="en-US" dirty="0" err="1" smtClean="0"/>
+              <a:t>삭제시</a:t>
+            </a:r>
+            <a:r>
+              <a:rPr lang="ko-KR" altLang="en-US" dirty="0" smtClean="0"/>
+              <a:t> 재고수량 증가</a:t>
+            </a:r>
+            <a:r>
+              <a:rPr lang="en-US" altLang="ko-KR" dirty="0" smtClean="0"/>
+              <a:t>(</a:t>
+            </a:r>
+            <a:r>
+              <a:rPr lang="ko-KR" altLang="en-US" dirty="0" smtClean="0"/>
+              <a:t>원복</a:t>
+            </a:r>
+            <a:r>
+              <a:rPr lang="en-US" altLang="ko-KR" dirty="0" smtClean="0"/>
+              <a:t>)</a:t>
             </a:r>
             <a:endParaRPr lang="ko-KR" altLang="en-US" dirty="0"/>
           </a:p>
         </p:txBody>
       </p:sp>
-      <p:sp>
-        <p:nvSpPr>
-          <p:cNvPr id="5" name="아래쪽 화살표 4"/>
-          <p:cNvSpPr/>
+      <p:grpSp>
+        <p:nvGrpSpPr>
+          <p:cNvPr id="7" name="그룹 6"/>
+          <p:cNvGrpSpPr/>
           <p:nvPr/>
-        </p:nvSpPr>
-        <p:spPr>
+        </p:nvGrpSpPr>
+        <p:grpSpPr>
           <a:xfrm>
             <a:off x="2719958" y="1089555"/>
-            <a:ext cx="491136" cy="444974"/>
+            <a:ext cx="576064" cy="444974"/>
+            <a:chOff x="2719958" y="1089555"/>
+            <a:chExt cx="576064" cy="444974"/>
           </a:xfrm>
-          <a:prstGeom prst="downArrow">
-            <a:avLst/>
-          </a:prstGeom>
-          <a:solidFill>
-            <a:schemeClr val="accent2">
-              <a:tint val="100000"/>
-              <a:alpha val="31000"/>
-            </a:schemeClr>
-          </a:solidFill>
-        </p:spPr>
-        <p:style>
-          <a:lnRef idx="2">
-            <a:schemeClr val="accent2">
-              <a:shade val="50000"/>
-            </a:schemeClr>
-          </a:lnRef>
-          <a:fillRef idx="1">
-            <a:schemeClr val="accent2"/>
-          </a:fillRef>
-          <a:effectRef idx="0">
-            <a:schemeClr val="accent2"/>
-          </a:effectRef>
-          <a:fontRef idx="minor">
-            <a:schemeClr val="lt1"/>
-          </a:fontRef>
-        </p:style>
-        <p:txBody>
-          <a:bodyPr rot="0" spcFirstLastPara="0" vertOverflow="overflow" horzOverflow="overflow" vert="horz" wrap="square" lIns="91440" tIns="45720" rIns="91440" bIns="45720" numCol="1" spcCol="0" rtlCol="0" fromWordArt="0" anchor="ctr" anchorCtr="0" forceAA="0" compatLnSpc="1">
-            <a:prstTxWarp prst="textNoShape">
+        </p:grpSpPr>
+        <p:sp>
+          <p:nvSpPr>
+            <p:cNvPr id="5" name="아래쪽 화살표 4"/>
+            <p:cNvSpPr/>
+            <p:nvPr/>
+          </p:nvSpPr>
+          <p:spPr>
+            <a:xfrm>
+              <a:off x="2719958" y="1089555"/>
+              <a:ext cx="491136" cy="444974"/>
+            </a:xfrm>
+            <a:prstGeom prst="downArrow">
               <a:avLst/>
-            </a:prstTxWarp>
-            <a:noAutofit/>
-          </a:bodyPr>
-          <a:lstStyle/>
-          <a:p>
-            <a:pPr algn="ctr"/>
-            <a:endParaRPr lang="ko-KR" altLang="en-US">
-              <a:solidFill>
-                <a:schemeClr val="lt1"/>
-              </a:solidFill>
-            </a:endParaRPr>
-          </a:p>
-        </p:txBody>
-      </p:sp>
-      <p:sp>
-        <p:nvSpPr>
-          <p:cNvPr id="6" name="아래쪽 화살표 5"/>
-          <p:cNvSpPr/>
+            </a:prstGeom>
+            <a:solidFill>
+              <a:schemeClr val="accent2">
+                <a:tint val="100000"/>
+                <a:alpha val="31000"/>
+              </a:schemeClr>
+            </a:solidFill>
+          </p:spPr>
+          <p:style>
+            <a:lnRef idx="2">
+              <a:schemeClr val="accent2">
+                <a:shade val="50000"/>
+              </a:schemeClr>
+            </a:lnRef>
+            <a:fillRef idx="1">
+              <a:schemeClr val="accent2"/>
+            </a:fillRef>
+            <a:effectRef idx="0">
+              <a:schemeClr val="accent2"/>
+            </a:effectRef>
+            <a:fontRef idx="minor">
+              <a:schemeClr val="lt1"/>
+            </a:fontRef>
+          </p:style>
+          <p:txBody>
+            <a:bodyPr rot="0" spcFirstLastPara="0" vertOverflow="overflow" horzOverflow="overflow" vert="horz" wrap="square" lIns="91440" tIns="45720" rIns="91440" bIns="45720" numCol="1" spcCol="0" rtlCol="0" fromWordArt="0" anchor="ctr" anchorCtr="0" forceAA="0" compatLnSpc="1">
+              <a:prstTxWarp prst="textNoShape">
+                <a:avLst/>
+              </a:prstTxWarp>
+              <a:noAutofit/>
+            </a:bodyPr>
+            <a:lstStyle/>
+            <a:p>
+              <a:pPr algn="ctr"/>
+              <a:endParaRPr lang="ko-KR" altLang="en-US">
+                <a:solidFill>
+                  <a:schemeClr val="lt1"/>
+                </a:solidFill>
+              </a:endParaRPr>
+            </a:p>
+          </p:txBody>
+        </p:sp>
+        <p:sp>
+          <p:nvSpPr>
+            <p:cNvPr id="8" name="내용 개체 틀 2"/>
+            <p:cNvSpPr txBox="1">
+              <a:spLocks/>
+            </p:cNvSpPr>
+            <p:nvPr/>
+          </p:nvSpPr>
+          <p:spPr bwMode="auto">
+            <a:xfrm>
+              <a:off x="2789904" y="1100842"/>
+              <a:ext cx="506118" cy="380826"/>
+            </a:xfrm>
+            <a:prstGeom prst="rect">
+              <a:avLst/>
+            </a:prstGeom>
+            <a:noFill/>
+            <a:ln>
+              <a:noFill/>
+            </a:ln>
+            <a:extLst>
+              <a:ext uri="{909E8E84-426E-40DD-AFC4-6F175D3DCCD1}">
+                <a14:hiddenFill xmlns:a14="http://schemas.microsoft.com/office/drawing/2010/main">
+                  <a:solidFill>
+                    <a:srgbClr val="FFFFFF"/>
+                  </a:solidFill>
+                </a14:hiddenFill>
+              </a:ext>
+              <a:ext uri="{91240B29-F687-4F45-9708-019B960494DF}">
+                <a14:hiddenLine xmlns:a14="http://schemas.microsoft.com/office/drawing/2010/main" w="9525">
+                  <a:solidFill>
+                    <a:srgbClr val="000000"/>
+                  </a:solidFill>
+                  <a:miter lim="800000"/>
+                  <a:headEnd/>
+                  <a:tailEnd/>
+                </a14:hiddenLine>
+              </a:ext>
+            </a:extLst>
+          </p:spPr>
+          <p:txBody>
+            <a:bodyPr vert="horz" wrap="square" lIns="91440" tIns="45720" rIns="91440" bIns="45720" numCol="1" anchor="t" anchorCtr="0" compatLnSpc="1">
+              <a:prstTxWarp prst="textNoShape">
+                <a:avLst/>
+              </a:prstTxWarp>
+            </a:bodyPr>
+            <a:lstStyle>
+              <a:lvl1pPr marL="342900" indent="-342900" algn="l" rtl="0" eaLnBrk="0" fontAlgn="base" latinLnBrk="1" hangingPunct="0">
+                <a:spcBef>
+                  <a:spcPct val="20000"/>
+                </a:spcBef>
+                <a:spcAft>
+                  <a:spcPct val="0"/>
+                </a:spcAft>
+                <a:buFont typeface="Arial" pitchFamily="34" charset="0"/>
+                <a:buChar char="•"/>
+                <a:defRPr sz="2800" b="1" kern="1200">
+                  <a:solidFill>
+                    <a:schemeClr val="tx1"/>
+                  </a:solidFill>
+                  <a:latin typeface="HY그래픽M" pitchFamily="18" charset="-127"/>
+                  <a:ea typeface="HY그래픽M" pitchFamily="18" charset="-127"/>
+                  <a:cs typeface="+mn-cs"/>
+                </a:defRPr>
+              </a:lvl1pPr>
+              <a:lvl2pPr marL="742950" indent="-285750" algn="l" rtl="0" eaLnBrk="0" fontAlgn="base" latinLnBrk="1" hangingPunct="0">
+                <a:spcBef>
+                  <a:spcPct val="20000"/>
+                </a:spcBef>
+                <a:spcAft>
+                  <a:spcPct val="0"/>
+                </a:spcAft>
+                <a:buFont typeface="Arial" pitchFamily="34" charset="0"/>
+                <a:buChar char="–"/>
+                <a:defRPr sz="2400" b="1" kern="1200">
+                  <a:solidFill>
+                    <a:schemeClr val="tx1"/>
+                  </a:solidFill>
+                  <a:latin typeface="HY그래픽M" pitchFamily="18" charset="-127"/>
+                  <a:ea typeface="HY그래픽M" pitchFamily="18" charset="-127"/>
+                  <a:cs typeface="+mn-cs"/>
+                </a:defRPr>
+              </a:lvl2pPr>
+              <a:lvl3pPr marL="1143000" indent="-228600" algn="l" rtl="0" eaLnBrk="0" fontAlgn="base" latinLnBrk="1" hangingPunct="0">
+                <a:spcBef>
+                  <a:spcPct val="20000"/>
+                </a:spcBef>
+                <a:spcAft>
+                  <a:spcPct val="0"/>
+                </a:spcAft>
+                <a:buFont typeface="Arial" pitchFamily="34" charset="0"/>
+                <a:buChar char="•"/>
+                <a:defRPr sz="2000" b="1" kern="1200">
+                  <a:solidFill>
+                    <a:schemeClr val="tx1"/>
+                  </a:solidFill>
+                  <a:latin typeface="HY그래픽M" pitchFamily="18" charset="-127"/>
+                  <a:ea typeface="HY그래픽M" pitchFamily="18" charset="-127"/>
+                  <a:cs typeface="+mn-cs"/>
+                </a:defRPr>
+              </a:lvl3pPr>
+              <a:lvl4pPr marL="1600200" indent="-228600" algn="l" rtl="0" eaLnBrk="0" fontAlgn="base" latinLnBrk="1" hangingPunct="0">
+                <a:spcBef>
+                  <a:spcPct val="20000"/>
+                </a:spcBef>
+                <a:spcAft>
+                  <a:spcPct val="0"/>
+                </a:spcAft>
+                <a:buFont typeface="Arial" pitchFamily="34" charset="0"/>
+                <a:buChar char="–"/>
+                <a:defRPr sz="1800" b="1" kern="1200">
+                  <a:solidFill>
+                    <a:schemeClr val="tx1"/>
+                  </a:solidFill>
+                  <a:latin typeface="HY그래픽M" pitchFamily="18" charset="-127"/>
+                  <a:ea typeface="HY그래픽M" pitchFamily="18" charset="-127"/>
+                  <a:cs typeface="+mn-cs"/>
+                </a:defRPr>
+              </a:lvl4pPr>
+              <a:lvl5pPr marL="2057400" indent="-228600" algn="l" rtl="0" eaLnBrk="0" fontAlgn="base" latinLnBrk="1" hangingPunct="0">
+                <a:spcBef>
+                  <a:spcPct val="20000"/>
+                </a:spcBef>
+                <a:spcAft>
+                  <a:spcPct val="0"/>
+                </a:spcAft>
+                <a:buFont typeface="Arial" pitchFamily="34" charset="0"/>
+                <a:buChar char="»"/>
+                <a:defRPr sz="1800" b="1" kern="1200">
+                  <a:solidFill>
+                    <a:schemeClr val="tx1"/>
+                  </a:solidFill>
+                  <a:latin typeface="HY그래픽M" pitchFamily="18" charset="-127"/>
+                  <a:ea typeface="HY그래픽M" pitchFamily="18" charset="-127"/>
+                  <a:cs typeface="+mn-cs"/>
+                </a:defRPr>
+              </a:lvl5pPr>
+              <a:lvl6pPr marL="2514600" indent="-228600" algn="l" defTabSz="914400" rtl="0" eaLnBrk="1" latinLnBrk="1" hangingPunct="1">
+                <a:spcBef>
+                  <a:spcPct val="20000"/>
+                </a:spcBef>
+                <a:buFont typeface="Arial" pitchFamily="34" charset="0"/>
+                <a:buChar char="•"/>
+                <a:defRPr sz="2000" kern="1200">
+                  <a:solidFill>
+                    <a:schemeClr val="tx1"/>
+                  </a:solidFill>
+                  <a:latin typeface="+mn-lt"/>
+                  <a:ea typeface="+mn-ea"/>
+                  <a:cs typeface="+mn-cs"/>
+                </a:defRPr>
+              </a:lvl6pPr>
+              <a:lvl7pPr marL="2971800" indent="-228600" algn="l" defTabSz="914400" rtl="0" eaLnBrk="1" latinLnBrk="1" hangingPunct="1">
+                <a:spcBef>
+                  <a:spcPct val="20000"/>
+                </a:spcBef>
+                <a:buFont typeface="Arial" pitchFamily="34" charset="0"/>
+                <a:buChar char="•"/>
+                <a:defRPr sz="2000" kern="1200">
+                  <a:solidFill>
+                    <a:schemeClr val="tx1"/>
+                  </a:solidFill>
+                  <a:latin typeface="+mn-lt"/>
+                  <a:ea typeface="+mn-ea"/>
+                  <a:cs typeface="+mn-cs"/>
+                </a:defRPr>
+              </a:lvl7pPr>
+              <a:lvl8pPr marL="3429000" indent="-228600" algn="l" defTabSz="914400" rtl="0" eaLnBrk="1" latinLnBrk="1" hangingPunct="1">
+                <a:spcBef>
+                  <a:spcPct val="20000"/>
+                </a:spcBef>
+                <a:buFont typeface="Arial" pitchFamily="34" charset="0"/>
+                <a:buChar char="•"/>
+                <a:defRPr sz="2000" kern="1200">
+                  <a:solidFill>
+                    <a:schemeClr val="tx1"/>
+                  </a:solidFill>
+                  <a:latin typeface="+mn-lt"/>
+                  <a:ea typeface="+mn-ea"/>
+                  <a:cs typeface="+mn-cs"/>
+                </a:defRPr>
+              </a:lvl8pPr>
+              <a:lvl9pPr marL="3886200" indent="-228600" algn="l" defTabSz="914400" rtl="0" eaLnBrk="1" latinLnBrk="1" hangingPunct="1">
+                <a:spcBef>
+                  <a:spcPct val="20000"/>
+                </a:spcBef>
+                <a:buFont typeface="Arial" pitchFamily="34" charset="0"/>
+                <a:buChar char="•"/>
+                <a:defRPr sz="2000" kern="1200">
+                  <a:solidFill>
+                    <a:schemeClr val="tx1"/>
+                  </a:solidFill>
+                  <a:latin typeface="+mn-lt"/>
+                  <a:ea typeface="+mn-ea"/>
+                  <a:cs typeface="+mn-cs"/>
+                </a:defRPr>
+              </a:lvl9pPr>
+            </a:lstStyle>
+            <a:p>
+              <a:pPr marL="0" indent="0">
+                <a:buNone/>
+              </a:pPr>
+              <a:r>
+                <a:rPr lang="en-US" altLang="ko-KR" sz="1600" dirty="0" smtClean="0"/>
+                <a:t>1</a:t>
+              </a:r>
+              <a:endParaRPr lang="ko-KR" altLang="en-US" sz="1600" dirty="0"/>
+            </a:p>
+          </p:txBody>
+        </p:sp>
+      </p:grpSp>
+      <p:grpSp>
+        <p:nvGrpSpPr>
+          <p:cNvPr id="4" name="그룹 3"/>
+          <p:cNvGrpSpPr/>
           <p:nvPr/>
-        </p:nvSpPr>
-        <p:spPr>
-          <a:xfrm rot="5400000">
-            <a:off x="3776997" y="1939913"/>
-            <a:ext cx="491136" cy="444974"/>
+        </p:nvGrpSpPr>
+        <p:grpSpPr>
+          <a:xfrm>
+            <a:off x="3279626" y="1988840"/>
+            <a:ext cx="534048" cy="491136"/>
+            <a:chOff x="3279626" y="1988840"/>
+            <a:chExt cx="534048" cy="491136"/>
           </a:xfrm>
-          <a:prstGeom prst="downArrow">
-            <a:avLst/>
-          </a:prstGeom>
-          <a:solidFill>
-            <a:schemeClr val="accent2">
-              <a:tint val="100000"/>
-              <a:alpha val="31000"/>
-            </a:schemeClr>
-          </a:solidFill>
-        </p:spPr>
-        <p:style>
-          <a:lnRef idx="2">
-            <a:schemeClr val="accent2">
-              <a:shade val="50000"/>
-            </a:schemeClr>
-          </a:lnRef>
-          <a:fillRef idx="1">
-            <a:schemeClr val="accent2"/>
-          </a:fillRef>
-          <a:effectRef idx="0">
-            <a:schemeClr val="accent2"/>
-          </a:effectRef>
-          <a:fontRef idx="minor">
-            <a:schemeClr val="lt1"/>
-          </a:fontRef>
-        </p:style>
-        <p:txBody>
-          <a:bodyPr rot="0" spcFirstLastPara="0" vertOverflow="overflow" horzOverflow="overflow" vert="horz" wrap="square" lIns="91440" tIns="45720" rIns="91440" bIns="45720" numCol="1" spcCol="0" rtlCol="0" fromWordArt="0" anchor="ctr" anchorCtr="0" forceAA="0" compatLnSpc="1">
-            <a:prstTxWarp prst="textNoShape">
+        </p:grpSpPr>
+        <p:sp>
+          <p:nvSpPr>
+            <p:cNvPr id="6" name="아래쪽 화살표 5"/>
+            <p:cNvSpPr/>
+            <p:nvPr/>
+          </p:nvSpPr>
+          <p:spPr>
+            <a:xfrm rot="5400000">
+              <a:off x="3256545" y="2011921"/>
+              <a:ext cx="491136" cy="444974"/>
+            </a:xfrm>
+            <a:prstGeom prst="downArrow">
               <a:avLst/>
-            </a:prstTxWarp>
-            <a:noAutofit/>
-          </a:bodyPr>
-          <a:lstStyle/>
-          <a:p>
-            <a:pPr algn="ctr"/>
-            <a:endParaRPr lang="ko-KR" altLang="en-US">
-              <a:solidFill>
-                <a:schemeClr val="lt1"/>
-              </a:solidFill>
-            </a:endParaRPr>
-          </a:p>
-        </p:txBody>
-      </p:sp>
-      <p:sp>
-        <p:nvSpPr>
-          <p:cNvPr id="8" name="내용 개체 틀 2"/>
-          <p:cNvSpPr txBox="1">
-            <a:spLocks/>
-          </p:cNvSpPr>
-          <p:nvPr/>
-        </p:nvSpPr>
-        <p:spPr bwMode="auto">
-          <a:xfrm>
-            <a:off x="2801491" y="1089555"/>
-            <a:ext cx="506118" cy="380826"/>
-          </a:xfrm>
-          <a:prstGeom prst="rect">
-            <a:avLst/>
-          </a:prstGeom>
-          <a:noFill/>
-          <a:ln>
+            </a:prstGeom>
+            <a:solidFill>
+              <a:schemeClr val="accent2">
+                <a:tint val="100000"/>
+                <a:alpha val="31000"/>
+              </a:schemeClr>
+            </a:solidFill>
+          </p:spPr>
+          <p:style>
+            <a:lnRef idx="2">
+              <a:schemeClr val="accent2">
+                <a:shade val="50000"/>
+              </a:schemeClr>
+            </a:lnRef>
+            <a:fillRef idx="1">
+              <a:schemeClr val="accent2"/>
+            </a:fillRef>
+            <a:effectRef idx="0">
+              <a:schemeClr val="accent2"/>
+            </a:effectRef>
+            <a:fontRef idx="minor">
+              <a:schemeClr val="lt1"/>
+            </a:fontRef>
+          </p:style>
+          <p:txBody>
+            <a:bodyPr rot="0" spcFirstLastPara="0" vertOverflow="overflow" horzOverflow="overflow" vert="horz" wrap="square" lIns="91440" tIns="45720" rIns="91440" bIns="45720" numCol="1" spcCol="0" rtlCol="0" fromWordArt="0" anchor="ctr" anchorCtr="0" forceAA="0" compatLnSpc="1">
+              <a:prstTxWarp prst="textNoShape">
+                <a:avLst/>
+              </a:prstTxWarp>
+              <a:noAutofit/>
+            </a:bodyPr>
+            <a:lstStyle/>
+            <a:p>
+              <a:pPr algn="ctr"/>
+              <a:endParaRPr lang="ko-KR" altLang="en-US">
+                <a:solidFill>
+                  <a:schemeClr val="lt1"/>
+                </a:solidFill>
+              </a:endParaRPr>
+            </a:p>
+          </p:txBody>
+        </p:sp>
+        <p:sp>
+          <p:nvSpPr>
+            <p:cNvPr id="9" name="내용 개체 틀 2"/>
+            <p:cNvSpPr txBox="1">
+              <a:spLocks/>
+            </p:cNvSpPr>
+            <p:nvPr/>
+          </p:nvSpPr>
+          <p:spPr bwMode="auto">
+            <a:xfrm>
+              <a:off x="3307556" y="2043995"/>
+              <a:ext cx="506118" cy="380826"/>
+            </a:xfrm>
+            <a:prstGeom prst="rect">
+              <a:avLst/>
+            </a:prstGeom>
             <a:noFill/>
-          </a:ln>
-          <a:extLst>
-            <a:ext uri="{909E8E84-426E-40DD-AFC4-6F175D3DCCD1}">
-              <a14:hiddenFill xmlns:a14="http://schemas.microsoft.com/office/drawing/2010/main">
-                <a:solidFill>
-                  <a:srgbClr val="FFFFFF"/>
-                </a:solidFill>
-              </a14:hiddenFill>
-            </a:ext>
-            <a:ext uri="{91240B29-F687-4F45-9708-019B960494DF}">
-              <a14:hiddenLine xmlns:a14="http://schemas.microsoft.com/office/drawing/2010/main" w="9525">
-                <a:solidFill>
-                  <a:srgbClr val="000000"/>
-                </a:solidFill>
-                <a:miter lim="800000"/>
-                <a:headEnd/>
-                <a:tailEnd/>
-              </a14:hiddenLine>
-            </a:ext>
-          </a:extLst>
-        </p:spPr>
-        <p:txBody>
-          <a:bodyPr vert="horz" wrap="square" lIns="91440" tIns="45720" rIns="91440" bIns="45720" numCol="1" anchor="t" anchorCtr="0" compatLnSpc="1">
-            <a:prstTxWarp prst="textNoShape">
-              <a:avLst/>
-            </a:prstTxWarp>
-          </a:bodyPr>
-          <a:lstStyle>
-            <a:lvl1pPr marL="342900" indent="-342900" algn="l" rtl="0" eaLnBrk="0" fontAlgn="base" latinLnBrk="1" hangingPunct="0">
-              <a:spcBef>
-                <a:spcPct val="20000"/>
-              </a:spcBef>
-              <a:spcAft>
-                <a:spcPct val="0"/>
-              </a:spcAft>
-              <a:buFont typeface="Arial" pitchFamily="34" charset="0"/>
-              <a:buChar char="•"/>
-              <a:defRPr sz="2800" b="1" kern="1200">
-                <a:solidFill>
-                  <a:schemeClr val="tx1"/>
-                </a:solidFill>
-                <a:latin typeface="HY그래픽M" pitchFamily="18" charset="-127"/>
-                <a:ea typeface="HY그래픽M" pitchFamily="18" charset="-127"/>
-                <a:cs typeface="+mn-cs"/>
-              </a:defRPr>
-            </a:lvl1pPr>
-            <a:lvl2pPr marL="742950" indent="-285750" algn="l" rtl="0" eaLnBrk="0" fontAlgn="base" latinLnBrk="1" hangingPunct="0">
-              <a:spcBef>
-                <a:spcPct val="20000"/>
-              </a:spcBef>
-              <a:spcAft>
-                <a:spcPct val="0"/>
-              </a:spcAft>
-              <a:buFont typeface="Arial" pitchFamily="34" charset="0"/>
-              <a:buChar char="–"/>
-              <a:defRPr sz="2400" b="1" kern="1200">
-                <a:solidFill>
-                  <a:schemeClr val="tx1"/>
-                </a:solidFill>
-                <a:latin typeface="HY그래픽M" pitchFamily="18" charset="-127"/>
-                <a:ea typeface="HY그래픽M" pitchFamily="18" charset="-127"/>
-                <a:cs typeface="+mn-cs"/>
-              </a:defRPr>
-            </a:lvl2pPr>
-            <a:lvl3pPr marL="1143000" indent="-228600" algn="l" rtl="0" eaLnBrk="0" fontAlgn="base" latinLnBrk="1" hangingPunct="0">
-              <a:spcBef>
-                <a:spcPct val="20000"/>
-              </a:spcBef>
-              <a:spcAft>
-                <a:spcPct val="0"/>
-              </a:spcAft>
-              <a:buFont typeface="Arial" pitchFamily="34" charset="0"/>
-              <a:buChar char="•"/>
-              <a:defRPr sz="2000" b="1" kern="1200">
-                <a:solidFill>
-                  <a:schemeClr val="tx1"/>
-                </a:solidFill>
-                <a:latin typeface="HY그래픽M" pitchFamily="18" charset="-127"/>
-                <a:ea typeface="HY그래픽M" pitchFamily="18" charset="-127"/>
-                <a:cs typeface="+mn-cs"/>
-              </a:defRPr>
-            </a:lvl3pPr>
-            <a:lvl4pPr marL="1600200" indent="-228600" algn="l" rtl="0" eaLnBrk="0" fontAlgn="base" latinLnBrk="1" hangingPunct="0">
-              <a:spcBef>
-                <a:spcPct val="20000"/>
-              </a:spcBef>
-              <a:spcAft>
-                <a:spcPct val="0"/>
-              </a:spcAft>
-              <a:buFont typeface="Arial" pitchFamily="34" charset="0"/>
-              <a:buChar char="–"/>
-              <a:defRPr sz="1800" b="1" kern="1200">
-                <a:solidFill>
-                  <a:schemeClr val="tx1"/>
-                </a:solidFill>
-                <a:latin typeface="HY그래픽M" pitchFamily="18" charset="-127"/>
-                <a:ea typeface="HY그래픽M" pitchFamily="18" charset="-127"/>
-                <a:cs typeface="+mn-cs"/>
-              </a:defRPr>
-            </a:lvl4pPr>
-            <a:lvl5pPr marL="2057400" indent="-228600" algn="l" rtl="0" eaLnBrk="0" fontAlgn="base" latinLnBrk="1" hangingPunct="0">
-              <a:spcBef>
-                <a:spcPct val="20000"/>
-              </a:spcBef>
-              <a:spcAft>
-                <a:spcPct val="0"/>
-              </a:spcAft>
-              <a:buFont typeface="Arial" pitchFamily="34" charset="0"/>
-              <a:buChar char="»"/>
-              <a:defRPr sz="1800" b="1" kern="1200">
-                <a:solidFill>
-                  <a:schemeClr val="tx1"/>
-                </a:solidFill>
-                <a:latin typeface="HY그래픽M" pitchFamily="18" charset="-127"/>
-                <a:ea typeface="HY그래픽M" pitchFamily="18" charset="-127"/>
-                <a:cs typeface="+mn-cs"/>
-              </a:defRPr>
-            </a:lvl5pPr>
-            <a:lvl6pPr marL="2514600" indent="-228600" algn="l" defTabSz="914400" rtl="0" eaLnBrk="1" latinLnBrk="1" hangingPunct="1">
-              <a:spcBef>
-                <a:spcPct val="20000"/>
-              </a:spcBef>
-              <a:buFont typeface="Arial" pitchFamily="34" charset="0"/>
-              <a:buChar char="•"/>
-              <a:defRPr sz="2000" kern="1200">
-                <a:solidFill>
-                  <a:schemeClr val="tx1"/>
-                </a:solidFill>
-                <a:latin typeface="+mn-lt"/>
-                <a:ea typeface="+mn-ea"/>
-                <a:cs typeface="+mn-cs"/>
-              </a:defRPr>
-            </a:lvl6pPr>
-            <a:lvl7pPr marL="2971800" indent="-228600" algn="l" defTabSz="914400" rtl="0" eaLnBrk="1" latinLnBrk="1" hangingPunct="1">
-              <a:spcBef>
-                <a:spcPct val="20000"/>
-              </a:spcBef>
-              <a:buFont typeface="Arial" pitchFamily="34" charset="0"/>
-              <a:buChar char="•"/>
-              <a:defRPr sz="2000" kern="1200">
-                <a:solidFill>
-                  <a:schemeClr val="tx1"/>
-                </a:solidFill>
-                <a:latin typeface="+mn-lt"/>
-                <a:ea typeface="+mn-ea"/>
-                <a:cs typeface="+mn-cs"/>
-              </a:defRPr>
-            </a:lvl7pPr>
-            <a:lvl8pPr marL="3429000" indent="-228600" algn="l" defTabSz="914400" rtl="0" eaLnBrk="1" latinLnBrk="1" hangingPunct="1">
-              <a:spcBef>
-                <a:spcPct val="20000"/>
-              </a:spcBef>
-              <a:buFont typeface="Arial" pitchFamily="34" charset="0"/>
-              <a:buChar char="•"/>
-              <a:defRPr sz="2000" kern="1200">
-                <a:solidFill>
-                  <a:schemeClr val="tx1"/>
-                </a:solidFill>
-                <a:latin typeface="+mn-lt"/>
-                <a:ea typeface="+mn-ea"/>
-                <a:cs typeface="+mn-cs"/>
-              </a:defRPr>
-            </a:lvl8pPr>
-            <a:lvl9pPr marL="3886200" indent="-228600" algn="l" defTabSz="914400" rtl="0" eaLnBrk="1" latinLnBrk="1" hangingPunct="1">
-              <a:spcBef>
-                <a:spcPct val="20000"/>
-              </a:spcBef>
-              <a:buFont typeface="Arial" pitchFamily="34" charset="0"/>
-              <a:buChar char="•"/>
-              <a:defRPr sz="2000" kern="1200">
-                <a:solidFill>
-                  <a:schemeClr val="tx1"/>
-                </a:solidFill>
-                <a:latin typeface="+mn-lt"/>
-                <a:ea typeface="+mn-ea"/>
-                <a:cs typeface="+mn-cs"/>
-              </a:defRPr>
-            </a:lvl9pPr>
-          </a:lstStyle>
-          <a:p>
-            <a:pPr marL="0" indent="0">
-              <a:buNone/>
-            </a:pPr>
-            <a:r>
-              <a:rPr lang="en-US" altLang="ko-KR" sz="1600" dirty="0" smtClean="0"/>
-              <a:t>1</a:t>
-            </a:r>
-            <a:endParaRPr lang="ko-KR" altLang="en-US" sz="1600" dirty="0"/>
-          </a:p>
-        </p:txBody>
-      </p:sp>
-      <p:sp>
-        <p:nvSpPr>
-          <p:cNvPr id="9" name="내용 개체 틀 2"/>
-          <p:cNvSpPr txBox="1">
-            <a:spLocks/>
-          </p:cNvSpPr>
-          <p:nvPr/>
-        </p:nvSpPr>
-        <p:spPr bwMode="auto">
-          <a:xfrm>
-            <a:off x="3942032" y="1988840"/>
-            <a:ext cx="506118" cy="380826"/>
-          </a:xfrm>
-          <a:prstGeom prst="rect">
-            <a:avLst/>
-          </a:prstGeom>
-          <a:noFill/>
-          <a:ln>
-            <a:noFill/>
-          </a:ln>
-          <a:extLst>
-            <a:ext uri="{909E8E84-426E-40DD-AFC4-6F175D3DCCD1}">
-              <a14:hiddenFill xmlns:a14="http://schemas.microsoft.com/office/drawing/2010/main">
-                <a:solidFill>
-                  <a:srgbClr val="FFFFFF"/>
-                </a:solidFill>
-              </a14:hiddenFill>
-            </a:ext>
-            <a:ext uri="{91240B29-F687-4F45-9708-019B960494DF}">
-              <a14:hiddenLine xmlns:a14="http://schemas.microsoft.com/office/drawing/2010/main" w="9525">
-                <a:solidFill>
-                  <a:srgbClr val="000000"/>
-                </a:solidFill>
-                <a:miter lim="800000"/>
-                <a:headEnd/>
-                <a:tailEnd/>
-              </a14:hiddenLine>
-            </a:ext>
-          </a:extLst>
-        </p:spPr>
-        <p:txBody>
-          <a:bodyPr vert="horz" wrap="square" lIns="91440" tIns="45720" rIns="91440" bIns="45720" numCol="1" anchor="t" anchorCtr="0" compatLnSpc="1">
-            <a:prstTxWarp prst="textNoShape">
-              <a:avLst/>
-            </a:prstTxWarp>
-          </a:bodyPr>
-          <a:lstStyle>
-            <a:lvl1pPr marL="342900" indent="-342900" algn="l" rtl="0" eaLnBrk="0" fontAlgn="base" latinLnBrk="1" hangingPunct="0">
-              <a:spcBef>
-                <a:spcPct val="20000"/>
-              </a:spcBef>
-              <a:spcAft>
-                <a:spcPct val="0"/>
-              </a:spcAft>
-              <a:buFont typeface="Arial" pitchFamily="34" charset="0"/>
-              <a:buChar char="•"/>
-              <a:defRPr sz="2800" b="1" kern="1200">
-                <a:solidFill>
-                  <a:schemeClr val="tx1"/>
-                </a:solidFill>
-                <a:latin typeface="HY그래픽M" pitchFamily="18" charset="-127"/>
-                <a:ea typeface="HY그래픽M" pitchFamily="18" charset="-127"/>
-                <a:cs typeface="+mn-cs"/>
-              </a:defRPr>
-            </a:lvl1pPr>
-            <a:lvl2pPr marL="742950" indent="-285750" algn="l" rtl="0" eaLnBrk="0" fontAlgn="base" latinLnBrk="1" hangingPunct="0">
-              <a:spcBef>
-                <a:spcPct val="20000"/>
-              </a:spcBef>
-              <a:spcAft>
-                <a:spcPct val="0"/>
-              </a:spcAft>
-              <a:buFont typeface="Arial" pitchFamily="34" charset="0"/>
-              <a:buChar char="–"/>
-              <a:defRPr sz="2400" b="1" kern="1200">
-                <a:solidFill>
-                  <a:schemeClr val="tx1"/>
-                </a:solidFill>
-                <a:latin typeface="HY그래픽M" pitchFamily="18" charset="-127"/>
-                <a:ea typeface="HY그래픽M" pitchFamily="18" charset="-127"/>
-                <a:cs typeface="+mn-cs"/>
-              </a:defRPr>
-            </a:lvl2pPr>
-            <a:lvl3pPr marL="1143000" indent="-228600" algn="l" rtl="0" eaLnBrk="0" fontAlgn="base" latinLnBrk="1" hangingPunct="0">
-              <a:spcBef>
-                <a:spcPct val="20000"/>
-              </a:spcBef>
-              <a:spcAft>
-                <a:spcPct val="0"/>
-              </a:spcAft>
-              <a:buFont typeface="Arial" pitchFamily="34" charset="0"/>
-              <a:buChar char="•"/>
-              <a:defRPr sz="2000" b="1" kern="1200">
-                <a:solidFill>
-                  <a:schemeClr val="tx1"/>
-                </a:solidFill>
-                <a:latin typeface="HY그래픽M" pitchFamily="18" charset="-127"/>
-                <a:ea typeface="HY그래픽M" pitchFamily="18" charset="-127"/>
-                <a:cs typeface="+mn-cs"/>
-              </a:defRPr>
-            </a:lvl3pPr>
-            <a:lvl4pPr marL="1600200" indent="-228600" algn="l" rtl="0" eaLnBrk="0" fontAlgn="base" latinLnBrk="1" hangingPunct="0">
-              <a:spcBef>
-                <a:spcPct val="20000"/>
-              </a:spcBef>
-              <a:spcAft>
-                <a:spcPct val="0"/>
-              </a:spcAft>
-              <a:buFont typeface="Arial" pitchFamily="34" charset="0"/>
-              <a:buChar char="–"/>
-              <a:defRPr sz="1800" b="1" kern="1200">
-                <a:solidFill>
-                  <a:schemeClr val="tx1"/>
-                </a:solidFill>
-                <a:latin typeface="HY그래픽M" pitchFamily="18" charset="-127"/>
-                <a:ea typeface="HY그래픽M" pitchFamily="18" charset="-127"/>
-                <a:cs typeface="+mn-cs"/>
-              </a:defRPr>
-            </a:lvl4pPr>
-            <a:lvl5pPr marL="2057400" indent="-228600" algn="l" rtl="0" eaLnBrk="0" fontAlgn="base" latinLnBrk="1" hangingPunct="0">
-              <a:spcBef>
-                <a:spcPct val="20000"/>
-              </a:spcBef>
-              <a:spcAft>
-                <a:spcPct val="0"/>
-              </a:spcAft>
-              <a:buFont typeface="Arial" pitchFamily="34" charset="0"/>
-              <a:buChar char="»"/>
-              <a:defRPr sz="1800" b="1" kern="1200">
-                <a:solidFill>
-                  <a:schemeClr val="tx1"/>
-                </a:solidFill>
-                <a:latin typeface="HY그래픽M" pitchFamily="18" charset="-127"/>
-                <a:ea typeface="HY그래픽M" pitchFamily="18" charset="-127"/>
-                <a:cs typeface="+mn-cs"/>
-              </a:defRPr>
-            </a:lvl5pPr>
-            <a:lvl6pPr marL="2514600" indent="-228600" algn="l" defTabSz="914400" rtl="0" eaLnBrk="1" latinLnBrk="1" hangingPunct="1">
-              <a:spcBef>
-                <a:spcPct val="20000"/>
-              </a:spcBef>
-              <a:buFont typeface="Arial" pitchFamily="34" charset="0"/>
-              <a:buChar char="•"/>
-              <a:defRPr sz="2000" kern="1200">
-                <a:solidFill>
-                  <a:schemeClr val="tx1"/>
-                </a:solidFill>
-                <a:latin typeface="+mn-lt"/>
-                <a:ea typeface="+mn-ea"/>
-                <a:cs typeface="+mn-cs"/>
-              </a:defRPr>
-            </a:lvl6pPr>
-            <a:lvl7pPr marL="2971800" indent="-228600" algn="l" defTabSz="914400" rtl="0" eaLnBrk="1" latinLnBrk="1" hangingPunct="1">
-              <a:spcBef>
-                <a:spcPct val="20000"/>
-              </a:spcBef>
-              <a:buFont typeface="Arial" pitchFamily="34" charset="0"/>
-              <a:buChar char="•"/>
-              <a:defRPr sz="2000" kern="1200">
-                <a:solidFill>
-                  <a:schemeClr val="tx1"/>
-                </a:solidFill>
-                <a:latin typeface="+mn-lt"/>
-                <a:ea typeface="+mn-ea"/>
-                <a:cs typeface="+mn-cs"/>
-              </a:defRPr>
-            </a:lvl7pPr>
-            <a:lvl8pPr marL="3429000" indent="-228600" algn="l" defTabSz="914400" rtl="0" eaLnBrk="1" latinLnBrk="1" hangingPunct="1">
-              <a:spcBef>
-                <a:spcPct val="20000"/>
-              </a:spcBef>
-              <a:buFont typeface="Arial" pitchFamily="34" charset="0"/>
-              <a:buChar char="•"/>
-              <a:defRPr sz="2000" kern="1200">
-                <a:solidFill>
-                  <a:schemeClr val="tx1"/>
-                </a:solidFill>
-                <a:latin typeface="+mn-lt"/>
-                <a:ea typeface="+mn-ea"/>
-                <a:cs typeface="+mn-cs"/>
-              </a:defRPr>
-            </a:lvl8pPr>
-            <a:lvl9pPr marL="3886200" indent="-228600" algn="l" defTabSz="914400" rtl="0" eaLnBrk="1" latinLnBrk="1" hangingPunct="1">
-              <a:spcBef>
-                <a:spcPct val="20000"/>
-              </a:spcBef>
-              <a:buFont typeface="Arial" pitchFamily="34" charset="0"/>
-              <a:buChar char="•"/>
-              <a:defRPr sz="2000" kern="1200">
-                <a:solidFill>
-                  <a:schemeClr val="tx1"/>
-                </a:solidFill>
-                <a:latin typeface="+mn-lt"/>
-                <a:ea typeface="+mn-ea"/>
-                <a:cs typeface="+mn-cs"/>
-              </a:defRPr>
-            </a:lvl9pPr>
-          </a:lstStyle>
-          <a:p>
-            <a:pPr marL="0" indent="0">
-              <a:buNone/>
-            </a:pPr>
-            <a:r>
-              <a:rPr lang="en-US" altLang="ko-KR" sz="1600" dirty="0" smtClean="0"/>
-              <a:t>2</a:t>
-            </a:r>
-            <a:endParaRPr lang="ko-KR" altLang="en-US" sz="1600" dirty="0"/>
-          </a:p>
-        </p:txBody>
-      </p:sp>
+            <a:ln>
+              <a:noFill/>
+            </a:ln>
+            <a:extLst>
+              <a:ext uri="{909E8E84-426E-40DD-AFC4-6F175D3DCCD1}">
+                <a14:hiddenFill xmlns:a14="http://schemas.microsoft.com/office/drawing/2010/main">
+                  <a:solidFill>
+                    <a:srgbClr val="FFFFFF"/>
+                  </a:solidFill>
+                </a14:hiddenFill>
+              </a:ext>
+              <a:ext uri="{91240B29-F687-4F45-9708-019B960494DF}">
+                <a14:hiddenLine xmlns:a14="http://schemas.microsoft.com/office/drawing/2010/main" w="9525">
+                  <a:solidFill>
+                    <a:srgbClr val="000000"/>
+                  </a:solidFill>
+                  <a:miter lim="800000"/>
+                  <a:headEnd/>
+                  <a:tailEnd/>
+                </a14:hiddenLine>
+              </a:ext>
+            </a:extLst>
+          </p:spPr>
+          <p:txBody>
+            <a:bodyPr vert="horz" wrap="square" lIns="91440" tIns="45720" rIns="91440" bIns="45720" numCol="1" anchor="t" anchorCtr="0" compatLnSpc="1">
+              <a:prstTxWarp prst="textNoShape">
+                <a:avLst/>
+              </a:prstTxWarp>
+            </a:bodyPr>
+            <a:lstStyle>
+              <a:lvl1pPr marL="342900" indent="-342900" algn="l" rtl="0" eaLnBrk="0" fontAlgn="base" latinLnBrk="1" hangingPunct="0">
+                <a:spcBef>
+                  <a:spcPct val="20000"/>
+                </a:spcBef>
+                <a:spcAft>
+                  <a:spcPct val="0"/>
+                </a:spcAft>
+                <a:buFont typeface="Arial" pitchFamily="34" charset="0"/>
+                <a:buChar char="•"/>
+                <a:defRPr sz="2800" b="1" kern="1200">
+                  <a:solidFill>
+                    <a:schemeClr val="tx1"/>
+                  </a:solidFill>
+                  <a:latin typeface="HY그래픽M" pitchFamily="18" charset="-127"/>
+                  <a:ea typeface="HY그래픽M" pitchFamily="18" charset="-127"/>
+                  <a:cs typeface="+mn-cs"/>
+                </a:defRPr>
+              </a:lvl1pPr>
+              <a:lvl2pPr marL="742950" indent="-285750" algn="l" rtl="0" eaLnBrk="0" fontAlgn="base" latinLnBrk="1" hangingPunct="0">
+                <a:spcBef>
+                  <a:spcPct val="20000"/>
+                </a:spcBef>
+                <a:spcAft>
+                  <a:spcPct val="0"/>
+                </a:spcAft>
+                <a:buFont typeface="Arial" pitchFamily="34" charset="0"/>
+                <a:buChar char="–"/>
+                <a:defRPr sz="2400" b="1" kern="1200">
+                  <a:solidFill>
+                    <a:schemeClr val="tx1"/>
+                  </a:solidFill>
+                  <a:latin typeface="HY그래픽M" pitchFamily="18" charset="-127"/>
+                  <a:ea typeface="HY그래픽M" pitchFamily="18" charset="-127"/>
+                  <a:cs typeface="+mn-cs"/>
+                </a:defRPr>
+              </a:lvl2pPr>
+              <a:lvl3pPr marL="1143000" indent="-228600" algn="l" rtl="0" eaLnBrk="0" fontAlgn="base" latinLnBrk="1" hangingPunct="0">
+                <a:spcBef>
+                  <a:spcPct val="20000"/>
+                </a:spcBef>
+                <a:spcAft>
+                  <a:spcPct val="0"/>
+                </a:spcAft>
+                <a:buFont typeface="Arial" pitchFamily="34" charset="0"/>
+                <a:buChar char="•"/>
+                <a:defRPr sz="2000" b="1" kern="1200">
+                  <a:solidFill>
+                    <a:schemeClr val="tx1"/>
+                  </a:solidFill>
+                  <a:latin typeface="HY그래픽M" pitchFamily="18" charset="-127"/>
+                  <a:ea typeface="HY그래픽M" pitchFamily="18" charset="-127"/>
+                  <a:cs typeface="+mn-cs"/>
+                </a:defRPr>
+              </a:lvl3pPr>
+              <a:lvl4pPr marL="1600200" indent="-228600" algn="l" rtl="0" eaLnBrk="0" fontAlgn="base" latinLnBrk="1" hangingPunct="0">
+                <a:spcBef>
+                  <a:spcPct val="20000"/>
+                </a:spcBef>
+                <a:spcAft>
+                  <a:spcPct val="0"/>
+                </a:spcAft>
+                <a:buFont typeface="Arial" pitchFamily="34" charset="0"/>
+                <a:buChar char="–"/>
+                <a:defRPr sz="1800" b="1" kern="1200">
+                  <a:solidFill>
+                    <a:schemeClr val="tx1"/>
+                  </a:solidFill>
+                  <a:latin typeface="HY그래픽M" pitchFamily="18" charset="-127"/>
+                  <a:ea typeface="HY그래픽M" pitchFamily="18" charset="-127"/>
+                  <a:cs typeface="+mn-cs"/>
+                </a:defRPr>
+              </a:lvl4pPr>
+              <a:lvl5pPr marL="2057400" indent="-228600" algn="l" rtl="0" eaLnBrk="0" fontAlgn="base" latinLnBrk="1" hangingPunct="0">
+                <a:spcBef>
+                  <a:spcPct val="20000"/>
+                </a:spcBef>
+                <a:spcAft>
+                  <a:spcPct val="0"/>
+                </a:spcAft>
+                <a:buFont typeface="Arial" pitchFamily="34" charset="0"/>
+                <a:buChar char="»"/>
+                <a:defRPr sz="1800" b="1" kern="1200">
+                  <a:solidFill>
+                    <a:schemeClr val="tx1"/>
+                  </a:solidFill>
+                  <a:latin typeface="HY그래픽M" pitchFamily="18" charset="-127"/>
+                  <a:ea typeface="HY그래픽M" pitchFamily="18" charset="-127"/>
+                  <a:cs typeface="+mn-cs"/>
+                </a:defRPr>
+              </a:lvl5pPr>
+              <a:lvl6pPr marL="2514600" indent="-228600" algn="l" defTabSz="914400" rtl="0" eaLnBrk="1" latinLnBrk="1" hangingPunct="1">
+                <a:spcBef>
+                  <a:spcPct val="20000"/>
+                </a:spcBef>
+                <a:buFont typeface="Arial" pitchFamily="34" charset="0"/>
+                <a:buChar char="•"/>
+                <a:defRPr sz="2000" kern="1200">
+                  <a:solidFill>
+                    <a:schemeClr val="tx1"/>
+                  </a:solidFill>
+                  <a:latin typeface="+mn-lt"/>
+                  <a:ea typeface="+mn-ea"/>
+                  <a:cs typeface="+mn-cs"/>
+                </a:defRPr>
+              </a:lvl6pPr>
+              <a:lvl7pPr marL="2971800" indent="-228600" algn="l" defTabSz="914400" rtl="0" eaLnBrk="1" latinLnBrk="1" hangingPunct="1">
+                <a:spcBef>
+                  <a:spcPct val="20000"/>
+                </a:spcBef>
+                <a:buFont typeface="Arial" pitchFamily="34" charset="0"/>
+                <a:buChar char="•"/>
+                <a:defRPr sz="2000" kern="1200">
+                  <a:solidFill>
+                    <a:schemeClr val="tx1"/>
+                  </a:solidFill>
+                  <a:latin typeface="+mn-lt"/>
+                  <a:ea typeface="+mn-ea"/>
+                  <a:cs typeface="+mn-cs"/>
+                </a:defRPr>
+              </a:lvl7pPr>
+              <a:lvl8pPr marL="3429000" indent="-228600" algn="l" defTabSz="914400" rtl="0" eaLnBrk="1" latinLnBrk="1" hangingPunct="1">
+                <a:spcBef>
+                  <a:spcPct val="20000"/>
+                </a:spcBef>
+                <a:buFont typeface="Arial" pitchFamily="34" charset="0"/>
+                <a:buChar char="•"/>
+                <a:defRPr sz="2000" kern="1200">
+                  <a:solidFill>
+                    <a:schemeClr val="tx1"/>
+                  </a:solidFill>
+                  <a:latin typeface="+mn-lt"/>
+                  <a:ea typeface="+mn-ea"/>
+                  <a:cs typeface="+mn-cs"/>
+                </a:defRPr>
+              </a:lvl8pPr>
+              <a:lvl9pPr marL="3886200" indent="-228600" algn="l" defTabSz="914400" rtl="0" eaLnBrk="1" latinLnBrk="1" hangingPunct="1">
+                <a:spcBef>
+                  <a:spcPct val="20000"/>
+                </a:spcBef>
+                <a:buFont typeface="Arial" pitchFamily="34" charset="0"/>
+                <a:buChar char="•"/>
+                <a:defRPr sz="2000" kern="1200">
+                  <a:solidFill>
+                    <a:schemeClr val="tx1"/>
+                  </a:solidFill>
+                  <a:latin typeface="+mn-lt"/>
+                  <a:ea typeface="+mn-ea"/>
+                  <a:cs typeface="+mn-cs"/>
+                </a:defRPr>
+              </a:lvl9pPr>
+            </a:lstStyle>
+            <a:p>
+              <a:pPr marL="0" indent="0">
+                <a:buNone/>
+              </a:pPr>
+              <a:r>
+                <a:rPr lang="en-US" altLang="ko-KR" sz="1600" dirty="0" smtClean="0"/>
+                <a:t>2</a:t>
+              </a:r>
+              <a:endParaRPr lang="ko-KR" altLang="en-US" sz="1600" dirty="0"/>
+            </a:p>
+          </p:txBody>
+        </p:sp>
+      </p:grpSp>
     </p:spTree>
     <p:extLst>
       <p:ext uri="{BB962C8B-B14F-4D97-AF65-F5344CB8AC3E}">
@@ -4565,7 +5395,7 @@
       </p:grpSpPr>
       <p:pic>
         <p:nvPicPr>
-          <p:cNvPr id="4098" name="Picture 2"/>
+          <p:cNvPr id="6146" name="Picture 2"/>
           <p:cNvPicPr>
             <a:picLocks noChangeAspect="1" noChangeArrowheads="1"/>
           </p:cNvPicPr>
@@ -4586,8 +5416,8 @@
         </p:blipFill>
         <p:spPr bwMode="auto">
           <a:xfrm>
-            <a:off x="120864" y="1181820"/>
-            <a:ext cx="9655878" cy="4559720"/>
+            <a:off x="343694" y="1164388"/>
+            <a:ext cx="6877131" cy="5504972"/>
           </a:xfrm>
           <a:prstGeom prst="rect">
             <a:avLst/>
@@ -4662,7 +5492,7 @@
         </p:nvSpPr>
         <p:spPr>
           <a:xfrm>
-            <a:off x="524887" y="5949280"/>
+            <a:off x="524887" y="6276449"/>
             <a:ext cx="8913972" cy="608935"/>
           </a:xfrm>
         </p:spPr>
@@ -5016,7 +5846,7 @@
         </p:nvSpPr>
         <p:spPr bwMode="auto">
           <a:xfrm>
-            <a:off x="1819872" y="3560322"/>
+            <a:off x="3208243" y="3094571"/>
             <a:ext cx="2514898" cy="380826"/>
           </a:xfrm>
           <a:prstGeom prst="rect">
@@ -5209,7 +6039,7 @@
               <a:buNone/>
             </a:pPr>
             <a:r>
-              <a:rPr lang="en-US" altLang="ko-KR" sz="1600" smtClean="0"/>
+              <a:rPr lang="en-US" altLang="ko-KR" sz="1600" dirty="0" smtClean="0"/>
               <a:t>3</a:t>
             </a:r>
             <a:r>
@@ -5232,7 +6062,7 @@
         </p:nvSpPr>
         <p:spPr>
           <a:xfrm>
-            <a:off x="7256462" y="4365104"/>
+            <a:off x="7134602" y="4962120"/>
             <a:ext cx="288032" cy="1296144"/>
           </a:xfrm>
           <a:prstGeom prst="rightBrace">
@@ -5272,7 +6102,7 @@
         </p:nvSpPr>
         <p:spPr bwMode="auto">
           <a:xfrm>
-            <a:off x="7544495" y="4744315"/>
+            <a:off x="7422635" y="5341331"/>
             <a:ext cx="2016224" cy="537721"/>
           </a:xfrm>
           <a:prstGeom prst="rect">
@@ -5734,13 +6564,13 @@
         </p:nvSpPr>
         <p:spPr>
           <a:xfrm>
-            <a:off x="1783854" y="3501008"/>
+            <a:off x="3152006" y="3068960"/>
             <a:ext cx="1800200" cy="432048"/>
           </a:xfrm>
           <a:prstGeom prst="wedgeRoundRectCallout">
             <a:avLst>
-              <a:gd name="adj1" fmla="val -35976"/>
-              <a:gd name="adj2" fmla="val -78595"/>
+              <a:gd name="adj1" fmla="val -64019"/>
+              <a:gd name="adj2" fmla="val 2976"/>
               <a:gd name="adj3" fmla="val 16667"/>
             </a:avLst>
           </a:prstGeom>
@@ -5986,6 +6816,79 @@
           </a:p>
         </p:txBody>
       </p:sp>
+      <p:sp>
+        <p:nvSpPr>
+          <p:cNvPr id="16" name="모서리가 둥근 사각형 설명선 15"/>
+          <p:cNvSpPr/>
+          <p:nvPr/>
+        </p:nvSpPr>
+        <p:spPr>
+          <a:xfrm>
+            <a:off x="1639837" y="3916874"/>
+            <a:ext cx="2088233" cy="432048"/>
+          </a:xfrm>
+          <a:prstGeom prst="wedgeRoundRectCallout">
+            <a:avLst>
+              <a:gd name="adj1" fmla="val -23277"/>
+              <a:gd name="adj2" fmla="val -102111"/>
+              <a:gd name="adj3" fmla="val 16667"/>
+            </a:avLst>
+          </a:prstGeom>
+          <a:solidFill>
+            <a:schemeClr val="accent2">
+              <a:tint val="100000"/>
+              <a:alpha val="31000"/>
+            </a:schemeClr>
+          </a:solidFill>
+        </p:spPr>
+        <p:style>
+          <a:lnRef idx="2">
+            <a:schemeClr val="accent2">
+              <a:shade val="50000"/>
+            </a:schemeClr>
+          </a:lnRef>
+          <a:fillRef idx="1">
+            <a:schemeClr val="accent2"/>
+          </a:fillRef>
+          <a:effectRef idx="0">
+            <a:schemeClr val="accent2"/>
+          </a:effectRef>
+          <a:fontRef idx="minor">
+            <a:schemeClr val="lt1"/>
+          </a:fontRef>
+        </p:style>
+        <p:txBody>
+          <a:bodyPr rtlCol="0" anchor="ctr"/>
+          <a:lstStyle/>
+          <a:p>
+            <a:pPr eaLnBrk="0" fontAlgn="base" hangingPunct="0">
+              <a:spcBef>
+                <a:spcPct val="20000"/>
+              </a:spcBef>
+              <a:spcAft>
+                <a:spcPct val="0"/>
+              </a:spcAft>
+            </a:pPr>
+            <a:r>
+              <a:rPr lang="ko-KR" altLang="en-US" sz="1600" b="1" dirty="0" smtClean="0">
+                <a:solidFill>
+                  <a:schemeClr val="tx1"/>
+                </a:solidFill>
+                <a:latin typeface="HY그래픽M" pitchFamily="18" charset="-127"/>
+                <a:ea typeface="HY그래픽M" pitchFamily="18" charset="-127"/>
+              </a:rPr>
+              <a:t>전달방법기입</a:t>
+            </a:r>
+            <a:endParaRPr lang="ko-KR" altLang="en-US" sz="1600" b="1" dirty="0">
+              <a:solidFill>
+                <a:schemeClr val="tx1"/>
+              </a:solidFill>
+              <a:latin typeface="HY그래픽M" pitchFamily="18" charset="-127"/>
+              <a:ea typeface="HY그래픽M" pitchFamily="18" charset="-127"/>
+            </a:endParaRPr>
+          </a:p>
+        </p:txBody>
+      </p:sp>
     </p:spTree>
     <p:extLst>
       <p:ext uri="{BB962C8B-B14F-4D97-AF65-F5344CB8AC3E}">
@@ -6025,7 +6928,7 @@
       </p:grpSpPr>
       <p:pic>
         <p:nvPicPr>
-          <p:cNvPr id="5123" name="Picture 3"/>
+          <p:cNvPr id="7173" name="Picture 5"/>
           <p:cNvPicPr>
             <a:picLocks noChangeAspect="1" noChangeArrowheads="1"/>
           </p:cNvPicPr>
@@ -6046,18 +6949,17 @@
         </p:blipFill>
         <p:spPr bwMode="auto">
           <a:xfrm>
-            <a:off x="4081793" y="2996952"/>
-            <a:ext cx="5766957" cy="3783289"/>
+            <a:off x="3152006" y="3140969"/>
+            <a:ext cx="6153150" cy="3629025"/>
           </a:xfrm>
           <a:prstGeom prst="rect">
             <a:avLst/>
           </a:prstGeom>
+          <a:noFill/>
           <a:ln>
             <a:noFill/>
           </a:ln>
-          <a:effectLst>
-            <a:softEdge rad="112500"/>
-          </a:effectLst>
+          <a:effectLst/>
           <a:extLst>
             <a:ext uri="{909E8E84-426E-40DD-AFC4-6F175D3DCCD1}">
               <a14:hiddenFill xmlns:a14="http://schemas.microsoft.com/office/drawing/2010/main">
@@ -6065,6 +6967,16 @@
                   <a:schemeClr val="accent1"/>
                 </a:solidFill>
               </a14:hiddenFill>
+            </a:ext>
+            <a:ext uri="{91240B29-F687-4F45-9708-019B960494DF}">
+              <a14:hiddenLine xmlns:a14="http://schemas.microsoft.com/office/drawing/2010/main" w="9525">
+                <a:solidFill>
+                  <a:schemeClr val="tx1"/>
+                </a:solidFill>
+                <a:miter lim="800000"/>
+                <a:headEnd/>
+                <a:tailEnd/>
+              </a14:hiddenLine>
             </a:ext>
             <a:ext uri="{AF507438-7753-43E0-B8FC-AC1667EBCBE1}">
               <a14:hiddenEffects xmlns:a14="http://schemas.microsoft.com/office/drawing/2010/main">
@@ -6080,13 +6992,13 @@
       </p:pic>
       <p:pic>
         <p:nvPicPr>
-          <p:cNvPr id="5122" name="Picture 2"/>
+          <p:cNvPr id="7170" name="Picture 2"/>
           <p:cNvPicPr>
             <a:picLocks noChangeAspect="1" noChangeArrowheads="1"/>
           </p:cNvPicPr>
           <p:nvPr/>
         </p:nvPicPr>
-        <p:blipFill>
+        <p:blipFill rotWithShape="1">
           <a:blip r:embed="rId3">
             <a:extLst>
               <a:ext uri="{28A0092B-C50C-407E-A947-70E740481C1C}">
@@ -6094,25 +7006,20 @@
               </a:ext>
             </a:extLst>
           </a:blip>
-          <a:srcRect/>
-          <a:stretch>
-            <a:fillRect/>
-          </a:stretch>
+          <a:srcRect t="1" b="59669"/>
+          <a:stretch/>
         </p:blipFill>
         <p:spPr bwMode="auto">
           <a:xfrm>
-            <a:off x="0" y="1281686"/>
-            <a:ext cx="8475896" cy="1669495"/>
+            <a:off x="130944" y="1281687"/>
+            <a:ext cx="7701582" cy="923178"/>
           </a:xfrm>
           <a:prstGeom prst="rect">
             <a:avLst/>
           </a:prstGeom>
           <a:noFill/>
-          <a:ln w="9525">
+          <a:ln>
             <a:noFill/>
-            <a:miter lim="800000"/>
-            <a:headEnd/>
-            <a:tailEnd/>
           </a:ln>
           <a:effectLst/>
           <a:extLst>
@@ -6122,6 +7029,16 @@
                   <a:schemeClr val="accent1"/>
                 </a:solidFill>
               </a14:hiddenFill>
+            </a:ext>
+            <a:ext uri="{91240B29-F687-4F45-9708-019B960494DF}">
+              <a14:hiddenLine xmlns:a14="http://schemas.microsoft.com/office/drawing/2010/main" w="9525">
+                <a:solidFill>
+                  <a:schemeClr val="tx1"/>
+                </a:solidFill>
+                <a:miter lim="800000"/>
+                <a:headEnd/>
+                <a:tailEnd/>
+              </a14:hiddenLine>
             </a:ext>
             <a:ext uri="{AF507438-7753-43E0-B8FC-AC1667EBCBE1}">
               <a14:hiddenEffects xmlns:a14="http://schemas.microsoft.com/office/drawing/2010/main">
@@ -6180,7 +7097,22 @@
           <a:p>
             <a:r>
               <a:rPr lang="ko-KR" altLang="en-US" sz="2000" dirty="0" smtClean="0"/>
-              <a:t>출고요청건의 진행상황 확인가능</a:t>
+              <a:t>출고요청건의 </a:t>
+            </a:r>
+            <a:r>
+              <a:rPr lang="en-US" altLang="ko-KR" sz="2000" dirty="0"/>
+              <a:t/>
+            </a:r>
+            <a:br>
+              <a:rPr lang="en-US" altLang="ko-KR" sz="2000" dirty="0"/>
+            </a:br>
+            <a:r>
+              <a:rPr lang="ko-KR" altLang="en-US" sz="2000" dirty="0" smtClean="0"/>
+              <a:t>진행상황 </a:t>
+            </a:r>
+            <a:r>
+              <a:rPr lang="ko-KR" altLang="en-US" sz="2000" dirty="0" smtClean="0"/>
+              <a:t>확인가능</a:t>
             </a:r>
             <a:endParaRPr lang="ko-KR" altLang="en-US" sz="2000" dirty="0"/>
           </a:p>
@@ -6194,7 +7126,7 @@
         </p:nvSpPr>
         <p:spPr>
           <a:xfrm>
-            <a:off x="3007990" y="836712"/>
+            <a:off x="2431926" y="836712"/>
             <a:ext cx="491136" cy="444974"/>
           </a:xfrm>
           <a:prstGeom prst="downArrow">
@@ -6243,21 +7175,303 @@
       </p:sp>
       <p:sp>
         <p:nvSpPr>
+          <p:cNvPr id="10" name="내용 개체 틀 2"/>
+          <p:cNvSpPr txBox="1">
+            <a:spLocks/>
+          </p:cNvSpPr>
+          <p:nvPr/>
+        </p:nvSpPr>
+        <p:spPr bwMode="auto">
+          <a:xfrm>
+            <a:off x="7832526" y="2204865"/>
+            <a:ext cx="2071887" cy="936104"/>
+          </a:xfrm>
+          <a:prstGeom prst="rect">
+            <a:avLst/>
+          </a:prstGeom>
+          <a:noFill/>
+          <a:ln>
+            <a:noFill/>
+          </a:ln>
+          <a:extLst>
+            <a:ext uri="{909E8E84-426E-40DD-AFC4-6F175D3DCCD1}">
+              <a14:hiddenFill xmlns:a14="http://schemas.microsoft.com/office/drawing/2010/main">
+                <a:solidFill>
+                  <a:srgbClr val="FFFFFF"/>
+                </a:solidFill>
+              </a14:hiddenFill>
+            </a:ext>
+            <a:ext uri="{91240B29-F687-4F45-9708-019B960494DF}">
+              <a14:hiddenLine xmlns:a14="http://schemas.microsoft.com/office/drawing/2010/main" w="9525">
+                <a:solidFill>
+                  <a:srgbClr val="000000"/>
+                </a:solidFill>
+                <a:miter lim="800000"/>
+                <a:headEnd/>
+                <a:tailEnd/>
+              </a14:hiddenLine>
+            </a:ext>
+          </a:extLst>
+        </p:spPr>
+        <p:txBody>
+          <a:bodyPr vert="horz" wrap="square" lIns="91440" tIns="45720" rIns="91440" bIns="45720" numCol="1" anchor="t" anchorCtr="0" compatLnSpc="1">
+            <a:prstTxWarp prst="textNoShape">
+              <a:avLst/>
+            </a:prstTxWarp>
+          </a:bodyPr>
+          <a:lstStyle>
+            <a:lvl1pPr marL="342900" indent="-342900" algn="l" rtl="0" eaLnBrk="0" fontAlgn="base" latinLnBrk="1" hangingPunct="0">
+              <a:spcBef>
+                <a:spcPct val="20000"/>
+              </a:spcBef>
+              <a:spcAft>
+                <a:spcPct val="0"/>
+              </a:spcAft>
+              <a:buFont typeface="Arial" pitchFamily="34" charset="0"/>
+              <a:buChar char="•"/>
+              <a:defRPr sz="2800" b="1" kern="1200">
+                <a:solidFill>
+                  <a:schemeClr val="tx1"/>
+                </a:solidFill>
+                <a:latin typeface="HY그래픽M" pitchFamily="18" charset="-127"/>
+                <a:ea typeface="HY그래픽M" pitchFamily="18" charset="-127"/>
+                <a:cs typeface="+mn-cs"/>
+              </a:defRPr>
+            </a:lvl1pPr>
+            <a:lvl2pPr marL="742950" indent="-285750" algn="l" rtl="0" eaLnBrk="0" fontAlgn="base" latinLnBrk="1" hangingPunct="0">
+              <a:spcBef>
+                <a:spcPct val="20000"/>
+              </a:spcBef>
+              <a:spcAft>
+                <a:spcPct val="0"/>
+              </a:spcAft>
+              <a:buFont typeface="Arial" pitchFamily="34" charset="0"/>
+              <a:buChar char="–"/>
+              <a:defRPr sz="2400" b="1" kern="1200">
+                <a:solidFill>
+                  <a:schemeClr val="tx1"/>
+                </a:solidFill>
+                <a:latin typeface="HY그래픽M" pitchFamily="18" charset="-127"/>
+                <a:ea typeface="HY그래픽M" pitchFamily="18" charset="-127"/>
+                <a:cs typeface="+mn-cs"/>
+              </a:defRPr>
+            </a:lvl2pPr>
+            <a:lvl3pPr marL="1143000" indent="-228600" algn="l" rtl="0" eaLnBrk="0" fontAlgn="base" latinLnBrk="1" hangingPunct="0">
+              <a:spcBef>
+                <a:spcPct val="20000"/>
+              </a:spcBef>
+              <a:spcAft>
+                <a:spcPct val="0"/>
+              </a:spcAft>
+              <a:buFont typeface="Arial" pitchFamily="34" charset="0"/>
+              <a:buChar char="•"/>
+              <a:defRPr sz="2000" b="1" kern="1200">
+                <a:solidFill>
+                  <a:schemeClr val="tx1"/>
+                </a:solidFill>
+                <a:latin typeface="HY그래픽M" pitchFamily="18" charset="-127"/>
+                <a:ea typeface="HY그래픽M" pitchFamily="18" charset="-127"/>
+                <a:cs typeface="+mn-cs"/>
+              </a:defRPr>
+            </a:lvl3pPr>
+            <a:lvl4pPr marL="1600200" indent="-228600" algn="l" rtl="0" eaLnBrk="0" fontAlgn="base" latinLnBrk="1" hangingPunct="0">
+              <a:spcBef>
+                <a:spcPct val="20000"/>
+              </a:spcBef>
+              <a:spcAft>
+                <a:spcPct val="0"/>
+              </a:spcAft>
+              <a:buFont typeface="Arial" pitchFamily="34" charset="0"/>
+              <a:buChar char="–"/>
+              <a:defRPr sz="1800" b="1" kern="1200">
+                <a:solidFill>
+                  <a:schemeClr val="tx1"/>
+                </a:solidFill>
+                <a:latin typeface="HY그래픽M" pitchFamily="18" charset="-127"/>
+                <a:ea typeface="HY그래픽M" pitchFamily="18" charset="-127"/>
+                <a:cs typeface="+mn-cs"/>
+              </a:defRPr>
+            </a:lvl4pPr>
+            <a:lvl5pPr marL="2057400" indent="-228600" algn="l" rtl="0" eaLnBrk="0" fontAlgn="base" latinLnBrk="1" hangingPunct="0">
+              <a:spcBef>
+                <a:spcPct val="20000"/>
+              </a:spcBef>
+              <a:spcAft>
+                <a:spcPct val="0"/>
+              </a:spcAft>
+              <a:buFont typeface="Arial" pitchFamily="34" charset="0"/>
+              <a:buChar char="»"/>
+              <a:defRPr sz="1800" b="1" kern="1200">
+                <a:solidFill>
+                  <a:schemeClr val="tx1"/>
+                </a:solidFill>
+                <a:latin typeface="HY그래픽M" pitchFamily="18" charset="-127"/>
+                <a:ea typeface="HY그래픽M" pitchFamily="18" charset="-127"/>
+                <a:cs typeface="+mn-cs"/>
+              </a:defRPr>
+            </a:lvl5pPr>
+            <a:lvl6pPr marL="2514600" indent="-228600" algn="l" defTabSz="914400" rtl="0" eaLnBrk="1" latinLnBrk="1" hangingPunct="1">
+              <a:spcBef>
+                <a:spcPct val="20000"/>
+              </a:spcBef>
+              <a:buFont typeface="Arial" pitchFamily="34" charset="0"/>
+              <a:buChar char="•"/>
+              <a:defRPr sz="2000" kern="1200">
+                <a:solidFill>
+                  <a:schemeClr val="tx1"/>
+                </a:solidFill>
+                <a:latin typeface="+mn-lt"/>
+                <a:ea typeface="+mn-ea"/>
+                <a:cs typeface="+mn-cs"/>
+              </a:defRPr>
+            </a:lvl6pPr>
+            <a:lvl7pPr marL="2971800" indent="-228600" algn="l" defTabSz="914400" rtl="0" eaLnBrk="1" latinLnBrk="1" hangingPunct="1">
+              <a:spcBef>
+                <a:spcPct val="20000"/>
+              </a:spcBef>
+              <a:buFont typeface="Arial" pitchFamily="34" charset="0"/>
+              <a:buChar char="•"/>
+              <a:defRPr sz="2000" kern="1200">
+                <a:solidFill>
+                  <a:schemeClr val="tx1"/>
+                </a:solidFill>
+                <a:latin typeface="+mn-lt"/>
+                <a:ea typeface="+mn-ea"/>
+                <a:cs typeface="+mn-cs"/>
+              </a:defRPr>
+            </a:lvl7pPr>
+            <a:lvl8pPr marL="3429000" indent="-228600" algn="l" defTabSz="914400" rtl="0" eaLnBrk="1" latinLnBrk="1" hangingPunct="1">
+              <a:spcBef>
+                <a:spcPct val="20000"/>
+              </a:spcBef>
+              <a:buFont typeface="Arial" pitchFamily="34" charset="0"/>
+              <a:buChar char="•"/>
+              <a:defRPr sz="2000" kern="1200">
+                <a:solidFill>
+                  <a:schemeClr val="tx1"/>
+                </a:solidFill>
+                <a:latin typeface="+mn-lt"/>
+                <a:ea typeface="+mn-ea"/>
+                <a:cs typeface="+mn-cs"/>
+              </a:defRPr>
+            </a:lvl8pPr>
+            <a:lvl9pPr marL="3886200" indent="-228600" algn="l" defTabSz="914400" rtl="0" eaLnBrk="1" latinLnBrk="1" hangingPunct="1">
+              <a:spcBef>
+                <a:spcPct val="20000"/>
+              </a:spcBef>
+              <a:buFont typeface="Arial" pitchFamily="34" charset="0"/>
+              <a:buChar char="•"/>
+              <a:defRPr sz="2000" kern="1200">
+                <a:solidFill>
+                  <a:schemeClr val="tx1"/>
+                </a:solidFill>
+                <a:latin typeface="+mn-lt"/>
+                <a:ea typeface="+mn-ea"/>
+                <a:cs typeface="+mn-cs"/>
+              </a:defRPr>
+            </a:lvl9pPr>
+          </a:lstStyle>
+          <a:p>
+            <a:pPr marL="0" indent="0">
+              <a:buNone/>
+            </a:pPr>
+            <a:r>
+              <a:rPr lang="ko-KR" altLang="en-US" sz="2000" dirty="0" smtClean="0"/>
+              <a:t>자세히 누르면</a:t>
+            </a:r>
+            <a:endParaRPr lang="en-US" altLang="ko-KR" sz="2000" dirty="0" smtClean="0"/>
+          </a:p>
+          <a:p>
+            <a:pPr marL="0" indent="0">
+              <a:buNone/>
+            </a:pPr>
+            <a:r>
+              <a:rPr lang="ko-KR" altLang="en-US" sz="2000" dirty="0" smtClean="0"/>
+              <a:t>작성내용 확인</a:t>
+            </a:r>
+            <a:endParaRPr lang="ko-KR" altLang="en-US" sz="2000" dirty="0"/>
+          </a:p>
+        </p:txBody>
+      </p:sp>
+      <p:pic>
+        <p:nvPicPr>
+          <p:cNvPr id="7172" name="Picture 4"/>
+          <p:cNvPicPr>
+            <a:picLocks noChangeAspect="1" noChangeArrowheads="1"/>
+          </p:cNvPicPr>
+          <p:nvPr/>
+        </p:nvPicPr>
+        <p:blipFill rotWithShape="1">
+          <a:blip r:embed="rId4">
+            <a:extLst>
+              <a:ext uri="{28A0092B-C50C-407E-A947-70E740481C1C}">
+                <a14:useLocalDpi xmlns:a14="http://schemas.microsoft.com/office/drawing/2010/main" val="0"/>
+              </a:ext>
+            </a:extLst>
+          </a:blip>
+          <a:srcRect b="27759"/>
+          <a:stretch/>
+        </p:blipFill>
+        <p:spPr bwMode="auto">
+          <a:xfrm>
+            <a:off x="141227" y="2236346"/>
+            <a:ext cx="7835315" cy="760605"/>
+          </a:xfrm>
+          <a:prstGeom prst="rect">
+            <a:avLst/>
+          </a:prstGeom>
+          <a:noFill/>
+          <a:ln>
+            <a:noFill/>
+          </a:ln>
+          <a:effectLst/>
+          <a:extLst>
+            <a:ext uri="{909E8E84-426E-40DD-AFC4-6F175D3DCCD1}">
+              <a14:hiddenFill xmlns:a14="http://schemas.microsoft.com/office/drawing/2010/main">
+                <a:solidFill>
+                  <a:schemeClr val="accent1"/>
+                </a:solidFill>
+              </a14:hiddenFill>
+            </a:ext>
+            <a:ext uri="{91240B29-F687-4F45-9708-019B960494DF}">
+              <a14:hiddenLine xmlns:a14="http://schemas.microsoft.com/office/drawing/2010/main" w="9525">
+                <a:solidFill>
+                  <a:schemeClr val="tx1"/>
+                </a:solidFill>
+                <a:miter lim="800000"/>
+                <a:headEnd/>
+                <a:tailEnd/>
+              </a14:hiddenLine>
+            </a:ext>
+            <a:ext uri="{AF507438-7753-43E0-B8FC-AC1667EBCBE1}">
+              <a14:hiddenEffects xmlns:a14="http://schemas.microsoft.com/office/drawing/2010/main">
+                <a:effectLst>
+                  <a:outerShdw dist="35921" dir="2700000" algn="ctr" rotWithShape="0">
+                    <a:schemeClr val="bg2"/>
+                  </a:outerShdw>
+                </a:effectLst>
+              </a14:hiddenEffects>
+            </a:ext>
+          </a:extLst>
+        </p:spPr>
+      </p:pic>
+      <p:sp>
+        <p:nvSpPr>
           <p:cNvPr id="4" name="위쪽 화살표 설명선 3"/>
           <p:cNvSpPr/>
           <p:nvPr/>
         </p:nvSpPr>
         <p:spPr>
           <a:xfrm rot="10800000">
-            <a:off x="7206819" y="2608336"/>
-            <a:ext cx="553698" cy="964679"/>
+            <a:off x="7278828" y="2708920"/>
+            <a:ext cx="553698" cy="720080"/>
           </a:xfrm>
           <a:prstGeom prst="upArrowCallout">
             <a:avLst>
               <a:gd name="adj1" fmla="val 25000"/>
               <a:gd name="adj2" fmla="val 27673"/>
               <a:gd name="adj3" fmla="val 25000"/>
-              <a:gd name="adj4" fmla="val 29936"/>
+              <a:gd name="adj4" fmla="val 41841"/>
             </a:avLst>
           </a:prstGeom>
           <a:solidFill>
@@ -6289,226 +7503,6 @@
           <a:p>
             <a:pPr algn="ctr"/>
             <a:endParaRPr lang="ko-KR" altLang="en-US"/>
-          </a:p>
-        </p:txBody>
-      </p:sp>
-      <p:sp>
-        <p:nvSpPr>
-          <p:cNvPr id="10" name="내용 개체 틀 2"/>
-          <p:cNvSpPr txBox="1">
-            <a:spLocks/>
-          </p:cNvSpPr>
-          <p:nvPr/>
-        </p:nvSpPr>
-        <p:spPr bwMode="auto">
-          <a:xfrm>
-            <a:off x="7832526" y="2204865"/>
-            <a:ext cx="2071887" cy="936104"/>
-          </a:xfrm>
-          <a:prstGeom prst="rect">
-            <a:avLst/>
-          </a:prstGeom>
-          <a:noFill/>
-          <a:ln>
-            <a:noFill/>
-          </a:ln>
-          <a:extLst>
-            <a:ext uri="{909E8E84-426E-40DD-AFC4-6F175D3DCCD1}">
-              <a14:hiddenFill xmlns:a14="http://schemas.microsoft.com/office/drawing/2010/main">
-                <a:solidFill>
-                  <a:srgbClr val="FFFFFF"/>
-                </a:solidFill>
-              </a14:hiddenFill>
-            </a:ext>
-            <a:ext uri="{91240B29-F687-4F45-9708-019B960494DF}">
-              <a14:hiddenLine xmlns:a14="http://schemas.microsoft.com/office/drawing/2010/main" w="9525">
-                <a:solidFill>
-                  <a:srgbClr val="000000"/>
-                </a:solidFill>
-                <a:miter lim="800000"/>
-                <a:headEnd/>
-                <a:tailEnd/>
-              </a14:hiddenLine>
-            </a:ext>
-          </a:extLst>
-        </p:spPr>
-        <p:txBody>
-          <a:bodyPr vert="horz" wrap="square" lIns="91440" tIns="45720" rIns="91440" bIns="45720" numCol="1" anchor="t" anchorCtr="0" compatLnSpc="1">
-            <a:prstTxWarp prst="textNoShape">
-              <a:avLst/>
-            </a:prstTxWarp>
-          </a:bodyPr>
-          <a:lstStyle>
-            <a:lvl1pPr marL="342900" indent="-342900" algn="l" rtl="0" eaLnBrk="0" fontAlgn="base" latinLnBrk="1" hangingPunct="0">
-              <a:spcBef>
-                <a:spcPct val="20000"/>
-              </a:spcBef>
-              <a:spcAft>
-                <a:spcPct val="0"/>
-              </a:spcAft>
-              <a:buFont typeface="Arial" pitchFamily="34" charset="0"/>
-              <a:buChar char="•"/>
-              <a:defRPr sz="2800" b="1" kern="1200">
-                <a:solidFill>
-                  <a:schemeClr val="tx1"/>
-                </a:solidFill>
-                <a:latin typeface="HY그래픽M" pitchFamily="18" charset="-127"/>
-                <a:ea typeface="HY그래픽M" pitchFamily="18" charset="-127"/>
-                <a:cs typeface="+mn-cs"/>
-              </a:defRPr>
-            </a:lvl1pPr>
-            <a:lvl2pPr marL="742950" indent="-285750" algn="l" rtl="0" eaLnBrk="0" fontAlgn="base" latinLnBrk="1" hangingPunct="0">
-              <a:spcBef>
-                <a:spcPct val="20000"/>
-              </a:spcBef>
-              <a:spcAft>
-                <a:spcPct val="0"/>
-              </a:spcAft>
-              <a:buFont typeface="Arial" pitchFamily="34" charset="0"/>
-              <a:buChar char="–"/>
-              <a:defRPr sz="2400" b="1" kern="1200">
-                <a:solidFill>
-                  <a:schemeClr val="tx1"/>
-                </a:solidFill>
-                <a:latin typeface="HY그래픽M" pitchFamily="18" charset="-127"/>
-                <a:ea typeface="HY그래픽M" pitchFamily="18" charset="-127"/>
-                <a:cs typeface="+mn-cs"/>
-              </a:defRPr>
-            </a:lvl2pPr>
-            <a:lvl3pPr marL="1143000" indent="-228600" algn="l" rtl="0" eaLnBrk="0" fontAlgn="base" latinLnBrk="1" hangingPunct="0">
-              <a:spcBef>
-                <a:spcPct val="20000"/>
-              </a:spcBef>
-              <a:spcAft>
-                <a:spcPct val="0"/>
-              </a:spcAft>
-              <a:buFont typeface="Arial" pitchFamily="34" charset="0"/>
-              <a:buChar char="•"/>
-              <a:defRPr sz="2000" b="1" kern="1200">
-                <a:solidFill>
-                  <a:schemeClr val="tx1"/>
-                </a:solidFill>
-                <a:latin typeface="HY그래픽M" pitchFamily="18" charset="-127"/>
-                <a:ea typeface="HY그래픽M" pitchFamily="18" charset="-127"/>
-                <a:cs typeface="+mn-cs"/>
-              </a:defRPr>
-            </a:lvl3pPr>
-            <a:lvl4pPr marL="1600200" indent="-228600" algn="l" rtl="0" eaLnBrk="0" fontAlgn="base" latinLnBrk="1" hangingPunct="0">
-              <a:spcBef>
-                <a:spcPct val="20000"/>
-              </a:spcBef>
-              <a:spcAft>
-                <a:spcPct val="0"/>
-              </a:spcAft>
-              <a:buFont typeface="Arial" pitchFamily="34" charset="0"/>
-              <a:buChar char="–"/>
-              <a:defRPr sz="1800" b="1" kern="1200">
-                <a:solidFill>
-                  <a:schemeClr val="tx1"/>
-                </a:solidFill>
-                <a:latin typeface="HY그래픽M" pitchFamily="18" charset="-127"/>
-                <a:ea typeface="HY그래픽M" pitchFamily="18" charset="-127"/>
-                <a:cs typeface="+mn-cs"/>
-              </a:defRPr>
-            </a:lvl4pPr>
-            <a:lvl5pPr marL="2057400" indent="-228600" algn="l" rtl="0" eaLnBrk="0" fontAlgn="base" latinLnBrk="1" hangingPunct="0">
-              <a:spcBef>
-                <a:spcPct val="20000"/>
-              </a:spcBef>
-              <a:spcAft>
-                <a:spcPct val="0"/>
-              </a:spcAft>
-              <a:buFont typeface="Arial" pitchFamily="34" charset="0"/>
-              <a:buChar char="»"/>
-              <a:defRPr sz="1800" b="1" kern="1200">
-                <a:solidFill>
-                  <a:schemeClr val="tx1"/>
-                </a:solidFill>
-                <a:latin typeface="HY그래픽M" pitchFamily="18" charset="-127"/>
-                <a:ea typeface="HY그래픽M" pitchFamily="18" charset="-127"/>
-                <a:cs typeface="+mn-cs"/>
-              </a:defRPr>
-            </a:lvl5pPr>
-            <a:lvl6pPr marL="2514600" indent="-228600" algn="l" defTabSz="914400" rtl="0" eaLnBrk="1" latinLnBrk="1" hangingPunct="1">
-              <a:spcBef>
-                <a:spcPct val="20000"/>
-              </a:spcBef>
-              <a:buFont typeface="Arial" pitchFamily="34" charset="0"/>
-              <a:buChar char="•"/>
-              <a:defRPr sz="2000" kern="1200">
-                <a:solidFill>
-                  <a:schemeClr val="tx1"/>
-                </a:solidFill>
-                <a:latin typeface="+mn-lt"/>
-                <a:ea typeface="+mn-ea"/>
-                <a:cs typeface="+mn-cs"/>
-              </a:defRPr>
-            </a:lvl6pPr>
-            <a:lvl7pPr marL="2971800" indent="-228600" algn="l" defTabSz="914400" rtl="0" eaLnBrk="1" latinLnBrk="1" hangingPunct="1">
-              <a:spcBef>
-                <a:spcPct val="20000"/>
-              </a:spcBef>
-              <a:buFont typeface="Arial" pitchFamily="34" charset="0"/>
-              <a:buChar char="•"/>
-              <a:defRPr sz="2000" kern="1200">
-                <a:solidFill>
-                  <a:schemeClr val="tx1"/>
-                </a:solidFill>
-                <a:latin typeface="+mn-lt"/>
-                <a:ea typeface="+mn-ea"/>
-                <a:cs typeface="+mn-cs"/>
-              </a:defRPr>
-            </a:lvl7pPr>
-            <a:lvl8pPr marL="3429000" indent="-228600" algn="l" defTabSz="914400" rtl="0" eaLnBrk="1" latinLnBrk="1" hangingPunct="1">
-              <a:spcBef>
-                <a:spcPct val="20000"/>
-              </a:spcBef>
-              <a:buFont typeface="Arial" pitchFamily="34" charset="0"/>
-              <a:buChar char="•"/>
-              <a:defRPr sz="2000" kern="1200">
-                <a:solidFill>
-                  <a:schemeClr val="tx1"/>
-                </a:solidFill>
-                <a:latin typeface="+mn-lt"/>
-                <a:ea typeface="+mn-ea"/>
-                <a:cs typeface="+mn-cs"/>
-              </a:defRPr>
-            </a:lvl8pPr>
-            <a:lvl9pPr marL="3886200" indent="-228600" algn="l" defTabSz="914400" rtl="0" eaLnBrk="1" latinLnBrk="1" hangingPunct="1">
-              <a:spcBef>
-                <a:spcPct val="20000"/>
-              </a:spcBef>
-              <a:buFont typeface="Arial" pitchFamily="34" charset="0"/>
-              <a:buChar char="•"/>
-              <a:defRPr sz="2000" kern="1200">
-                <a:solidFill>
-                  <a:schemeClr val="tx1"/>
-                </a:solidFill>
-                <a:latin typeface="+mn-lt"/>
-                <a:ea typeface="+mn-ea"/>
-                <a:cs typeface="+mn-cs"/>
-              </a:defRPr>
-            </a:lvl9pPr>
-          </a:lstStyle>
-          <a:p>
-            <a:pPr marL="0" indent="0">
-              <a:buNone/>
-            </a:pPr>
-            <a:r>
-              <a:rPr lang="ko-KR" altLang="en-US" sz="2000" dirty="0" smtClean="0"/>
-              <a:t>자세히 누르면</a:t>
-            </a:r>
-            <a:endParaRPr lang="en-US" altLang="ko-KR" sz="2000" dirty="0" smtClean="0"/>
-          </a:p>
-          <a:p>
-            <a:pPr marL="0" indent="0">
-              <a:buNone/>
-            </a:pPr>
-            <a:r>
-              <a:rPr lang="ko-KR" altLang="en-US" sz="2000" dirty="0" smtClean="0"/>
-              <a:t>작성내용 확인</a:t>
-            </a:r>
-            <a:endParaRPr lang="ko-KR" altLang="en-US" sz="2000" dirty="0"/>
           </a:p>
         </p:txBody>
       </p:sp>
@@ -6549,70 +7543,15 @@
           <a:chExt cx="0" cy="0"/>
         </a:xfrm>
       </p:grpSpPr>
-      <p:sp>
-        <p:nvSpPr>
-          <p:cNvPr id="2" name="제목 1"/>
-          <p:cNvSpPr>
-            <a:spLocks noGrp="1"/>
-          </p:cNvSpPr>
-          <p:nvPr>
-            <p:ph type="title"/>
-          </p:nvPr>
-        </p:nvSpPr>
-        <p:spPr/>
-        <p:txBody>
-          <a:bodyPr/>
-          <a:lstStyle/>
-          <a:p>
-            <a:r>
-              <a:rPr lang="ko-KR" altLang="en-US" dirty="0" smtClean="0"/>
-              <a:t>엑셀로 </a:t>
-            </a:r>
-            <a:r>
-              <a:rPr lang="ko-KR" altLang="en-US" dirty="0" err="1" smtClean="0"/>
-              <a:t>나의자재</a:t>
-            </a:r>
-            <a:r>
-              <a:rPr lang="ko-KR" altLang="en-US" dirty="0" smtClean="0"/>
-              <a:t> 다운로드</a:t>
-            </a:r>
-            <a:endParaRPr lang="ko-KR" altLang="en-US" dirty="0"/>
-          </a:p>
-        </p:txBody>
-      </p:sp>
-      <p:sp>
-        <p:nvSpPr>
-          <p:cNvPr id="3" name="내용 개체 틀 2"/>
-          <p:cNvSpPr>
-            <a:spLocks noGrp="1"/>
-          </p:cNvSpPr>
-          <p:nvPr>
-            <p:ph idx="1"/>
-          </p:nvPr>
-        </p:nvSpPr>
-        <p:spPr>
-          <a:xfrm>
-            <a:off x="495221" y="3429000"/>
-            <a:ext cx="8913972" cy="2697167"/>
-          </a:xfrm>
-        </p:spPr>
-        <p:txBody>
-          <a:bodyPr/>
-          <a:lstStyle/>
-          <a:p>
-            <a:endParaRPr lang="ko-KR" altLang="en-US" dirty="0"/>
-          </a:p>
-        </p:txBody>
-      </p:sp>
       <p:pic>
         <p:nvPicPr>
-          <p:cNvPr id="4098" name="Picture 2"/>
+          <p:cNvPr id="8195" name="Picture 3"/>
           <p:cNvPicPr>
             <a:picLocks noChangeAspect="1" noChangeArrowheads="1"/>
           </p:cNvPicPr>
           <p:nvPr/>
         </p:nvPicPr>
-        <p:blipFill rotWithShape="1">
+        <p:blipFill>
           <a:blip r:embed="rId2">
             <a:extLst>
               <a:ext uri="{28A0092B-C50C-407E-A947-70E740481C1C}">
@@ -6620,13 +7559,79 @@
               </a:ext>
             </a:extLst>
           </a:blip>
-          <a:srcRect b="8787"/>
-          <a:stretch/>
+          <a:srcRect/>
+          <a:stretch>
+            <a:fillRect/>
+          </a:stretch>
         </p:blipFill>
         <p:spPr bwMode="auto">
           <a:xfrm>
-            <a:off x="202380" y="1016835"/>
-            <a:ext cx="9502354" cy="2268149"/>
+            <a:off x="127670" y="3256294"/>
+            <a:ext cx="9709619" cy="3485074"/>
+          </a:xfrm>
+          <a:prstGeom prst="rect">
+            <a:avLst/>
+          </a:prstGeom>
+          <a:noFill/>
+          <a:ln>
+            <a:noFill/>
+          </a:ln>
+          <a:effectLst/>
+          <a:extLst>
+            <a:ext uri="{909E8E84-426E-40DD-AFC4-6F175D3DCCD1}">
+              <a14:hiddenFill xmlns:a14="http://schemas.microsoft.com/office/drawing/2010/main">
+                <a:solidFill>
+                  <a:schemeClr val="accent1"/>
+                </a:solidFill>
+              </a14:hiddenFill>
+            </a:ext>
+            <a:ext uri="{91240B29-F687-4F45-9708-019B960494DF}">
+              <a14:hiddenLine xmlns:a14="http://schemas.microsoft.com/office/drawing/2010/main" w="9525">
+                <a:solidFill>
+                  <a:schemeClr val="tx1"/>
+                </a:solidFill>
+                <a:miter lim="800000"/>
+                <a:headEnd/>
+                <a:tailEnd/>
+              </a14:hiddenLine>
+            </a:ext>
+            <a:ext uri="{AF507438-7753-43E0-B8FC-AC1667EBCBE1}">
+              <a14:hiddenEffects xmlns:a14="http://schemas.microsoft.com/office/drawing/2010/main">
+                <a:effectLst>
+                  <a:outerShdw dist="35921" dir="2700000" algn="ctr" rotWithShape="0">
+                    <a:schemeClr val="bg2"/>
+                  </a:outerShdw>
+                </a:effectLst>
+              </a14:hiddenEffects>
+            </a:ext>
+          </a:extLst>
+        </p:spPr>
+      </p:pic>
+      <p:pic>
+        <p:nvPicPr>
+          <p:cNvPr id="8194" name="Picture 2"/>
+          <p:cNvPicPr>
+            <a:picLocks noChangeAspect="1" noChangeArrowheads="1"/>
+          </p:cNvPicPr>
+          <p:nvPr/>
+        </p:nvPicPr>
+        <p:blipFill>
+          <a:blip r:embed="rId3">
+            <a:extLst>
+              <a:ext uri="{28A0092B-C50C-407E-A947-70E740481C1C}">
+                <a14:useLocalDpi xmlns:a14="http://schemas.microsoft.com/office/drawing/2010/main" val="0"/>
+              </a:ext>
+            </a:extLst>
+          </a:blip>
+          <a:srcRect/>
+          <a:stretch>
+            <a:fillRect/>
+          </a:stretch>
+        </p:blipFill>
+        <p:spPr bwMode="auto">
+          <a:xfrm>
+            <a:off x="127670" y="980728"/>
+            <a:ext cx="9560718" cy="2052057"/>
           </a:xfrm>
           <a:prstGeom prst="rect">
             <a:avLst/>
@@ -6668,14 +7673,45 @@
       </p:pic>
       <p:sp>
         <p:nvSpPr>
+          <p:cNvPr id="2" name="제목 1"/>
+          <p:cNvSpPr>
+            <a:spLocks noGrp="1"/>
+          </p:cNvSpPr>
+          <p:nvPr>
+            <p:ph type="title"/>
+          </p:nvPr>
+        </p:nvSpPr>
+        <p:spPr/>
+        <p:txBody>
+          <a:bodyPr/>
+          <a:lstStyle/>
+          <a:p>
+            <a:r>
+              <a:rPr lang="ko-KR" altLang="en-US" dirty="0" smtClean="0"/>
+              <a:t>엑셀로 </a:t>
+            </a:r>
+            <a:r>
+              <a:rPr lang="ko-KR" altLang="en-US" dirty="0" err="1" smtClean="0"/>
+              <a:t>나의자재</a:t>
+            </a:r>
+            <a:r>
+              <a:rPr lang="ko-KR" altLang="en-US" dirty="0" smtClean="0"/>
+              <a:t> 다운로드</a:t>
+            </a:r>
+            <a:endParaRPr lang="ko-KR" altLang="en-US" dirty="0"/>
+          </a:p>
+        </p:txBody>
+      </p:sp>
+      <p:sp>
+        <p:nvSpPr>
           <p:cNvPr id="5" name="위쪽 화살표 설명선 4"/>
           <p:cNvSpPr/>
           <p:nvPr/>
         </p:nvSpPr>
         <p:spPr>
           <a:xfrm rot="10800000">
-            <a:off x="8480596" y="1916832"/>
-            <a:ext cx="928595" cy="1440161"/>
+            <a:off x="8597376" y="1772815"/>
+            <a:ext cx="1091011" cy="1440161"/>
           </a:xfrm>
           <a:prstGeom prst="upArrowCallout">
             <a:avLst>
@@ -6717,70 +7753,6 @@
           </a:p>
         </p:txBody>
       </p:sp>
-      <p:pic>
-        <p:nvPicPr>
-          <p:cNvPr id="4099" name="Picture 3"/>
-          <p:cNvPicPr>
-            <a:picLocks noChangeAspect="1" noChangeArrowheads="1"/>
-          </p:cNvPicPr>
-          <p:nvPr/>
-        </p:nvPicPr>
-        <p:blipFill>
-          <a:blip r:embed="rId3">
-            <a:extLst>
-              <a:ext uri="{28A0092B-C50C-407E-A947-70E740481C1C}">
-                <a14:useLocalDpi xmlns:a14="http://schemas.microsoft.com/office/drawing/2010/main" val="0"/>
-              </a:ext>
-            </a:extLst>
-          </a:blip>
-          <a:srcRect/>
-          <a:stretch>
-            <a:fillRect/>
-          </a:stretch>
-        </p:blipFill>
-        <p:spPr bwMode="auto">
-          <a:xfrm>
-            <a:off x="701604" y="3421112"/>
-            <a:ext cx="8725671" cy="3143510"/>
-          </a:xfrm>
-          <a:prstGeom prst="rect">
-            <a:avLst/>
-          </a:prstGeom>
-          <a:noFill/>
-          <a:ln>
-            <a:noFill/>
-          </a:ln>
-          <a:effectLst/>
-          <a:extLst>
-            <a:ext uri="{909E8E84-426E-40DD-AFC4-6F175D3DCCD1}">
-              <a14:hiddenFill xmlns:a14="http://schemas.microsoft.com/office/drawing/2010/main">
-                <a:solidFill>
-                  <a:schemeClr val="accent1"/>
-                </a:solidFill>
-              </a14:hiddenFill>
-            </a:ext>
-            <a:ext uri="{91240B29-F687-4F45-9708-019B960494DF}">
-              <a14:hiddenLine xmlns:a14="http://schemas.microsoft.com/office/drawing/2010/main" w="9525">
-                <a:solidFill>
-                  <a:schemeClr val="tx1"/>
-                </a:solidFill>
-                <a:miter lim="800000"/>
-                <a:headEnd/>
-                <a:tailEnd/>
-              </a14:hiddenLine>
-            </a:ext>
-            <a:ext uri="{AF507438-7753-43E0-B8FC-AC1667EBCBE1}">
-              <a14:hiddenEffects xmlns:a14="http://schemas.microsoft.com/office/drawing/2010/main">
-                <a:effectLst>
-                  <a:outerShdw dist="35921" dir="2700000" algn="ctr" rotWithShape="0">
-                    <a:schemeClr val="bg2"/>
-                  </a:outerShdw>
-                </a:effectLst>
-              </a14:hiddenEffects>
-            </a:ext>
-          </a:extLst>
-        </p:spPr>
-      </p:pic>
     </p:spTree>
     <p:extLst>
       <p:ext uri="{BB962C8B-B14F-4D97-AF65-F5344CB8AC3E}">
@@ -6791,6 +7763,13 @@
   <p:clrMapOvr>
     <a:masterClrMapping/>
   </p:clrMapOvr>
+  <p:timing>
+    <p:tnLst>
+      <p:par>
+        <p:cTn id="1" dur="indefinite" restart="never" nodeType="tmRoot"/>
+      </p:par>
+    </p:tnLst>
+  </p:timing>
 </p:sld>
 </file>
 
@@ -6811,140 +7790,16 @@
           <a:chExt cx="0" cy="0"/>
         </a:xfrm>
       </p:grpSpPr>
-      <p:sp>
-        <p:nvSpPr>
-          <p:cNvPr id="2" name="제목 1"/>
-          <p:cNvSpPr>
-            <a:spLocks noGrp="1"/>
-          </p:cNvSpPr>
-          <p:nvPr>
-            <p:ph type="title"/>
-          </p:nvPr>
-        </p:nvSpPr>
-        <p:spPr/>
-        <p:txBody>
-          <a:bodyPr/>
-          <a:lstStyle/>
-          <a:p>
-            <a:r>
-              <a:rPr lang="ko-KR" altLang="en-US" dirty="0" smtClean="0"/>
-              <a:t>엑셀로 출고요청 리스트 업로드</a:t>
-            </a:r>
-            <a:endParaRPr lang="ko-KR" altLang="en-US" dirty="0"/>
-          </a:p>
-        </p:txBody>
-      </p:sp>
-      <p:sp>
-        <p:nvSpPr>
-          <p:cNvPr id="3" name="내용 개체 틀 2"/>
-          <p:cNvSpPr>
-            <a:spLocks noGrp="1"/>
-          </p:cNvSpPr>
-          <p:nvPr>
-            <p:ph idx="1"/>
-          </p:nvPr>
-        </p:nvSpPr>
-        <p:spPr>
-          <a:xfrm>
-            <a:off x="2951002" y="1225106"/>
-            <a:ext cx="8913972" cy="576064"/>
-          </a:xfrm>
-        </p:spPr>
-        <p:txBody>
-          <a:bodyPr/>
-          <a:lstStyle/>
-          <a:p>
-            <a:pPr marL="0" indent="0">
-              <a:buNone/>
-            </a:pPr>
-            <a:r>
-              <a:rPr lang="ko-KR" altLang="en-US" dirty="0" smtClean="0"/>
-              <a:t>다수 </a:t>
-            </a:r>
-            <a:r>
-              <a:rPr lang="ko-KR" altLang="en-US" dirty="0" err="1" smtClean="0"/>
-              <a:t>요청시</a:t>
-            </a:r>
-            <a:r>
-              <a:rPr lang="ko-KR" altLang="en-US" dirty="0" smtClean="0"/>
-              <a:t> 엑셀로 리스트 업로드 가능</a:t>
-            </a:r>
-            <a:endParaRPr lang="ko-KR" altLang="en-US" dirty="0"/>
-          </a:p>
-        </p:txBody>
-      </p:sp>
       <p:pic>
         <p:nvPicPr>
-          <p:cNvPr id="5122" name="Picture 2"/>
-          <p:cNvPicPr>
-            <a:picLocks noChangeAspect="1" noChangeArrowheads="1"/>
-          </p:cNvPicPr>
-          <p:nvPr/>
-        </p:nvPicPr>
-        <p:blipFill rotWithShape="1">
-          <a:blip r:embed="rId2">
-            <a:extLst>
-              <a:ext uri="{28A0092B-C50C-407E-A947-70E740481C1C}">
-                <a14:useLocalDpi xmlns:a14="http://schemas.microsoft.com/office/drawing/2010/main" val="0"/>
-              </a:ext>
-            </a:extLst>
-          </a:blip>
-          <a:srcRect t="35939"/>
-          <a:stretch/>
-        </p:blipFill>
-        <p:spPr bwMode="auto">
-          <a:xfrm>
-            <a:off x="559718" y="4153610"/>
-            <a:ext cx="8912646" cy="2227718"/>
-          </a:xfrm>
-          <a:prstGeom prst="rect">
-            <a:avLst/>
-          </a:prstGeom>
-          <a:noFill/>
-          <a:ln>
-            <a:noFill/>
-          </a:ln>
-          <a:effectLst/>
-          <a:extLst>
-            <a:ext uri="{909E8E84-426E-40DD-AFC4-6F175D3DCCD1}">
-              <a14:hiddenFill xmlns:a14="http://schemas.microsoft.com/office/drawing/2010/main">
-                <a:solidFill>
-                  <a:schemeClr val="accent1"/>
-                </a:solidFill>
-              </a14:hiddenFill>
-            </a:ext>
-            <a:ext uri="{91240B29-F687-4F45-9708-019B960494DF}">
-              <a14:hiddenLine xmlns:a14="http://schemas.microsoft.com/office/drawing/2010/main" w="9525">
-                <a:solidFill>
-                  <a:schemeClr val="tx1"/>
-                </a:solidFill>
-                <a:miter lim="800000"/>
-                <a:headEnd/>
-                <a:tailEnd/>
-              </a14:hiddenLine>
-            </a:ext>
-            <a:ext uri="{AF507438-7753-43E0-B8FC-AC1667EBCBE1}">
-              <a14:hiddenEffects xmlns:a14="http://schemas.microsoft.com/office/drawing/2010/main">
-                <a:effectLst>
-                  <a:outerShdw dist="35921" dir="2700000" algn="ctr" rotWithShape="0">
-                    <a:schemeClr val="bg2"/>
-                  </a:outerShdw>
-                </a:effectLst>
-              </a14:hiddenEffects>
-            </a:ext>
-          </a:extLst>
-        </p:spPr>
-      </p:pic>
-      <p:pic>
-        <p:nvPicPr>
-          <p:cNvPr id="5123" name="Picture 3"/>
+          <p:cNvPr id="9219" name="Picture 3"/>
           <p:cNvPicPr>
             <a:picLocks noChangeAspect="1" noChangeArrowheads="1"/>
           </p:cNvPicPr>
           <p:nvPr/>
         </p:nvPicPr>
         <p:blipFill>
-          <a:blip r:embed="rId3">
+          <a:blip r:embed="rId2">
             <a:extLst>
               <a:ext uri="{28A0092B-C50C-407E-A947-70E740481C1C}">
                 <a14:useLocalDpi xmlns:a14="http://schemas.microsoft.com/office/drawing/2010/main" val="0"/>
@@ -6958,8 +7813,8 @@
         </p:blipFill>
         <p:spPr bwMode="auto">
           <a:xfrm>
-            <a:off x="919758" y="1772817"/>
-            <a:ext cx="7962900" cy="2057400"/>
+            <a:off x="541337" y="1268760"/>
+            <a:ext cx="8548640" cy="3240360"/>
           </a:xfrm>
           <a:prstGeom prst="rect">
             <a:avLst/>
@@ -7001,47 +7856,24 @@
       </p:pic>
       <p:sp>
         <p:nvSpPr>
-          <p:cNvPr id="4" name="타원 3"/>
-          <p:cNvSpPr/>
-          <p:nvPr/>
+          <p:cNvPr id="2" name="제목 1"/>
+          <p:cNvSpPr>
+            <a:spLocks noGrp="1"/>
+          </p:cNvSpPr>
+          <p:nvPr>
+            <p:ph type="title"/>
+          </p:nvPr>
         </p:nvSpPr>
-        <p:spPr>
-          <a:xfrm>
-            <a:off x="9094855" y="5382930"/>
-            <a:ext cx="576064" cy="864096"/>
-          </a:xfrm>
-          <a:prstGeom prst="ellipse">
-            <a:avLst/>
-          </a:prstGeom>
-          <a:solidFill>
-            <a:schemeClr val="accent2">
-              <a:tint val="100000"/>
-              <a:alpha val="31000"/>
-            </a:schemeClr>
-          </a:solidFill>
-        </p:spPr>
-        <p:style>
-          <a:lnRef idx="2">
-            <a:schemeClr val="accent2">
-              <a:shade val="50000"/>
-            </a:schemeClr>
-          </a:lnRef>
-          <a:fillRef idx="1">
-            <a:schemeClr val="accent2"/>
-          </a:fillRef>
-          <a:effectRef idx="0">
-            <a:schemeClr val="accent2"/>
-          </a:effectRef>
-          <a:fontRef idx="minor">
-            <a:schemeClr val="lt1"/>
-          </a:fontRef>
-        </p:style>
+        <p:spPr/>
         <p:txBody>
-          <a:bodyPr rtlCol="0" anchor="ctr"/>
+          <a:bodyPr/>
           <a:lstStyle/>
           <a:p>
-            <a:pPr algn="ctr"/>
-            <a:endParaRPr lang="ko-KR" altLang="en-US"/>
+            <a:r>
+              <a:rPr lang="ko-KR" altLang="en-US" dirty="0" smtClean="0"/>
+              <a:t>엑셀로 출고요청 리스트 업로드</a:t>
+            </a:r>
+            <a:endParaRPr lang="ko-KR" altLang="en-US" dirty="0"/>
           </a:p>
         </p:txBody>
       </p:sp>
@@ -7053,7 +7885,7 @@
         </p:nvSpPr>
         <p:spPr>
           <a:xfrm>
-            <a:off x="2062361" y="1305722"/>
+            <a:off x="7215399" y="1337796"/>
             <a:ext cx="491136" cy="444974"/>
           </a:xfrm>
           <a:prstGeom prst="downArrow">
@@ -7108,7 +7940,7 @@
         </p:nvSpPr>
         <p:spPr>
           <a:xfrm rot="5400000">
-            <a:off x="3429657" y="2189845"/>
+            <a:off x="2050867" y="3879243"/>
             <a:ext cx="491136" cy="444974"/>
           </a:xfrm>
           <a:prstGeom prst="downArrow">
@@ -7165,7 +7997,7 @@
         </p:nvSpPr>
         <p:spPr bwMode="auto">
           <a:xfrm>
-            <a:off x="2143894" y="1305722"/>
+            <a:off x="7296932" y="1337796"/>
             <a:ext cx="506118" cy="380826"/>
           </a:xfrm>
           <a:prstGeom prst="rect">
@@ -7359,7 +8191,7 @@
             </a:pPr>
             <a:r>
               <a:rPr lang="en-US" altLang="ko-KR" sz="1600" dirty="0" smtClean="0"/>
-              <a:t>1</a:t>
+              <a:t>2</a:t>
             </a:r>
             <a:endParaRPr lang="ko-KR" altLang="en-US" sz="1600" dirty="0"/>
           </a:p>
@@ -7375,7 +8207,7 @@
         </p:nvSpPr>
         <p:spPr bwMode="auto">
           <a:xfrm>
-            <a:off x="3594692" y="2238772"/>
+            <a:off x="2215902" y="3928170"/>
             <a:ext cx="506118" cy="380826"/>
           </a:xfrm>
           <a:prstGeom prst="rect">
@@ -7569,7 +8401,331 @@
             </a:pPr>
             <a:r>
               <a:rPr lang="en-US" altLang="ko-KR" sz="1600" dirty="0" smtClean="0"/>
-              <a:t>2</a:t>
+              <a:t>4</a:t>
+            </a:r>
+            <a:endParaRPr lang="ko-KR" altLang="en-US" sz="1600" dirty="0"/>
+          </a:p>
+        </p:txBody>
+      </p:sp>
+      <p:pic>
+        <p:nvPicPr>
+          <p:cNvPr id="9218" name="Picture 2"/>
+          <p:cNvPicPr>
+            <a:picLocks noChangeAspect="1" noChangeArrowheads="1"/>
+          </p:cNvPicPr>
+          <p:nvPr/>
+        </p:nvPicPr>
+        <p:blipFill>
+          <a:blip r:embed="rId3">
+            <a:extLst>
+              <a:ext uri="{28A0092B-C50C-407E-A947-70E740481C1C}">
+                <a14:useLocalDpi xmlns:a14="http://schemas.microsoft.com/office/drawing/2010/main" val="0"/>
+              </a:ext>
+            </a:extLst>
+          </a:blip>
+          <a:srcRect/>
+          <a:stretch>
+            <a:fillRect/>
+          </a:stretch>
+        </p:blipFill>
+        <p:spPr bwMode="auto">
+          <a:xfrm>
+            <a:off x="353780" y="4308996"/>
+            <a:ext cx="9094855" cy="2504380"/>
+          </a:xfrm>
+          <a:prstGeom prst="rect">
+            <a:avLst/>
+          </a:prstGeom>
+          <a:noFill/>
+          <a:ln>
+            <a:noFill/>
+          </a:ln>
+          <a:effectLst/>
+          <a:extLst>
+            <a:ext uri="{909E8E84-426E-40DD-AFC4-6F175D3DCCD1}">
+              <a14:hiddenFill xmlns:a14="http://schemas.microsoft.com/office/drawing/2010/main">
+                <a:solidFill>
+                  <a:schemeClr val="accent1"/>
+                </a:solidFill>
+              </a14:hiddenFill>
+            </a:ext>
+            <a:ext uri="{91240B29-F687-4F45-9708-019B960494DF}">
+              <a14:hiddenLine xmlns:a14="http://schemas.microsoft.com/office/drawing/2010/main" w="9525">
+                <a:solidFill>
+                  <a:schemeClr val="tx1"/>
+                </a:solidFill>
+                <a:miter lim="800000"/>
+                <a:headEnd/>
+                <a:tailEnd/>
+              </a14:hiddenLine>
+            </a:ext>
+            <a:ext uri="{AF507438-7753-43E0-B8FC-AC1667EBCBE1}">
+              <a14:hiddenEffects xmlns:a14="http://schemas.microsoft.com/office/drawing/2010/main">
+                <a:effectLst>
+                  <a:outerShdw dist="35921" dir="2700000" algn="ctr" rotWithShape="0">
+                    <a:schemeClr val="bg2"/>
+                  </a:outerShdw>
+                </a:effectLst>
+              </a14:hiddenEffects>
+            </a:ext>
+          </a:extLst>
+        </p:spPr>
+      </p:pic>
+      <p:sp>
+        <p:nvSpPr>
+          <p:cNvPr id="4" name="타원 3"/>
+          <p:cNvSpPr/>
+          <p:nvPr/>
+        </p:nvSpPr>
+        <p:spPr>
+          <a:xfrm>
+            <a:off x="8889316" y="5560852"/>
+            <a:ext cx="576064" cy="1108508"/>
+          </a:xfrm>
+          <a:prstGeom prst="ellipse">
+            <a:avLst/>
+          </a:prstGeom>
+          <a:solidFill>
+            <a:schemeClr val="accent2">
+              <a:tint val="100000"/>
+              <a:alpha val="31000"/>
+            </a:schemeClr>
+          </a:solidFill>
+        </p:spPr>
+        <p:style>
+          <a:lnRef idx="2">
+            <a:schemeClr val="accent2">
+              <a:shade val="50000"/>
+            </a:schemeClr>
+          </a:lnRef>
+          <a:fillRef idx="1">
+            <a:schemeClr val="accent2"/>
+          </a:fillRef>
+          <a:effectRef idx="0">
+            <a:schemeClr val="accent2"/>
+          </a:effectRef>
+          <a:fontRef idx="minor">
+            <a:schemeClr val="lt1"/>
+          </a:fontRef>
+        </p:style>
+        <p:txBody>
+          <a:bodyPr rtlCol="0" anchor="ctr"/>
+          <a:lstStyle/>
+          <a:p>
+            <a:pPr algn="ctr"/>
+            <a:endParaRPr lang="ko-KR" altLang="en-US"/>
+          </a:p>
+        </p:txBody>
+      </p:sp>
+      <p:sp>
+        <p:nvSpPr>
+          <p:cNvPr id="17" name="내용 개체 틀 2"/>
+          <p:cNvSpPr txBox="1">
+            <a:spLocks/>
+          </p:cNvSpPr>
+          <p:nvPr/>
+        </p:nvSpPr>
+        <p:spPr bwMode="auto">
+          <a:xfrm>
+            <a:off x="8889316" y="5280422"/>
+            <a:ext cx="1212493" cy="380826"/>
+          </a:xfrm>
+          <a:prstGeom prst="rect">
+            <a:avLst/>
+          </a:prstGeom>
+          <a:noFill/>
+          <a:ln>
+            <a:noFill/>
+          </a:ln>
+          <a:extLst>
+            <a:ext uri="{909E8E84-426E-40DD-AFC4-6F175D3DCCD1}">
+              <a14:hiddenFill xmlns:a14="http://schemas.microsoft.com/office/drawing/2010/main">
+                <a:solidFill>
+                  <a:srgbClr val="FFFFFF"/>
+                </a:solidFill>
+              </a14:hiddenFill>
+            </a:ext>
+            <a:ext uri="{91240B29-F687-4F45-9708-019B960494DF}">
+              <a14:hiddenLine xmlns:a14="http://schemas.microsoft.com/office/drawing/2010/main" w="9525">
+                <a:solidFill>
+                  <a:srgbClr val="000000"/>
+                </a:solidFill>
+                <a:miter lim="800000"/>
+                <a:headEnd/>
+                <a:tailEnd/>
+              </a14:hiddenLine>
+            </a:ext>
+          </a:extLst>
+        </p:spPr>
+        <p:txBody>
+          <a:bodyPr vert="horz" wrap="square" lIns="91440" tIns="45720" rIns="91440" bIns="45720" numCol="1" anchor="t" anchorCtr="0" compatLnSpc="1">
+            <a:prstTxWarp prst="textNoShape">
+              <a:avLst/>
+            </a:prstTxWarp>
+          </a:bodyPr>
+          <a:lstStyle>
+            <a:lvl1pPr marL="342900" indent="-342900" algn="l" rtl="0" eaLnBrk="0" fontAlgn="base" latinLnBrk="1" hangingPunct="0">
+              <a:spcBef>
+                <a:spcPct val="20000"/>
+              </a:spcBef>
+              <a:spcAft>
+                <a:spcPct val="0"/>
+              </a:spcAft>
+              <a:buFont typeface="Arial" pitchFamily="34" charset="0"/>
+              <a:buChar char="•"/>
+              <a:defRPr sz="2800" b="1" kern="1200">
+                <a:solidFill>
+                  <a:schemeClr val="tx1"/>
+                </a:solidFill>
+                <a:latin typeface="HY그래픽M" pitchFamily="18" charset="-127"/>
+                <a:ea typeface="HY그래픽M" pitchFamily="18" charset="-127"/>
+                <a:cs typeface="+mn-cs"/>
+              </a:defRPr>
+            </a:lvl1pPr>
+            <a:lvl2pPr marL="742950" indent="-285750" algn="l" rtl="0" eaLnBrk="0" fontAlgn="base" latinLnBrk="1" hangingPunct="0">
+              <a:spcBef>
+                <a:spcPct val="20000"/>
+              </a:spcBef>
+              <a:spcAft>
+                <a:spcPct val="0"/>
+              </a:spcAft>
+              <a:buFont typeface="Arial" pitchFamily="34" charset="0"/>
+              <a:buChar char="–"/>
+              <a:defRPr sz="2400" b="1" kern="1200">
+                <a:solidFill>
+                  <a:schemeClr val="tx1"/>
+                </a:solidFill>
+                <a:latin typeface="HY그래픽M" pitchFamily="18" charset="-127"/>
+                <a:ea typeface="HY그래픽M" pitchFamily="18" charset="-127"/>
+                <a:cs typeface="+mn-cs"/>
+              </a:defRPr>
+            </a:lvl2pPr>
+            <a:lvl3pPr marL="1143000" indent="-228600" algn="l" rtl="0" eaLnBrk="0" fontAlgn="base" latinLnBrk="1" hangingPunct="0">
+              <a:spcBef>
+                <a:spcPct val="20000"/>
+              </a:spcBef>
+              <a:spcAft>
+                <a:spcPct val="0"/>
+              </a:spcAft>
+              <a:buFont typeface="Arial" pitchFamily="34" charset="0"/>
+              <a:buChar char="•"/>
+              <a:defRPr sz="2000" b="1" kern="1200">
+                <a:solidFill>
+                  <a:schemeClr val="tx1"/>
+                </a:solidFill>
+                <a:latin typeface="HY그래픽M" pitchFamily="18" charset="-127"/>
+                <a:ea typeface="HY그래픽M" pitchFamily="18" charset="-127"/>
+                <a:cs typeface="+mn-cs"/>
+              </a:defRPr>
+            </a:lvl3pPr>
+            <a:lvl4pPr marL="1600200" indent="-228600" algn="l" rtl="0" eaLnBrk="0" fontAlgn="base" latinLnBrk="1" hangingPunct="0">
+              <a:spcBef>
+                <a:spcPct val="20000"/>
+              </a:spcBef>
+              <a:spcAft>
+                <a:spcPct val="0"/>
+              </a:spcAft>
+              <a:buFont typeface="Arial" pitchFamily="34" charset="0"/>
+              <a:buChar char="–"/>
+              <a:defRPr sz="1800" b="1" kern="1200">
+                <a:solidFill>
+                  <a:schemeClr val="tx1"/>
+                </a:solidFill>
+                <a:latin typeface="HY그래픽M" pitchFamily="18" charset="-127"/>
+                <a:ea typeface="HY그래픽M" pitchFamily="18" charset="-127"/>
+                <a:cs typeface="+mn-cs"/>
+              </a:defRPr>
+            </a:lvl4pPr>
+            <a:lvl5pPr marL="2057400" indent="-228600" algn="l" rtl="0" eaLnBrk="0" fontAlgn="base" latinLnBrk="1" hangingPunct="0">
+              <a:spcBef>
+                <a:spcPct val="20000"/>
+              </a:spcBef>
+              <a:spcAft>
+                <a:spcPct val="0"/>
+              </a:spcAft>
+              <a:buFont typeface="Arial" pitchFamily="34" charset="0"/>
+              <a:buChar char="»"/>
+              <a:defRPr sz="1800" b="1" kern="1200">
+                <a:solidFill>
+                  <a:schemeClr val="tx1"/>
+                </a:solidFill>
+                <a:latin typeface="HY그래픽M" pitchFamily="18" charset="-127"/>
+                <a:ea typeface="HY그래픽M" pitchFamily="18" charset="-127"/>
+                <a:cs typeface="+mn-cs"/>
+              </a:defRPr>
+            </a:lvl5pPr>
+            <a:lvl6pPr marL="2514600" indent="-228600" algn="l" defTabSz="914400" rtl="0" eaLnBrk="1" latinLnBrk="1" hangingPunct="1">
+              <a:spcBef>
+                <a:spcPct val="20000"/>
+              </a:spcBef>
+              <a:buFont typeface="Arial" pitchFamily="34" charset="0"/>
+              <a:buChar char="•"/>
+              <a:defRPr sz="2000" kern="1200">
+                <a:solidFill>
+                  <a:schemeClr val="tx1"/>
+                </a:solidFill>
+                <a:latin typeface="+mn-lt"/>
+                <a:ea typeface="+mn-ea"/>
+                <a:cs typeface="+mn-cs"/>
+              </a:defRPr>
+            </a:lvl6pPr>
+            <a:lvl7pPr marL="2971800" indent="-228600" algn="l" defTabSz="914400" rtl="0" eaLnBrk="1" latinLnBrk="1" hangingPunct="1">
+              <a:spcBef>
+                <a:spcPct val="20000"/>
+              </a:spcBef>
+              <a:buFont typeface="Arial" pitchFamily="34" charset="0"/>
+              <a:buChar char="•"/>
+              <a:defRPr sz="2000" kern="1200">
+                <a:solidFill>
+                  <a:schemeClr val="tx1"/>
+                </a:solidFill>
+                <a:latin typeface="+mn-lt"/>
+                <a:ea typeface="+mn-ea"/>
+                <a:cs typeface="+mn-cs"/>
+              </a:defRPr>
+            </a:lvl7pPr>
+            <a:lvl8pPr marL="3429000" indent="-228600" algn="l" defTabSz="914400" rtl="0" eaLnBrk="1" latinLnBrk="1" hangingPunct="1">
+              <a:spcBef>
+                <a:spcPct val="20000"/>
+              </a:spcBef>
+              <a:buFont typeface="Arial" pitchFamily="34" charset="0"/>
+              <a:buChar char="•"/>
+              <a:defRPr sz="2000" kern="1200">
+                <a:solidFill>
+                  <a:schemeClr val="tx1"/>
+                </a:solidFill>
+                <a:latin typeface="+mn-lt"/>
+                <a:ea typeface="+mn-ea"/>
+                <a:cs typeface="+mn-cs"/>
+              </a:defRPr>
+            </a:lvl8pPr>
+            <a:lvl9pPr marL="3886200" indent="-228600" algn="l" defTabSz="914400" rtl="0" eaLnBrk="1" latinLnBrk="1" hangingPunct="1">
+              <a:spcBef>
+                <a:spcPct val="20000"/>
+              </a:spcBef>
+              <a:buFont typeface="Arial" pitchFamily="34" charset="0"/>
+              <a:buChar char="•"/>
+              <a:defRPr sz="2000" kern="1200">
+                <a:solidFill>
+                  <a:schemeClr val="tx1"/>
+                </a:solidFill>
+                <a:latin typeface="+mn-lt"/>
+                <a:ea typeface="+mn-ea"/>
+                <a:cs typeface="+mn-cs"/>
+              </a:defRPr>
+            </a:lvl9pPr>
+          </a:lstStyle>
+          <a:p>
+            <a:pPr marL="0" indent="0">
+              <a:buNone/>
+            </a:pPr>
+            <a:r>
+              <a:rPr lang="en-US" altLang="ko-KR" sz="1600" dirty="0" smtClean="0"/>
+              <a:t>1.</a:t>
+            </a:r>
+            <a:r>
+              <a:rPr lang="ko-KR" altLang="en-US" sz="1600" dirty="0" smtClean="0"/>
+              <a:t>수량입력</a:t>
             </a:r>
             <a:endParaRPr lang="ko-KR" altLang="en-US" sz="1600" dirty="0"/>
           </a:p>
@@ -7577,14 +8733,14 @@
       </p:sp>
       <p:sp>
         <p:nvSpPr>
-          <p:cNvPr id="15" name="아래쪽 화살표 14"/>
+          <p:cNvPr id="18" name="아래쪽 화살표 17"/>
           <p:cNvSpPr/>
           <p:nvPr/>
         </p:nvSpPr>
         <p:spPr>
-          <a:xfrm rot="10800000">
-            <a:off x="8061470" y="3212976"/>
-            <a:ext cx="491136" cy="1000529"/>
+          <a:xfrm rot="5400000">
+            <a:off x="3130987" y="3498417"/>
+            <a:ext cx="491136" cy="444974"/>
           </a:xfrm>
           <a:prstGeom prst="downArrow">
             <a:avLst/>
@@ -7632,7 +8788,7 @@
       </p:sp>
       <p:sp>
         <p:nvSpPr>
-          <p:cNvPr id="16" name="내용 개체 틀 2"/>
+          <p:cNvPr id="19" name="내용 개체 틀 2"/>
           <p:cNvSpPr txBox="1">
             <a:spLocks/>
           </p:cNvSpPr>
@@ -7640,7 +8796,7 @@
         </p:nvSpPr>
         <p:spPr bwMode="auto">
           <a:xfrm>
-            <a:off x="8152404" y="3639804"/>
+            <a:off x="3296022" y="3547344"/>
             <a:ext cx="506118" cy="380826"/>
           </a:xfrm>
           <a:prstGeom prst="rect">
@@ -7850,6 +9006,13 @@
   <p:clrMapOvr>
     <a:masterClrMapping/>
   </p:clrMapOvr>
+  <p:timing>
+    <p:tnLst>
+      <p:par>
+        <p:cTn id="1" dur="indefinite" restart="never" nodeType="tmRoot"/>
+      </p:par>
+    </p:tnLst>
+  </p:timing>
 </p:sld>
 </file>
 
@@ -7935,9 +9098,60 @@
           <a:chExt cx="0" cy="0"/>
         </a:xfrm>
       </p:grpSpPr>
+      <p:sp>
+        <p:nvSpPr>
+          <p:cNvPr id="2" name="제목 1"/>
+          <p:cNvSpPr>
+            <a:spLocks noGrp="1"/>
+          </p:cNvSpPr>
+          <p:nvPr>
+            <p:ph type="title"/>
+          </p:nvPr>
+        </p:nvSpPr>
+        <p:spPr/>
+        <p:txBody>
+          <a:bodyPr/>
+          <a:lstStyle/>
+          <a:p>
+            <a:r>
+              <a:rPr lang="ko-KR" altLang="en-US" dirty="0" smtClean="0"/>
+              <a:t>로그인 첫 화면</a:t>
+            </a:r>
+            <a:endParaRPr lang="ko-KR" altLang="en-US" dirty="0"/>
+          </a:p>
+        </p:txBody>
+      </p:sp>
+      <p:sp>
+        <p:nvSpPr>
+          <p:cNvPr id="3" name="내용 개체 틀 2"/>
+          <p:cNvSpPr>
+            <a:spLocks noGrp="1"/>
+          </p:cNvSpPr>
+          <p:nvPr>
+            <p:ph idx="1"/>
+          </p:nvPr>
+        </p:nvSpPr>
+        <p:spPr>
+          <a:xfrm>
+            <a:off x="527219" y="5013176"/>
+            <a:ext cx="8913972" cy="1512168"/>
+          </a:xfrm>
+        </p:spPr>
+        <p:txBody>
+          <a:bodyPr/>
+          <a:lstStyle/>
+          <a:p>
+            <a:r>
+              <a:rPr lang="ko-KR" altLang="en-US" dirty="0" smtClean="0"/>
+              <a:t>로그인 하면 출고요청 들어온 내역 리스트가 표시됨</a:t>
+            </a:r>
+            <a:endParaRPr lang="ko-KR" altLang="en-US" dirty="0"/>
+          </a:p>
+        </p:txBody>
+      </p:sp>
       <p:pic>
         <p:nvPicPr>
-          <p:cNvPr id="6146" name="Picture 2"/>
+          <p:cNvPr id="10244" name="Picture 4"/>
           <p:cNvPicPr>
             <a:picLocks noChangeAspect="1" noChangeArrowheads="1"/>
           </p:cNvPicPr>
@@ -7958,8 +9172,8 @@
         </p:blipFill>
         <p:spPr bwMode="auto">
           <a:xfrm>
-            <a:off x="0" y="1543563"/>
-            <a:ext cx="9904413" cy="2461501"/>
+            <a:off x="20032" y="1340768"/>
+            <a:ext cx="9776742" cy="2954003"/>
           </a:xfrm>
           <a:prstGeom prst="rect">
             <a:avLst/>
@@ -7999,57 +9213,6 @@
           </a:extLst>
         </p:spPr>
       </p:pic>
-      <p:sp>
-        <p:nvSpPr>
-          <p:cNvPr id="2" name="제목 1"/>
-          <p:cNvSpPr>
-            <a:spLocks noGrp="1"/>
-          </p:cNvSpPr>
-          <p:nvPr>
-            <p:ph type="title"/>
-          </p:nvPr>
-        </p:nvSpPr>
-        <p:spPr/>
-        <p:txBody>
-          <a:bodyPr/>
-          <a:lstStyle/>
-          <a:p>
-            <a:r>
-              <a:rPr lang="ko-KR" altLang="en-US" dirty="0" smtClean="0"/>
-              <a:t>로그인 첫 화면</a:t>
-            </a:r>
-            <a:endParaRPr lang="ko-KR" altLang="en-US" dirty="0"/>
-          </a:p>
-        </p:txBody>
-      </p:sp>
-      <p:sp>
-        <p:nvSpPr>
-          <p:cNvPr id="3" name="내용 개체 틀 2"/>
-          <p:cNvSpPr>
-            <a:spLocks noGrp="1"/>
-          </p:cNvSpPr>
-          <p:nvPr>
-            <p:ph idx="1"/>
-          </p:nvPr>
-        </p:nvSpPr>
-        <p:spPr>
-          <a:xfrm>
-            <a:off x="527219" y="4154787"/>
-            <a:ext cx="8913972" cy="1512168"/>
-          </a:xfrm>
-        </p:spPr>
-        <p:txBody>
-          <a:bodyPr/>
-          <a:lstStyle/>
-          <a:p>
-            <a:r>
-              <a:rPr lang="ko-KR" altLang="en-US" dirty="0" smtClean="0"/>
-              <a:t>로그인 하면 출고요청 들어온 내역 리스트가 표시됨</a:t>
-            </a:r>
-            <a:endParaRPr lang="ko-KR" altLang="en-US" dirty="0"/>
-          </a:p>
-        </p:txBody>
-      </p:sp>
     </p:spTree>
     <p:extLst>
       <p:ext uri="{BB962C8B-B14F-4D97-AF65-F5344CB8AC3E}">
@@ -8145,27 +9308,20 @@
             </a:pPr>
             <a:r>
               <a:rPr lang="en-US" altLang="ko-KR" sz="2400" dirty="0"/>
-              <a:t> </a:t>
-            </a:r>
-            <a:r>
-              <a:rPr lang="en-US" altLang="ko-KR" sz="2400" dirty="0" smtClean="0"/>
-              <a:t> </a:t>
+              <a:t>  </a:t>
+            </a:r>
+            <a:r>
+              <a:rPr lang="en-US" altLang="ko-KR" sz="2400" dirty="0">
+                <a:hlinkClick r:id="rId2"/>
+              </a:rPr>
+              <a:t>http://innoparts.co.kr</a:t>
             </a:r>
             <a:r>
               <a:rPr lang="en-US" altLang="ko-KR" sz="2400" dirty="0" smtClean="0">
                 <a:hlinkClick r:id="rId2"/>
               </a:rPr>
-              <a:t>http://innoparts.cafe24.com</a:t>
-            </a:r>
-            <a:r>
-              <a:rPr lang="en-US" altLang="ko-KR" sz="2400" dirty="0" smtClean="0"/>
-              <a:t> </a:t>
-            </a:r>
-          </a:p>
-          <a:p>
-            <a:pPr marL="0" indent="0">
-              <a:buNone/>
-            </a:pPr>
+              <a:t>/</a:t>
+            </a:r>
             <a:endParaRPr lang="en-US" altLang="ko-KR" sz="2400" dirty="0" smtClean="0"/>
           </a:p>
           <a:p>
@@ -8173,6 +9329,12 @@
               <a:buNone/>
             </a:pPr>
             <a:endParaRPr lang="en-US" altLang="ko-KR" sz="2400" dirty="0"/>
+          </a:p>
+          <a:p>
+            <a:pPr marL="0" indent="0">
+              <a:buNone/>
+            </a:pPr>
+            <a:endParaRPr lang="en-US" altLang="ko-KR" sz="2400" dirty="0" smtClean="0"/>
           </a:p>
           <a:p>
             <a:pPr marL="0" indent="0">
@@ -8788,74 +9950,13 @@
               </a:ext>
             </a:extLst>
           </a:blip>
-          <a:srcRect l="72141"/>
+          <a:srcRect l="86070"/>
           <a:stretch/>
         </p:blipFill>
         <p:spPr bwMode="auto">
           <a:xfrm>
-            <a:off x="0" y="1759867"/>
-            <a:ext cx="2759275" cy="2461501"/>
-          </a:xfrm>
-          <a:prstGeom prst="rect">
-            <a:avLst/>
-          </a:prstGeom>
-          <a:noFill/>
-          <a:ln w="9525">
-            <a:solidFill>
-              <a:schemeClr val="bg1">
-                <a:lumMod val="75000"/>
-              </a:schemeClr>
-            </a:solidFill>
-            <a:miter lim="800000"/>
-            <a:headEnd/>
-            <a:tailEnd/>
-          </a:ln>
-          <a:effectLst/>
-          <a:extLst>
-            <a:ext uri="{909E8E84-426E-40DD-AFC4-6F175D3DCCD1}">
-              <a14:hiddenFill xmlns:a14="http://schemas.microsoft.com/office/drawing/2010/main">
-                <a:solidFill>
-                  <a:schemeClr val="accent1"/>
-                </a:solidFill>
-              </a14:hiddenFill>
-            </a:ext>
-            <a:ext uri="{AF507438-7753-43E0-B8FC-AC1667EBCBE1}">
-              <a14:hiddenEffects xmlns:a14="http://schemas.microsoft.com/office/drawing/2010/main">
-                <a:effectLst>
-                  <a:outerShdw dist="35921" dir="2700000" algn="ctr" rotWithShape="0">
-                    <a:schemeClr val="bg2"/>
-                  </a:outerShdw>
-                </a:effectLst>
-              </a14:hiddenEffects>
-            </a:ext>
-          </a:extLst>
-        </p:spPr>
-      </p:pic>
-      <p:pic>
-        <p:nvPicPr>
-          <p:cNvPr id="7170" name="Picture 2"/>
-          <p:cNvPicPr>
-            <a:picLocks noChangeAspect="1" noChangeArrowheads="1"/>
-          </p:cNvPicPr>
-          <p:nvPr/>
-        </p:nvPicPr>
-        <p:blipFill>
-          <a:blip r:embed="rId3">
-            <a:extLst>
-              <a:ext uri="{28A0092B-C50C-407E-A947-70E740481C1C}">
-                <a14:useLocalDpi xmlns:a14="http://schemas.microsoft.com/office/drawing/2010/main" val="0"/>
-              </a:ext>
-            </a:extLst>
-          </a:blip>
-          <a:srcRect/>
-          <a:stretch>
-            <a:fillRect/>
-          </a:stretch>
-        </p:blipFill>
-        <p:spPr bwMode="auto">
-          <a:xfrm>
-            <a:off x="2988217" y="1711686"/>
-            <a:ext cx="6840763" cy="4482949"/>
+            <a:off x="199678" y="1831595"/>
+            <a:ext cx="1379638" cy="2461501"/>
           </a:xfrm>
           <a:prstGeom prst="rect">
             <a:avLst/>
@@ -8950,7 +10051,7 @@
         </p:nvSpPr>
         <p:spPr>
           <a:xfrm rot="5400000">
-            <a:off x="1893577" y="3131825"/>
+            <a:off x="780424" y="2599194"/>
             <a:ext cx="428620" cy="1800200"/>
           </a:xfrm>
           <a:prstGeom prst="upArrowCallout">
@@ -8993,6 +10094,70 @@
           </a:p>
         </p:txBody>
       </p:sp>
+      <p:pic>
+        <p:nvPicPr>
+          <p:cNvPr id="11269" name="Picture 5"/>
+          <p:cNvPicPr>
+            <a:picLocks noChangeAspect="1" noChangeArrowheads="1"/>
+          </p:cNvPicPr>
+          <p:nvPr/>
+        </p:nvPicPr>
+        <p:blipFill>
+          <a:blip r:embed="rId3">
+            <a:extLst>
+              <a:ext uri="{28A0092B-C50C-407E-A947-70E740481C1C}">
+                <a14:useLocalDpi xmlns:a14="http://schemas.microsoft.com/office/drawing/2010/main" val="0"/>
+              </a:ext>
+            </a:extLst>
+          </a:blip>
+          <a:srcRect/>
+          <a:stretch>
+            <a:fillRect/>
+          </a:stretch>
+        </p:blipFill>
+        <p:spPr bwMode="auto">
+          <a:xfrm>
+            <a:off x="1894834" y="1711309"/>
+            <a:ext cx="6945804" cy="5174075"/>
+          </a:xfrm>
+          <a:prstGeom prst="rect">
+            <a:avLst/>
+          </a:prstGeom>
+          <a:noFill/>
+          <a:ln>
+            <a:noFill/>
+          </a:ln>
+          <a:effectLst/>
+          <a:extLst>
+            <a:ext uri="{909E8E84-426E-40DD-AFC4-6F175D3DCCD1}">
+              <a14:hiddenFill xmlns:a14="http://schemas.microsoft.com/office/drawing/2010/main">
+                <a:solidFill>
+                  <a:schemeClr val="accent1"/>
+                </a:solidFill>
+              </a14:hiddenFill>
+            </a:ext>
+            <a:ext uri="{91240B29-F687-4F45-9708-019B960494DF}">
+              <a14:hiddenLine xmlns:a14="http://schemas.microsoft.com/office/drawing/2010/main" w="9525">
+                <a:solidFill>
+                  <a:schemeClr val="tx1"/>
+                </a:solidFill>
+                <a:miter lim="800000"/>
+                <a:headEnd/>
+                <a:tailEnd/>
+              </a14:hiddenLine>
+            </a:ext>
+            <a:ext uri="{AF507438-7753-43E0-B8FC-AC1667EBCBE1}">
+              <a14:hiddenEffects xmlns:a14="http://schemas.microsoft.com/office/drawing/2010/main">
+                <a:effectLst>
+                  <a:outerShdw dist="35921" dir="2700000" algn="ctr" rotWithShape="0">
+                    <a:schemeClr val="bg2"/>
+                  </a:outerShdw>
+                </a:effectLst>
+              </a14:hiddenEffects>
+            </a:ext>
+          </a:extLst>
+        </p:spPr>
+      </p:pic>
     </p:spTree>
     <p:extLst>
       <p:ext uri="{BB962C8B-B14F-4D97-AF65-F5344CB8AC3E}">
@@ -9032,13 +10197,13 @@
       </p:grpSpPr>
       <p:pic>
         <p:nvPicPr>
-          <p:cNvPr id="8195" name="Picture 3"/>
+          <p:cNvPr id="12291" name="Picture 3"/>
           <p:cNvPicPr>
             <a:picLocks noChangeAspect="1" noChangeArrowheads="1"/>
           </p:cNvPicPr>
           <p:nvPr/>
         </p:nvPicPr>
-        <p:blipFill>
+        <p:blipFill rotWithShape="1">
           <a:blip r:embed="rId2">
             <a:extLst>
               <a:ext uri="{28A0092B-C50C-407E-A947-70E740481C1C}">
@@ -9046,27 +10211,20 @@
               </a:ext>
             </a:extLst>
           </a:blip>
-          <a:srcRect/>
-          <a:stretch>
-            <a:fillRect/>
-          </a:stretch>
+          <a:srcRect t="37888" b="10100"/>
+          <a:stretch/>
         </p:blipFill>
         <p:spPr bwMode="auto">
           <a:xfrm>
-            <a:off x="3152006" y="1244548"/>
-            <a:ext cx="6480720" cy="3984652"/>
+            <a:off x="234110" y="6087419"/>
+            <a:ext cx="9144000" cy="653949"/>
           </a:xfrm>
           <a:prstGeom prst="rect">
             <a:avLst/>
           </a:prstGeom>
           <a:noFill/>
-          <a:ln w="9525">
-            <a:solidFill>
-              <a:schemeClr val="tx1"/>
-            </a:solidFill>
-            <a:miter lim="800000"/>
-            <a:headEnd/>
-            <a:tailEnd/>
+          <a:ln>
+            <a:noFill/>
           </a:ln>
           <a:effectLst/>
           <a:extLst>
@@ -9076,6 +10234,16 @@
                   <a:schemeClr val="accent1"/>
                 </a:solidFill>
               </a14:hiddenFill>
+            </a:ext>
+            <a:ext uri="{91240B29-F687-4F45-9708-019B960494DF}">
+              <a14:hiddenLine xmlns:a14="http://schemas.microsoft.com/office/drawing/2010/main" w="9525">
+                <a:solidFill>
+                  <a:schemeClr val="tx1"/>
+                </a:solidFill>
+                <a:miter lim="800000"/>
+                <a:headEnd/>
+                <a:tailEnd/>
+              </a14:hiddenLine>
             </a:ext>
             <a:ext uri="{AF507438-7753-43E0-B8FC-AC1667EBCBE1}">
               <a14:hiddenEffects xmlns:a14="http://schemas.microsoft.com/office/drawing/2010/main">
@@ -9089,56 +10257,6 @@
           </a:extLst>
         </p:spPr>
       </p:pic>
-      <p:sp>
-        <p:nvSpPr>
-          <p:cNvPr id="4" name="직사각형 3"/>
-          <p:cNvSpPr/>
-          <p:nvPr/>
-        </p:nvSpPr>
-        <p:spPr>
-          <a:xfrm>
-            <a:off x="0" y="5301208"/>
-            <a:ext cx="9904413" cy="1556792"/>
-          </a:xfrm>
-          <a:prstGeom prst="rect">
-            <a:avLst/>
-          </a:prstGeom>
-          <a:solidFill>
-            <a:schemeClr val="bg1"/>
-          </a:solidFill>
-          <a:ln>
-            <a:solidFill>
-              <a:schemeClr val="bg1">
-                <a:alpha val="90000"/>
-              </a:schemeClr>
-            </a:solidFill>
-          </a:ln>
-        </p:spPr>
-        <p:style>
-          <a:lnRef idx="2">
-            <a:schemeClr val="accent1">
-              <a:shade val="50000"/>
-            </a:schemeClr>
-          </a:lnRef>
-          <a:fillRef idx="1">
-            <a:schemeClr val="accent1"/>
-          </a:fillRef>
-          <a:effectRef idx="0">
-            <a:schemeClr val="accent1"/>
-          </a:effectRef>
-          <a:fontRef idx="minor">
-            <a:schemeClr val="lt1"/>
-          </a:fontRef>
-        </p:style>
-        <p:txBody>
-          <a:bodyPr rtlCol="0" anchor="ctr"/>
-          <a:lstStyle/>
-          <a:p>
-            <a:pPr algn="ctr"/>
-            <a:endParaRPr lang="ko-KR" altLang="en-US"/>
-          </a:p>
-        </p:txBody>
-      </p:sp>
       <p:sp>
         <p:nvSpPr>
           <p:cNvPr id="2" name="제목 1"/>
@@ -9226,7 +10344,7 @@
         </p:nvSpPr>
         <p:spPr bwMode="auto">
           <a:xfrm>
-            <a:off x="349124" y="5373216"/>
+            <a:off x="349124" y="5445224"/>
             <a:ext cx="8913972" cy="642195"/>
           </a:xfrm>
           <a:prstGeom prst="rect">
@@ -9441,7 +10559,7 @@
       </p:sp>
       <p:pic>
         <p:nvPicPr>
-          <p:cNvPr id="8196" name="Picture 4"/>
+          <p:cNvPr id="12290" name="Picture 2"/>
           <p:cNvPicPr>
             <a:picLocks noChangeAspect="1" noChangeArrowheads="1"/>
           </p:cNvPicPr>
@@ -9455,13 +10573,13 @@
               </a:ext>
             </a:extLst>
           </a:blip>
-          <a:srcRect l="7608" t="64749"/>
+          <a:srcRect t="9921" b="10715"/>
           <a:stretch/>
         </p:blipFill>
         <p:spPr bwMode="auto">
           <a:xfrm>
-            <a:off x="111206" y="5877272"/>
-            <a:ext cx="9715579" cy="758825"/>
+            <a:off x="2719959" y="1628801"/>
+            <a:ext cx="5832648" cy="3714878"/>
           </a:xfrm>
           <a:prstGeom prst="rect">
             <a:avLst/>
@@ -9540,7 +10658,7 @@
       </p:grpSpPr>
       <p:pic>
         <p:nvPicPr>
-          <p:cNvPr id="9218" name="Picture 2"/>
+          <p:cNvPr id="13315" name="Picture 3"/>
           <p:cNvPicPr>
             <a:picLocks noChangeAspect="1" noChangeArrowheads="1"/>
           </p:cNvPicPr>
@@ -9561,8 +10679,8 @@
         </p:blipFill>
         <p:spPr bwMode="auto">
           <a:xfrm>
-            <a:off x="847750" y="933461"/>
-            <a:ext cx="7998692" cy="5229213"/>
+            <a:off x="647949" y="963156"/>
+            <a:ext cx="6464497" cy="5101131"/>
           </a:xfrm>
           <a:prstGeom prst="rect">
             <a:avLst/>
@@ -9645,7 +10763,7 @@
         </p:nvSpPr>
         <p:spPr>
           <a:xfrm>
-            <a:off x="862770" y="5949280"/>
+            <a:off x="487710" y="5949280"/>
             <a:ext cx="8913972" cy="1112991"/>
           </a:xfrm>
         </p:spPr>
@@ -9654,8 +10772,20 @@
           <a:lstStyle/>
           <a:p>
             <a:r>
+              <a:rPr lang="ko-KR" altLang="en-US" sz="2400" dirty="0" err="1" smtClean="0"/>
+              <a:t>출고처리후</a:t>
+            </a:r>
+            <a:r>
               <a:rPr lang="ko-KR" altLang="en-US" sz="2400" dirty="0" smtClean="0"/>
-              <a:t>출고를 마치고 </a:t>
+              <a:t> 요청</a:t>
+            </a:r>
+            <a:r>
+              <a:rPr lang="ko-KR" altLang="en-US" sz="2400" dirty="0" smtClean="0"/>
+              <a:t>결과 </a:t>
+            </a:r>
+            <a:r>
+              <a:rPr lang="ko-KR" altLang="en-US" sz="2400" dirty="0" err="1" smtClean="0"/>
+              <a:t>입력후</a:t>
             </a:r>
             <a:r>
               <a:rPr lang="en-US" altLang="ko-KR" sz="2400" dirty="0" smtClean="0"/>
@@ -9684,6 +10814,14 @@
               <a:t>정상적으로 하지 못했으면 </a:t>
             </a:r>
             <a:r>
+              <a:rPr lang="ko-KR" altLang="en-US" sz="2400" dirty="0" smtClean="0"/>
+              <a:t>반려사유 </a:t>
+            </a:r>
+            <a:r>
+              <a:rPr lang="ko-KR" altLang="en-US" sz="2400" dirty="0" err="1" smtClean="0"/>
+              <a:t>입력후</a:t>
+            </a:r>
+            <a:r>
               <a:rPr lang="en-US" altLang="ko-KR" sz="2400" dirty="0" smtClean="0"/>
               <a:t>“</a:t>
             </a:r>
@@ -9701,8 +10839,9 @@
             </a:r>
             <a:r>
               <a:rPr lang="en-US" altLang="ko-KR" sz="2400" dirty="0" smtClean="0"/>
-              <a:t>.</a:t>
-            </a:r>
+              <a:t>. </a:t>
+            </a:r>
+            <a:endParaRPr lang="en-US" altLang="ko-KR" sz="2400" dirty="0" smtClean="0"/>
           </a:p>
         </p:txBody>
       </p:sp>
@@ -9743,6 +10882,70 @@
           <a:chExt cx="0" cy="0"/>
         </a:xfrm>
       </p:grpSpPr>
+      <p:pic>
+        <p:nvPicPr>
+          <p:cNvPr id="14339" name="Picture 3"/>
+          <p:cNvPicPr>
+            <a:picLocks noChangeAspect="1" noChangeArrowheads="1"/>
+          </p:cNvPicPr>
+          <p:nvPr/>
+        </p:nvPicPr>
+        <p:blipFill>
+          <a:blip r:embed="rId2">
+            <a:extLst>
+              <a:ext uri="{28A0092B-C50C-407E-A947-70E740481C1C}">
+                <a14:useLocalDpi xmlns:a14="http://schemas.microsoft.com/office/drawing/2010/main" val="0"/>
+              </a:ext>
+            </a:extLst>
+          </a:blip>
+          <a:srcRect/>
+          <a:stretch>
+            <a:fillRect/>
+          </a:stretch>
+        </p:blipFill>
+        <p:spPr bwMode="auto">
+          <a:xfrm>
+            <a:off x="119348" y="2379216"/>
+            <a:ext cx="9782694" cy="1877848"/>
+          </a:xfrm>
+          <a:prstGeom prst="rect">
+            <a:avLst/>
+          </a:prstGeom>
+          <a:noFill/>
+          <a:ln>
+            <a:noFill/>
+          </a:ln>
+          <a:effectLst/>
+          <a:extLst>
+            <a:ext uri="{909E8E84-426E-40DD-AFC4-6F175D3DCCD1}">
+              <a14:hiddenFill xmlns:a14="http://schemas.microsoft.com/office/drawing/2010/main">
+                <a:solidFill>
+                  <a:schemeClr val="accent1"/>
+                </a:solidFill>
+              </a14:hiddenFill>
+            </a:ext>
+            <a:ext uri="{91240B29-F687-4F45-9708-019B960494DF}">
+              <a14:hiddenLine xmlns:a14="http://schemas.microsoft.com/office/drawing/2010/main" w="9525">
+                <a:solidFill>
+                  <a:schemeClr val="tx1"/>
+                </a:solidFill>
+                <a:miter lim="800000"/>
+                <a:headEnd/>
+                <a:tailEnd/>
+              </a14:hiddenLine>
+            </a:ext>
+            <a:ext uri="{AF507438-7753-43E0-B8FC-AC1667EBCBE1}">
+              <a14:hiddenEffects xmlns:a14="http://schemas.microsoft.com/office/drawing/2010/main">
+                <a:effectLst>
+                  <a:outerShdw dist="35921" dir="2700000" algn="ctr" rotWithShape="0">
+                    <a:schemeClr val="bg2"/>
+                  </a:outerShdw>
+                </a:effectLst>
+              </a14:hiddenEffects>
+            </a:ext>
+          </a:extLst>
+        </p:spPr>
+      </p:pic>
       <p:sp>
         <p:nvSpPr>
           <p:cNvPr id="2" name="제목 1"/>
@@ -9788,11 +10991,7 @@
           <a:p>
             <a:r>
               <a:rPr lang="ko-KR" altLang="en-US" dirty="0" smtClean="0"/>
-              <a:t>출고진행 상황을 개발자도 </a:t>
-            </a:r>
-            <a:r>
-              <a:rPr lang="ko-KR" altLang="en-US" dirty="0" smtClean="0"/>
-              <a:t>동시에 확인가능</a:t>
+              <a:t>출고진행 상황을 개발자도 동시에 확인가능</a:t>
             </a:r>
             <a:endParaRPr lang="ko-KR" altLang="en-US" dirty="0"/>
           </a:p>
@@ -10040,7 +11239,7 @@
         </p:nvSpPr>
         <p:spPr>
           <a:xfrm>
-            <a:off x="3760984" y="1901585"/>
+            <a:off x="3559568" y="1901585"/>
             <a:ext cx="491136" cy="444974"/>
           </a:xfrm>
           <a:prstGeom prst="downArrow">
@@ -10087,70 +11286,6 @@
           </a:p>
         </p:txBody>
       </p:sp>
-      <p:pic>
-        <p:nvPicPr>
-          <p:cNvPr id="10242" name="Picture 2"/>
-          <p:cNvPicPr>
-            <a:picLocks noChangeAspect="1" noChangeArrowheads="1"/>
-          </p:cNvPicPr>
-          <p:nvPr/>
-        </p:nvPicPr>
-        <p:blipFill>
-          <a:blip r:embed="rId2">
-            <a:extLst>
-              <a:ext uri="{28A0092B-C50C-407E-A947-70E740481C1C}">
-                <a14:useLocalDpi xmlns:a14="http://schemas.microsoft.com/office/drawing/2010/main" val="0"/>
-              </a:ext>
-            </a:extLst>
-          </a:blip>
-          <a:srcRect/>
-          <a:stretch>
-            <a:fillRect/>
-          </a:stretch>
-        </p:blipFill>
-        <p:spPr bwMode="auto">
-          <a:xfrm>
-            <a:off x="0" y="2357884"/>
-            <a:ext cx="9776742" cy="2667187"/>
-          </a:xfrm>
-          <a:prstGeom prst="rect">
-            <a:avLst/>
-          </a:prstGeom>
-          <a:noFill/>
-          <a:ln>
-            <a:noFill/>
-          </a:ln>
-          <a:effectLst/>
-          <a:extLst>
-            <a:ext uri="{909E8E84-426E-40DD-AFC4-6F175D3DCCD1}">
-              <a14:hiddenFill xmlns:a14="http://schemas.microsoft.com/office/drawing/2010/main">
-                <a:solidFill>
-                  <a:schemeClr val="accent1"/>
-                </a:solidFill>
-              </a14:hiddenFill>
-            </a:ext>
-            <a:ext uri="{91240B29-F687-4F45-9708-019B960494DF}">
-              <a14:hiddenLine xmlns:a14="http://schemas.microsoft.com/office/drawing/2010/main" w="9525">
-                <a:solidFill>
-                  <a:schemeClr val="tx1"/>
-                </a:solidFill>
-                <a:miter lim="800000"/>
-                <a:headEnd/>
-                <a:tailEnd/>
-              </a14:hiddenLine>
-            </a:ext>
-            <a:ext uri="{AF507438-7753-43E0-B8FC-AC1667EBCBE1}">
-              <a14:hiddenEffects xmlns:a14="http://schemas.microsoft.com/office/drawing/2010/main">
-                <a:effectLst>
-                  <a:outerShdw dist="35921" dir="2700000" algn="ctr" rotWithShape="0">
-                    <a:schemeClr val="bg2"/>
-                  </a:outerShdw>
-                </a:effectLst>
-              </a14:hiddenEffects>
-            </a:ext>
-          </a:extLst>
-        </p:spPr>
-      </p:pic>
       <p:sp>
         <p:nvSpPr>
           <p:cNvPr id="4" name="모서리가 둥근 직사각형 3"/>
@@ -10159,7 +11294,7 @@
         </p:nvSpPr>
         <p:spPr>
           <a:xfrm>
-            <a:off x="7832526" y="4005064"/>
+            <a:off x="8006086" y="3873557"/>
             <a:ext cx="936104" cy="252000"/>
           </a:xfrm>
           <a:prstGeom prst="roundRect">
@@ -10234,68 +11369,6 @@
           <a:chExt cx="0" cy="0"/>
         </a:xfrm>
       </p:grpSpPr>
-      <p:pic>
-        <p:nvPicPr>
-          <p:cNvPr id="2051" name="Picture 3"/>
-          <p:cNvPicPr>
-            <a:picLocks noChangeAspect="1" noChangeArrowheads="1"/>
-          </p:cNvPicPr>
-          <p:nvPr/>
-        </p:nvPicPr>
-        <p:blipFill rotWithShape="1">
-          <a:blip r:embed="rId2">
-            <a:extLst>
-              <a:ext uri="{28A0092B-C50C-407E-A947-70E740481C1C}">
-                <a14:useLocalDpi xmlns:a14="http://schemas.microsoft.com/office/drawing/2010/main" val="0"/>
-              </a:ext>
-            </a:extLst>
-          </a:blip>
-          <a:srcRect b="18061"/>
-          <a:stretch/>
-        </p:blipFill>
-        <p:spPr bwMode="auto">
-          <a:xfrm>
-            <a:off x="185572" y="1168524"/>
-            <a:ext cx="9519162" cy="3327276"/>
-          </a:xfrm>
-          <a:prstGeom prst="rect">
-            <a:avLst/>
-          </a:prstGeom>
-          <a:noFill/>
-          <a:ln>
-            <a:noFill/>
-          </a:ln>
-          <a:effectLst/>
-          <a:extLst>
-            <a:ext uri="{909E8E84-426E-40DD-AFC4-6F175D3DCCD1}">
-              <a14:hiddenFill xmlns:a14="http://schemas.microsoft.com/office/drawing/2010/main">
-                <a:solidFill>
-                  <a:schemeClr val="accent1"/>
-                </a:solidFill>
-              </a14:hiddenFill>
-            </a:ext>
-            <a:ext uri="{91240B29-F687-4F45-9708-019B960494DF}">
-              <a14:hiddenLine xmlns:a14="http://schemas.microsoft.com/office/drawing/2010/main" w="9525">
-                <a:solidFill>
-                  <a:schemeClr val="tx1"/>
-                </a:solidFill>
-                <a:miter lim="800000"/>
-                <a:headEnd/>
-                <a:tailEnd/>
-              </a14:hiddenLine>
-            </a:ext>
-            <a:ext uri="{AF507438-7753-43E0-B8FC-AC1667EBCBE1}">
-              <a14:hiddenEffects xmlns:a14="http://schemas.microsoft.com/office/drawing/2010/main">
-                <a:effectLst>
-                  <a:outerShdw dist="35921" dir="2700000" algn="ctr" rotWithShape="0">
-                    <a:schemeClr val="bg2"/>
-                  </a:outerShdw>
-                </a:effectLst>
-              </a14:hiddenEffects>
-            </a:ext>
-          </a:extLst>
-        </p:spPr>
-      </p:pic>
       <p:sp>
         <p:nvSpPr>
           <p:cNvPr id="2" name="제목 1"/>
@@ -10313,7 +11386,11 @@
           <a:p>
             <a:r>
               <a:rPr lang="ko-KR" altLang="en-US" dirty="0" smtClean="0"/>
-              <a:t>재물조사 현황조회</a:t>
+              <a:t>재물조사 </a:t>
+            </a:r>
+            <a:r>
+              <a:rPr lang="ko-KR" altLang="en-US" dirty="0" smtClean="0"/>
+              <a:t>수행</a:t>
             </a:r>
             <a:endParaRPr lang="ko-KR" altLang="en-US" dirty="0"/>
           </a:p>
@@ -10331,7 +11408,7 @@
         </p:nvSpPr>
         <p:spPr>
           <a:xfrm>
-            <a:off x="495221" y="4797152"/>
+            <a:off x="531223" y="5013176"/>
             <a:ext cx="8913972" cy="1517655"/>
           </a:xfrm>
         </p:spPr>
@@ -10340,30 +11417,30 @@
           <a:lstStyle/>
           <a:p>
             <a:r>
-              <a:rPr lang="ko-KR" altLang="en-US" dirty="0" err="1" smtClean="0"/>
-              <a:t>업무중</a:t>
-            </a:r>
-            <a:r>
               <a:rPr lang="ko-KR" altLang="en-US" dirty="0" smtClean="0"/>
-              <a:t> 발생할 수 있는 재고오차를 반영하여</a:t>
-            </a:r>
-            <a:r>
-              <a:rPr lang="en-US" altLang="ko-KR" dirty="0" smtClean="0"/>
-              <a:t/>
-            </a:r>
-            <a:br>
-              <a:rPr lang="en-US" altLang="ko-KR" dirty="0" smtClean="0"/>
-            </a:br>
+              <a:t>재고오차를 반영하여 전산정보와 </a:t>
+            </a:r>
             <a:r>
               <a:rPr lang="ko-KR" altLang="en-US" dirty="0" smtClean="0"/>
-              <a:t>전산정보와 일치시키는 작업</a:t>
+              <a:t>일치시키는 작업</a:t>
             </a:r>
             <a:endParaRPr lang="en-US" altLang="ko-KR" dirty="0" smtClean="0"/>
           </a:p>
           <a:p>
             <a:r>
               <a:rPr lang="ko-KR" altLang="en-US" dirty="0" smtClean="0"/>
-              <a:t>본인이 출고담당자인 프로젝트의 항목들만 변경가능</a:t>
+              <a:t>본인이 출고담당자인 프로젝트의 </a:t>
+            </a:r>
+            <a:r>
+              <a:rPr lang="ko-KR" altLang="en-US" dirty="0" smtClean="0"/>
+              <a:t>항목들 변경가능</a:t>
+            </a:r>
+            <a:endParaRPr lang="en-US" altLang="ko-KR" dirty="0" smtClean="0"/>
+          </a:p>
+          <a:p>
+            <a:r>
+              <a:rPr lang="ko-KR" altLang="en-US" dirty="0" smtClean="0"/>
+              <a:t>엑셀업로드 일괄수정 방식</a:t>
             </a:r>
             <a:endParaRPr lang="ko-KR" altLang="en-US" dirty="0"/>
           </a:p>
@@ -10377,7 +11454,7 @@
         </p:nvSpPr>
         <p:spPr>
           <a:xfrm>
-            <a:off x="2780379" y="662684"/>
+            <a:off x="2512290" y="662684"/>
             <a:ext cx="491136" cy="444974"/>
           </a:xfrm>
           <a:prstGeom prst="downArrow">
@@ -10434,7 +11511,7 @@
         </p:nvSpPr>
         <p:spPr bwMode="auto">
           <a:xfrm>
-            <a:off x="2861912" y="662684"/>
+            <a:off x="2512290" y="662684"/>
             <a:ext cx="506118" cy="380826"/>
           </a:xfrm>
           <a:prstGeom prst="rect">
@@ -10630,6 +11707,68 @@
           </a:p>
         </p:txBody>
       </p:sp>
+      <p:pic>
+        <p:nvPicPr>
+          <p:cNvPr id="15362" name="Picture 2"/>
+          <p:cNvPicPr>
+            <a:picLocks noChangeAspect="1" noChangeArrowheads="1"/>
+          </p:cNvPicPr>
+          <p:nvPr/>
+        </p:nvPicPr>
+        <p:blipFill rotWithShape="1">
+          <a:blip r:embed="rId2">
+            <a:extLst>
+              <a:ext uri="{28A0092B-C50C-407E-A947-70E740481C1C}">
+                <a14:useLocalDpi xmlns:a14="http://schemas.microsoft.com/office/drawing/2010/main" val="0"/>
+              </a:ext>
+            </a:extLst>
+          </a:blip>
+          <a:srcRect t="6434" b="40488"/>
+          <a:stretch/>
+        </p:blipFill>
+        <p:spPr bwMode="auto">
+          <a:xfrm>
+            <a:off x="199678" y="1107657"/>
+            <a:ext cx="9577063" cy="3689495"/>
+          </a:xfrm>
+          <a:prstGeom prst="rect">
+            <a:avLst/>
+          </a:prstGeom>
+          <a:noFill/>
+          <a:ln>
+            <a:noFill/>
+          </a:ln>
+          <a:effectLst/>
+          <a:extLst>
+            <a:ext uri="{909E8E84-426E-40DD-AFC4-6F175D3DCCD1}">
+              <a14:hiddenFill xmlns:a14="http://schemas.microsoft.com/office/drawing/2010/main">
+                <a:solidFill>
+                  <a:schemeClr val="accent1"/>
+                </a:solidFill>
+              </a14:hiddenFill>
+            </a:ext>
+            <a:ext uri="{91240B29-F687-4F45-9708-019B960494DF}">
+              <a14:hiddenLine xmlns:a14="http://schemas.microsoft.com/office/drawing/2010/main" w="9525">
+                <a:solidFill>
+                  <a:schemeClr val="tx1"/>
+                </a:solidFill>
+                <a:miter lim="800000"/>
+                <a:headEnd/>
+                <a:tailEnd/>
+              </a14:hiddenLine>
+            </a:ext>
+            <a:ext uri="{AF507438-7753-43E0-B8FC-AC1667EBCBE1}">
+              <a14:hiddenEffects xmlns:a14="http://schemas.microsoft.com/office/drawing/2010/main">
+                <a:effectLst>
+                  <a:outerShdw dist="35921" dir="2700000" algn="ctr" rotWithShape="0">
+                    <a:schemeClr val="bg2"/>
+                  </a:outerShdw>
+                </a:effectLst>
+              </a14:hiddenEffects>
+            </a:ext>
+          </a:extLst>
+        </p:spPr>
+      </p:pic>
     </p:spTree>
     <p:extLst>
       <p:ext uri="{BB962C8B-B14F-4D97-AF65-F5344CB8AC3E}">
@@ -10640,6 +11779,13 @@
   <p:clrMapOvr>
     <a:masterClrMapping/>
   </p:clrMapOvr>
+  <p:timing>
+    <p:tnLst>
+      <p:par>
+        <p:cTn id="1" dur="indefinite" restart="never" nodeType="tmRoot"/>
+      </p:par>
+    </p:tnLst>
+  </p:timing>
 </p:sld>
 </file>
 
@@ -11230,15 +12376,19 @@
             </a:r>
             <a:r>
               <a:rPr lang="ko-KR" altLang="en-US" dirty="0" smtClean="0"/>
-              <a:t>추가삭제는 개발담당자</a:t>
+              <a:t>추가삭제는 </a:t>
+            </a:r>
+            <a:r>
+              <a:rPr lang="ko-KR" altLang="en-US" dirty="0" smtClean="0"/>
+              <a:t>별도메뉴로 </a:t>
             </a:r>
             <a:r>
               <a:rPr lang="en-US" altLang="ko-KR" dirty="0" smtClean="0"/>
-              <a:t>Role</a:t>
+              <a:t>DB</a:t>
             </a:r>
             <a:r>
               <a:rPr lang="ko-KR" altLang="en-US" dirty="0" smtClean="0"/>
-              <a:t>이라 불가능</a:t>
+              <a:t>관리 메뉴로 가능</a:t>
             </a:r>
             <a:r>
               <a:rPr lang="en-US" altLang="ko-KR" dirty="0" smtClean="0"/>
@@ -11258,6 +12408,13 @@
   <p:clrMapOvr>
     <a:masterClrMapping/>
   </p:clrMapOvr>
+  <p:timing>
+    <p:tnLst>
+      <p:par>
+        <p:cTn id="1" dur="indefinite" restart="never" nodeType="tmRoot"/>
+      </p:par>
+    </p:tnLst>
+  </p:timing>
 </p:sld>
 </file>
 
@@ -11403,11 +12560,7 @@
             </a:br>
             <a:r>
               <a:rPr lang="ko-KR" altLang="en-US" dirty="0" smtClean="0"/>
-              <a:t>출고가 </a:t>
-            </a:r>
-            <a:r>
-              <a:rPr lang="ko-KR" altLang="en-US" dirty="0" smtClean="0"/>
-              <a:t>가능함</a:t>
+              <a:t>출고가 가능함</a:t>
             </a:r>
             <a:endParaRPr lang="en-US" altLang="ko-KR" dirty="0" smtClean="0"/>
           </a:p>
@@ -11418,11 +12571,7 @@
             </a:r>
             <a:r>
               <a:rPr lang="ko-KR" altLang="en-US" dirty="0" smtClean="0"/>
-              <a:t> 부품 </a:t>
-            </a:r>
-            <a:r>
-              <a:rPr lang="ko-KR" altLang="en-US" dirty="0" smtClean="0"/>
-              <a:t>출고가 </a:t>
+              <a:t> 부품 출고가 </a:t>
             </a:r>
             <a:r>
               <a:rPr lang="en-US" altLang="ko-KR" dirty="0" smtClean="0"/>
@@ -11433,11 +12582,7 @@
             </a:br>
             <a:r>
               <a:rPr lang="ko-KR" altLang="en-US" dirty="0" smtClean="0"/>
-              <a:t>필요한 </a:t>
-            </a:r>
-            <a:r>
-              <a:rPr lang="ko-KR" altLang="en-US" dirty="0" smtClean="0"/>
-              <a:t>경우에 사용</a:t>
+              <a:t>필요한 경우에 사용</a:t>
             </a:r>
             <a:endParaRPr lang="en-US" altLang="ko-KR" dirty="0"/>
           </a:p>
@@ -11448,11 +12593,7 @@
             </a:r>
             <a:r>
               <a:rPr lang="ko-KR" altLang="en-US" dirty="0" smtClean="0"/>
-              <a:t> </a:t>
-            </a:r>
-            <a:r>
-              <a:rPr lang="ko-KR" altLang="en-US" dirty="0" smtClean="0"/>
-              <a:t>개발담당자와 협의를 </a:t>
+              <a:t> 개발담당자와 협의를 </a:t>
             </a:r>
             <a:r>
               <a:rPr lang="en-US" altLang="ko-KR" dirty="0" smtClean="0"/>
@@ -13760,7 +14901,7 @@
         </p:nvSpPr>
         <p:spPr>
           <a:xfrm>
-            <a:off x="495221" y="4653136"/>
+            <a:off x="481422" y="4077072"/>
             <a:ext cx="8913972" cy="1473031"/>
           </a:xfrm>
         </p:spPr>
@@ -13770,76 +14911,31 @@
           <a:p>
             <a:r>
               <a:rPr lang="ko-KR" altLang="en-US" dirty="0" smtClean="0"/>
-              <a:t>동일한 방법으로 조회 및 출고준비 가능</a:t>
+              <a:t>파트너 자재에서 검색 가능하며</a:t>
+            </a:r>
+            <a:r>
+              <a:rPr lang="en-US" altLang="ko-KR" dirty="0" smtClean="0"/>
+              <a:t>, </a:t>
+            </a:r>
+            <a:br>
+              <a:rPr lang="en-US" altLang="ko-KR" dirty="0" smtClean="0"/>
+            </a:br>
+            <a:r>
+              <a:rPr lang="ko-KR" altLang="en-US" dirty="0" err="1" smtClean="0"/>
+              <a:t>나의자재와</a:t>
+            </a:r>
+            <a:r>
+              <a:rPr lang="ko-KR" altLang="en-US" dirty="0" smtClean="0"/>
+              <a:t> 동일한 </a:t>
+            </a:r>
+            <a:r>
+              <a:rPr lang="ko-KR" altLang="en-US" dirty="0" smtClean="0"/>
+              <a:t>방법으로 조회 및 출고준비 가능</a:t>
             </a:r>
             <a:endParaRPr lang="ko-KR" altLang="en-US" dirty="0"/>
           </a:p>
         </p:txBody>
       </p:sp>
-      <p:pic>
-        <p:nvPicPr>
-          <p:cNvPr id="11266" name="Picture 2"/>
-          <p:cNvPicPr>
-            <a:picLocks noChangeAspect="1" noChangeArrowheads="1"/>
-          </p:cNvPicPr>
-          <p:nvPr/>
-        </p:nvPicPr>
-        <p:blipFill>
-          <a:blip r:embed="rId2">
-            <a:extLst>
-              <a:ext uri="{28A0092B-C50C-407E-A947-70E740481C1C}">
-                <a14:useLocalDpi xmlns:a14="http://schemas.microsoft.com/office/drawing/2010/main" val="0"/>
-              </a:ext>
-            </a:extLst>
-          </a:blip>
-          <a:srcRect/>
-          <a:stretch>
-            <a:fillRect/>
-          </a:stretch>
-        </p:blipFill>
-        <p:spPr bwMode="auto">
-          <a:xfrm>
-            <a:off x="1" y="1699674"/>
-            <a:ext cx="9776741" cy="2521414"/>
-          </a:xfrm>
-          <a:prstGeom prst="rect">
-            <a:avLst/>
-          </a:prstGeom>
-          <a:noFill/>
-          <a:ln>
-            <a:noFill/>
-          </a:ln>
-          <a:effectLst/>
-          <a:extLst>
-            <a:ext uri="{909E8E84-426E-40DD-AFC4-6F175D3DCCD1}">
-              <a14:hiddenFill xmlns:a14="http://schemas.microsoft.com/office/drawing/2010/main">
-                <a:solidFill>
-                  <a:schemeClr val="accent1"/>
-                </a:solidFill>
-              </a14:hiddenFill>
-            </a:ext>
-            <a:ext uri="{91240B29-F687-4F45-9708-019B960494DF}">
-              <a14:hiddenLine xmlns:a14="http://schemas.microsoft.com/office/drawing/2010/main" w="9525">
-                <a:solidFill>
-                  <a:schemeClr val="tx1"/>
-                </a:solidFill>
-                <a:miter lim="800000"/>
-                <a:headEnd/>
-                <a:tailEnd/>
-              </a14:hiddenLine>
-            </a:ext>
-            <a:ext uri="{AF507438-7753-43E0-B8FC-AC1667EBCBE1}">
-              <a14:hiddenEffects xmlns:a14="http://schemas.microsoft.com/office/drawing/2010/main">
-                <a:effectLst>
-                  <a:outerShdw dist="35921" dir="2700000" algn="ctr" rotWithShape="0">
-                    <a:schemeClr val="bg2"/>
-                  </a:outerShdw>
-                </a:effectLst>
-              </a14:hiddenEffects>
-            </a:ext>
-          </a:extLst>
-        </p:spPr>
-      </p:pic>
       <p:sp>
         <p:nvSpPr>
           <p:cNvPr id="5" name="아래쪽 화살표 4"/>
@@ -13848,7 +14944,7 @@
         </p:nvSpPr>
         <p:spPr>
           <a:xfrm>
-            <a:off x="4376142" y="1206728"/>
+            <a:off x="4016102" y="1242572"/>
             <a:ext cx="491136" cy="444974"/>
           </a:xfrm>
           <a:prstGeom prst="downArrow">
@@ -13904,7 +15000,7 @@
           <p:nvPr/>
         </p:nvPicPr>
         <p:blipFill rotWithShape="1">
-          <a:blip r:embed="rId3">
+          <a:blip r:embed="rId2">
             <a:extLst>
               <a:ext uri="{28A0092B-C50C-407E-A947-70E740481C1C}">
                 <a14:useLocalDpi xmlns:a14="http://schemas.microsoft.com/office/drawing/2010/main" val="0"/>
@@ -14144,6 +15240,123 @@
           </a:p>
         </p:txBody>
       </p:sp>
+      <p:pic>
+        <p:nvPicPr>
+          <p:cNvPr id="16387" name="Picture 3"/>
+          <p:cNvPicPr>
+            <a:picLocks noChangeAspect="1" noChangeArrowheads="1"/>
+          </p:cNvPicPr>
+          <p:nvPr/>
+        </p:nvPicPr>
+        <p:blipFill rotWithShape="1">
+          <a:blip r:embed="rId3">
+            <a:extLst>
+              <a:ext uri="{28A0092B-C50C-407E-A947-70E740481C1C}">
+                <a14:useLocalDpi xmlns:a14="http://schemas.microsoft.com/office/drawing/2010/main" val="0"/>
+              </a:ext>
+            </a:extLst>
+          </a:blip>
+          <a:srcRect b="13077"/>
+          <a:stretch/>
+        </p:blipFill>
+        <p:spPr bwMode="auto">
+          <a:xfrm>
+            <a:off x="-17314" y="1722682"/>
+            <a:ext cx="9980587" cy="2109090"/>
+          </a:xfrm>
+          <a:prstGeom prst="rect">
+            <a:avLst/>
+          </a:prstGeom>
+          <a:noFill/>
+          <a:ln>
+            <a:noFill/>
+          </a:ln>
+          <a:effectLst/>
+          <a:extLst>
+            <a:ext uri="{909E8E84-426E-40DD-AFC4-6F175D3DCCD1}">
+              <a14:hiddenFill xmlns:a14="http://schemas.microsoft.com/office/drawing/2010/main">
+                <a:solidFill>
+                  <a:schemeClr val="accent1"/>
+                </a:solidFill>
+              </a14:hiddenFill>
+            </a:ext>
+            <a:ext uri="{91240B29-F687-4F45-9708-019B960494DF}">
+              <a14:hiddenLine xmlns:a14="http://schemas.microsoft.com/office/drawing/2010/main" w="9525">
+                <a:solidFill>
+                  <a:schemeClr val="tx1"/>
+                </a:solidFill>
+                <a:miter lim="800000"/>
+                <a:headEnd/>
+                <a:tailEnd/>
+              </a14:hiddenLine>
+            </a:ext>
+            <a:ext uri="{AF507438-7753-43E0-B8FC-AC1667EBCBE1}">
+              <a14:hiddenEffects xmlns:a14="http://schemas.microsoft.com/office/drawing/2010/main">
+                <a:effectLst>
+                  <a:outerShdw dist="35921" dir="2700000" algn="ctr" rotWithShape="0">
+                    <a:schemeClr val="bg2"/>
+                  </a:outerShdw>
+                </a:effectLst>
+              </a14:hiddenEffects>
+            </a:ext>
+          </a:extLst>
+        </p:spPr>
+      </p:pic>
+      <p:sp>
+        <p:nvSpPr>
+          <p:cNvPr id="10" name="아래쪽 화살표 9"/>
+          <p:cNvSpPr/>
+          <p:nvPr/>
+        </p:nvSpPr>
+        <p:spPr>
+          <a:xfrm>
+            <a:off x="7040438" y="2276872"/>
+            <a:ext cx="491136" cy="444974"/>
+          </a:xfrm>
+          <a:prstGeom prst="downArrow">
+            <a:avLst/>
+          </a:prstGeom>
+          <a:solidFill>
+            <a:schemeClr val="accent2">
+              <a:tint val="100000"/>
+              <a:alpha val="31000"/>
+            </a:schemeClr>
+          </a:solidFill>
+        </p:spPr>
+        <p:style>
+          <a:lnRef idx="2">
+            <a:schemeClr val="accent2">
+              <a:shade val="50000"/>
+            </a:schemeClr>
+          </a:lnRef>
+          <a:fillRef idx="1">
+            <a:schemeClr val="accent2"/>
+          </a:fillRef>
+          <a:effectRef idx="0">
+            <a:schemeClr val="accent2"/>
+          </a:effectRef>
+          <a:fontRef idx="minor">
+            <a:schemeClr val="lt1"/>
+          </a:fontRef>
+        </p:style>
+        <p:txBody>
+          <a:bodyPr rot="0" spcFirstLastPara="0" vertOverflow="overflow" horzOverflow="overflow" vert="horz" wrap="square" lIns="91440" tIns="45720" rIns="91440" bIns="45720" numCol="1" spcCol="0" rtlCol="0" fromWordArt="0" anchor="ctr" anchorCtr="0" forceAA="0" compatLnSpc="1">
+            <a:prstTxWarp prst="textNoShape">
+              <a:avLst/>
+            </a:prstTxWarp>
+            <a:noAutofit/>
+          </a:bodyPr>
+          <a:lstStyle/>
+          <a:p>
+            <a:pPr algn="ctr"/>
+            <a:endParaRPr lang="ko-KR" altLang="en-US">
+              <a:solidFill>
+                <a:schemeClr val="lt1"/>
+              </a:solidFill>
+            </a:endParaRPr>
+          </a:p>
+        </p:txBody>
+      </p:sp>
     </p:spTree>
     <p:extLst>
       <p:ext uri="{BB962C8B-B14F-4D97-AF65-F5344CB8AC3E}">
@@ -14154,6 +15367,13 @@
   <p:clrMapOvr>
     <a:masterClrMapping/>
   </p:clrMapOvr>
+  <p:timing>
+    <p:tnLst>
+      <p:par>
+        <p:cTn id="1" dur="indefinite" restart="never" nodeType="tmRoot"/>
+      </p:par>
+    </p:tnLst>
+  </p:timing>
 </p:sld>
 </file>
 
@@ -14176,7 +15396,7 @@
       </p:grpSpPr>
       <p:pic>
         <p:nvPicPr>
-          <p:cNvPr id="12291" name="Picture 3"/>
+          <p:cNvPr id="17410" name="Picture 2"/>
           <p:cNvPicPr>
             <a:picLocks noChangeAspect="1" noChangeArrowheads="1"/>
           </p:cNvPicPr>
@@ -14197,8 +15417,8 @@
         </p:blipFill>
         <p:spPr bwMode="auto">
           <a:xfrm>
-            <a:off x="279197" y="1351662"/>
-            <a:ext cx="8993489" cy="4711362"/>
+            <a:off x="847750" y="1376344"/>
+            <a:ext cx="8077474" cy="4876036"/>
           </a:xfrm>
           <a:prstGeom prst="rect">
             <a:avLst/>
@@ -14827,7 +16047,7 @@
         </p:nvSpPr>
         <p:spPr>
           <a:xfrm rot="5400000">
-            <a:off x="6801333" y="3956137"/>
+            <a:off x="6914501" y="3681225"/>
             <a:ext cx="491136" cy="444974"/>
           </a:xfrm>
           <a:prstGeom prst="downArrow">
@@ -14884,7 +16104,7 @@
         </p:nvSpPr>
         <p:spPr bwMode="auto">
           <a:xfrm>
-            <a:off x="7252337" y="4005064"/>
+            <a:off x="7365505" y="3730152"/>
             <a:ext cx="2505997" cy="380826"/>
           </a:xfrm>
           <a:prstGeom prst="rect">
@@ -15078,7 +16298,11 @@
             </a:pPr>
             <a:r>
               <a:rPr lang="ko-KR" altLang="en-US" sz="1600" dirty="0" smtClean="0"/>
-              <a:t>소유한 개발담당자</a:t>
+              <a:t>자재소유 </a:t>
+            </a:r>
+            <a:r>
+              <a:rPr lang="ko-KR" altLang="en-US" sz="1600" dirty="0" smtClean="0"/>
+              <a:t>개발담당자</a:t>
             </a:r>
             <a:endParaRPr lang="ko-KR" altLang="en-US" sz="1600" dirty="0"/>
           </a:p>
@@ -15343,6 +16567,13 @@
   <p:clrMapOvr>
     <a:masterClrMapping/>
   </p:clrMapOvr>
+  <p:timing>
+    <p:tnLst>
+      <p:par>
+        <p:cTn id="1" dur="indefinite" restart="never" nodeType="tmRoot"/>
+      </p:par>
+    </p:tnLst>
+  </p:timing>
 </p:sld>
 </file>
 
@@ -17335,7 +18566,7 @@
       </p:grpSpPr>
       <p:pic>
         <p:nvPicPr>
-          <p:cNvPr id="13318" name="Picture 6"/>
+          <p:cNvPr id="18435" name="Picture 3"/>
           <p:cNvPicPr>
             <a:picLocks noChangeAspect="1" noChangeArrowheads="1"/>
           </p:cNvPicPr>
@@ -17349,13 +18580,13 @@
               </a:ext>
             </a:extLst>
           </a:blip>
-          <a:srcRect t="19342"/>
+          <a:srcRect t="14944"/>
           <a:stretch/>
         </p:blipFill>
         <p:spPr bwMode="auto">
           <a:xfrm>
-            <a:off x="2791966" y="3727152"/>
-            <a:ext cx="6796732" cy="2986241"/>
+            <a:off x="3060391" y="3371704"/>
+            <a:ext cx="6644344" cy="3356992"/>
           </a:xfrm>
           <a:prstGeom prst="rect">
             <a:avLst/>
@@ -17392,7 +18623,7 @@
       </p:pic>
       <p:pic>
         <p:nvPicPr>
-          <p:cNvPr id="13316" name="Picture 4"/>
+          <p:cNvPr id="18434" name="Picture 2"/>
           <p:cNvPicPr>
             <a:picLocks noChangeAspect="1" noChangeArrowheads="1"/>
           </p:cNvPicPr>
@@ -17413,8 +18644,8 @@
         </p:blipFill>
         <p:spPr bwMode="auto">
           <a:xfrm>
-            <a:off x="617501" y="1653417"/>
-            <a:ext cx="9302018" cy="1919599"/>
+            <a:off x="139025" y="1700808"/>
+            <a:ext cx="9421693" cy="1681562"/>
           </a:xfrm>
           <a:prstGeom prst="rect">
             <a:avLst/>
@@ -17499,14 +18730,19 @@
           <a:p>
             <a:r>
               <a:rPr lang="ko-KR" altLang="en-US" dirty="0" smtClean="0"/>
-              <a:t>메뉴에서 승인 또는 반려선택</a:t>
+              <a:t>파트너개발자는 승인</a:t>
+            </a:r>
+            <a:r>
+              <a:rPr lang="en-US" altLang="ko-KR" dirty="0" smtClean="0"/>
+              <a:t>/</a:t>
+            </a:r>
+            <a:r>
+              <a:rPr lang="ko-KR" altLang="en-US" dirty="0" smtClean="0"/>
+              <a:t>반려선택</a:t>
             </a:r>
             <a:endParaRPr lang="en-US" altLang="ko-KR" dirty="0" smtClean="0"/>
           </a:p>
           <a:p>
-            <a:pPr marL="0" indent="0">
-              <a:buNone/>
-            </a:pPr>
             <a:endParaRPr lang="en-US" altLang="ko-KR" dirty="0" smtClean="0"/>
           </a:p>
           <a:p>
@@ -17565,7 +18801,7 @@
         </p:nvSpPr>
         <p:spPr>
           <a:xfrm rot="10800000">
-            <a:off x="9093330" y="3200086"/>
+            <a:off x="8480598" y="3070783"/>
             <a:ext cx="631726" cy="516945"/>
           </a:xfrm>
           <a:prstGeom prst="upArrowCallout">
@@ -17826,7 +19062,7 @@
         </p:nvSpPr>
         <p:spPr>
           <a:xfrm>
-            <a:off x="2863974" y="6237311"/>
+            <a:off x="3007990" y="6337295"/>
             <a:ext cx="2016224" cy="476081"/>
           </a:xfrm>
           <a:prstGeom prst="roundRect">
@@ -17872,7 +19108,7 @@
         </p:nvSpPr>
         <p:spPr>
           <a:xfrm>
-            <a:off x="6108799" y="1347927"/>
+            <a:off x="5744294" y="1347927"/>
             <a:ext cx="491136" cy="444974"/>
           </a:xfrm>
           <a:prstGeom prst="downArrow">
@@ -17927,7 +19163,7 @@
         </p:nvSpPr>
         <p:spPr>
           <a:xfrm rot="5400000">
-            <a:off x="7165838" y="2536056"/>
+            <a:off x="6297277" y="2602697"/>
             <a:ext cx="491136" cy="444974"/>
           </a:xfrm>
           <a:prstGeom prst="downArrow">
@@ -17984,7 +19220,7 @@
         </p:nvSpPr>
         <p:spPr bwMode="auto">
           <a:xfrm>
-            <a:off x="6190332" y="1347927"/>
+            <a:off x="5816302" y="1347927"/>
             <a:ext cx="506118" cy="380826"/>
           </a:xfrm>
           <a:prstGeom prst="rect">
@@ -18194,7 +19430,7 @@
         </p:nvSpPr>
         <p:spPr bwMode="auto">
           <a:xfrm>
-            <a:off x="7330873" y="2584983"/>
+            <a:off x="6462312" y="2651624"/>
             <a:ext cx="506118" cy="380826"/>
           </a:xfrm>
           <a:prstGeom prst="rect">
@@ -18404,10 +19640,905 @@
   <p:clrMapOvr>
     <a:masterClrMapping/>
   </p:clrMapOvr>
+  <p:timing>
+    <p:tnLst>
+      <p:par>
+        <p:cTn id="1" dur="indefinite" restart="never" nodeType="tmRoot"/>
+      </p:par>
+    </p:tnLst>
+  </p:timing>
 </p:sld>
 </file>
 
 <file path=ppt/slides/slide31.xml><?xml version="1.0" encoding="utf-8"?>
+<p:sld xmlns:a="http://schemas.openxmlformats.org/drawingml/2006/main" xmlns:r="http://schemas.openxmlformats.org/officeDocument/2006/relationships" xmlns:p="http://schemas.openxmlformats.org/presentationml/2006/main">
+  <p:cSld>
+    <p:spTree>
+      <p:nvGrpSpPr>
+        <p:cNvPr id="1" name=""/>
+        <p:cNvGrpSpPr/>
+        <p:nvPr/>
+      </p:nvGrpSpPr>
+      <p:grpSpPr>
+        <a:xfrm>
+          <a:off x="0" y="0"/>
+          <a:ext cx="0" cy="0"/>
+          <a:chOff x="0" y="0"/>
+          <a:chExt cx="0" cy="0"/>
+        </a:xfrm>
+      </p:grpSpPr>
+      <p:sp>
+        <p:nvSpPr>
+          <p:cNvPr id="2" name="제목 1"/>
+          <p:cNvSpPr>
+            <a:spLocks noGrp="1"/>
+          </p:cNvSpPr>
+          <p:nvPr>
+            <p:ph type="title"/>
+          </p:nvPr>
+        </p:nvSpPr>
+        <p:spPr>
+          <a:xfrm>
+            <a:off x="703734" y="3356992"/>
+            <a:ext cx="8913972" cy="706090"/>
+          </a:xfrm>
+        </p:spPr>
+        <p:txBody>
+          <a:bodyPr/>
+          <a:lstStyle/>
+          <a:p>
+            <a:r>
+              <a:rPr lang="ko-KR" altLang="en-US" sz="5400" dirty="0" smtClean="0"/>
+              <a:t>기타</a:t>
+            </a:r>
+            <a:r>
+              <a:rPr lang="ko-KR" altLang="en-US" sz="5400" dirty="0" smtClean="0"/>
+              <a:t>기능</a:t>
+            </a:r>
+            <a:endParaRPr lang="ko-KR" altLang="en-US" sz="5400" dirty="0"/>
+          </a:p>
+        </p:txBody>
+      </p:sp>
+    </p:spTree>
+    <p:extLst>
+      <p:ext uri="{BB962C8B-B14F-4D97-AF65-F5344CB8AC3E}">
+        <p14:creationId xmlns:p14="http://schemas.microsoft.com/office/powerpoint/2010/main" val="3682328624"/>
+      </p:ext>
+    </p:extLst>
+  </p:cSld>
+  <p:clrMapOvr>
+    <a:masterClrMapping/>
+  </p:clrMapOvr>
+  <p:timing>
+    <p:tnLst>
+      <p:par>
+        <p:cTn id="1" dur="indefinite" restart="never" nodeType="tmRoot"/>
+      </p:par>
+    </p:tnLst>
+  </p:timing>
+</p:sld>
+</file>
+
+<file path=ppt/slides/slide32.xml><?xml version="1.0" encoding="utf-8"?>
+<p:sld xmlns:a="http://schemas.openxmlformats.org/drawingml/2006/main" xmlns:r="http://schemas.openxmlformats.org/officeDocument/2006/relationships" xmlns:p="http://schemas.openxmlformats.org/presentationml/2006/main">
+  <p:cSld>
+    <p:spTree>
+      <p:nvGrpSpPr>
+        <p:cNvPr id="1" name=""/>
+        <p:cNvGrpSpPr/>
+        <p:nvPr/>
+      </p:nvGrpSpPr>
+      <p:grpSpPr>
+        <a:xfrm>
+          <a:off x="0" y="0"/>
+          <a:ext cx="0" cy="0"/>
+          <a:chOff x="0" y="0"/>
+          <a:chExt cx="0" cy="0"/>
+        </a:xfrm>
+      </p:grpSpPr>
+      <p:sp>
+        <p:nvSpPr>
+          <p:cNvPr id="2" name="제목 1"/>
+          <p:cNvSpPr>
+            <a:spLocks noGrp="1"/>
+          </p:cNvSpPr>
+          <p:nvPr>
+            <p:ph type="title"/>
+          </p:nvPr>
+        </p:nvSpPr>
+        <p:spPr/>
+        <p:txBody>
+          <a:bodyPr/>
+          <a:lstStyle/>
+          <a:p>
+            <a:r>
+              <a:rPr lang="ko-KR" altLang="en-US" dirty="0" smtClean="0"/>
+              <a:t>출고담당자 </a:t>
+            </a:r>
+            <a:r>
+              <a:rPr lang="en-US" altLang="ko-KR" dirty="0" smtClean="0"/>
+              <a:t>Master</a:t>
+            </a:r>
+            <a:endParaRPr lang="ko-KR" altLang="en-US" dirty="0"/>
+          </a:p>
+        </p:txBody>
+      </p:sp>
+      <p:sp>
+        <p:nvSpPr>
+          <p:cNvPr id="3" name="내용 개체 틀 2"/>
+          <p:cNvSpPr>
+            <a:spLocks noGrp="1"/>
+          </p:cNvSpPr>
+          <p:nvPr>
+            <p:ph idx="1"/>
+          </p:nvPr>
+        </p:nvSpPr>
+        <p:spPr/>
+        <p:txBody>
+          <a:bodyPr/>
+          <a:lstStyle/>
+          <a:p>
+            <a:r>
+              <a:rPr lang="ko-KR" altLang="en-US" dirty="0" smtClean="0"/>
+              <a:t>출고담당자중 </a:t>
+            </a:r>
+            <a:r>
+              <a:rPr lang="en-US" altLang="ko-KR" dirty="0" smtClean="0"/>
+              <a:t>Master </a:t>
+            </a:r>
+            <a:r>
+              <a:rPr lang="ko-KR" altLang="en-US" dirty="0" smtClean="0"/>
+              <a:t>역할 지정가능</a:t>
+            </a:r>
+            <a:endParaRPr lang="en-US" altLang="ko-KR" dirty="0" smtClean="0"/>
+          </a:p>
+          <a:p>
+            <a:r>
+              <a:rPr lang="ko-KR" altLang="en-US" dirty="0" err="1" smtClean="0"/>
+              <a:t>다른출고담당자에게</a:t>
+            </a:r>
+            <a:r>
+              <a:rPr lang="ko-KR" altLang="en-US" dirty="0" smtClean="0"/>
+              <a:t> 온 모든 </a:t>
+            </a:r>
+            <a:r>
+              <a:rPr lang="ko-KR" altLang="en-US" dirty="0" err="1" smtClean="0"/>
+              <a:t>출고요청건을</a:t>
+            </a:r>
+            <a:r>
+              <a:rPr lang="ko-KR" altLang="en-US" dirty="0" smtClean="0"/>
+              <a:t> 조회 및 출고승인</a:t>
+            </a:r>
+            <a:r>
+              <a:rPr lang="en-US" altLang="ko-KR" dirty="0" smtClean="0"/>
+              <a:t>/</a:t>
+            </a:r>
+            <a:r>
+              <a:rPr lang="ko-KR" altLang="en-US" dirty="0" smtClean="0"/>
+              <a:t>반려가능</a:t>
+            </a:r>
+            <a:endParaRPr lang="en-US" altLang="ko-KR" dirty="0" smtClean="0"/>
+          </a:p>
+          <a:p>
+            <a:r>
+              <a:rPr lang="ko-KR" altLang="en-US" dirty="0" smtClean="0"/>
+              <a:t>출고담당자로 </a:t>
+            </a:r>
+            <a:r>
+              <a:rPr lang="ko-KR" altLang="en-US" dirty="0" err="1" smtClean="0"/>
+              <a:t>가입후</a:t>
+            </a:r>
+            <a:r>
+              <a:rPr lang="ko-KR" altLang="en-US" dirty="0" smtClean="0"/>
+              <a:t> 관리자가 별도 변경필요</a:t>
+            </a:r>
+            <a:endParaRPr lang="ko-KR" altLang="en-US" dirty="0"/>
+          </a:p>
+        </p:txBody>
+      </p:sp>
+      <p:pic>
+        <p:nvPicPr>
+          <p:cNvPr id="19458" name="Picture 2"/>
+          <p:cNvPicPr>
+            <a:picLocks noChangeAspect="1" noChangeArrowheads="1"/>
+          </p:cNvPicPr>
+          <p:nvPr/>
+        </p:nvPicPr>
+        <p:blipFill>
+          <a:blip r:embed="rId2">
+            <a:extLst>
+              <a:ext uri="{28A0092B-C50C-407E-A947-70E740481C1C}">
+                <a14:useLocalDpi xmlns:a14="http://schemas.microsoft.com/office/drawing/2010/main" val="0"/>
+              </a:ext>
+            </a:extLst>
+          </a:blip>
+          <a:srcRect/>
+          <a:stretch>
+            <a:fillRect/>
+          </a:stretch>
+        </p:blipFill>
+        <p:spPr bwMode="auto">
+          <a:xfrm>
+            <a:off x="0" y="3454761"/>
+            <a:ext cx="9904413" cy="3142591"/>
+          </a:xfrm>
+          <a:prstGeom prst="rect">
+            <a:avLst/>
+          </a:prstGeom>
+          <a:noFill/>
+          <a:ln>
+            <a:noFill/>
+          </a:ln>
+          <a:effectLst/>
+          <a:extLst>
+            <a:ext uri="{909E8E84-426E-40DD-AFC4-6F175D3DCCD1}">
+              <a14:hiddenFill xmlns:a14="http://schemas.microsoft.com/office/drawing/2010/main">
+                <a:solidFill>
+                  <a:schemeClr val="accent1"/>
+                </a:solidFill>
+              </a14:hiddenFill>
+            </a:ext>
+            <a:ext uri="{91240B29-F687-4F45-9708-019B960494DF}">
+              <a14:hiddenLine xmlns:a14="http://schemas.microsoft.com/office/drawing/2010/main" w="9525">
+                <a:solidFill>
+                  <a:schemeClr val="tx1"/>
+                </a:solidFill>
+                <a:miter lim="800000"/>
+                <a:headEnd/>
+                <a:tailEnd/>
+              </a14:hiddenLine>
+            </a:ext>
+            <a:ext uri="{AF507438-7753-43E0-B8FC-AC1667EBCBE1}">
+              <a14:hiddenEffects xmlns:a14="http://schemas.microsoft.com/office/drawing/2010/main">
+                <a:effectLst>
+                  <a:outerShdw dist="35921" dir="2700000" algn="ctr" rotWithShape="0">
+                    <a:schemeClr val="bg2"/>
+                  </a:outerShdw>
+                </a:effectLst>
+              </a14:hiddenEffects>
+            </a:ext>
+          </a:extLst>
+        </p:spPr>
+      </p:pic>
+      <p:sp>
+        <p:nvSpPr>
+          <p:cNvPr id="5" name="아래쪽 화살표 4"/>
+          <p:cNvSpPr/>
+          <p:nvPr/>
+        </p:nvSpPr>
+        <p:spPr>
+          <a:xfrm>
+            <a:off x="3668982" y="2984026"/>
+            <a:ext cx="491136" cy="444974"/>
+          </a:xfrm>
+          <a:prstGeom prst="downArrow">
+            <a:avLst/>
+          </a:prstGeom>
+          <a:solidFill>
+            <a:schemeClr val="accent2">
+              <a:tint val="100000"/>
+              <a:alpha val="31000"/>
+            </a:schemeClr>
+          </a:solidFill>
+        </p:spPr>
+        <p:style>
+          <a:lnRef idx="2">
+            <a:schemeClr val="accent2">
+              <a:shade val="50000"/>
+            </a:schemeClr>
+          </a:lnRef>
+          <a:fillRef idx="1">
+            <a:schemeClr val="accent2"/>
+          </a:fillRef>
+          <a:effectRef idx="0">
+            <a:schemeClr val="accent2"/>
+          </a:effectRef>
+          <a:fontRef idx="minor">
+            <a:schemeClr val="lt1"/>
+          </a:fontRef>
+        </p:style>
+        <p:txBody>
+          <a:bodyPr rot="0" spcFirstLastPara="0" vertOverflow="overflow" horzOverflow="overflow" vert="horz" wrap="square" lIns="91440" tIns="45720" rIns="91440" bIns="45720" numCol="1" spcCol="0" rtlCol="0" fromWordArt="0" anchor="ctr" anchorCtr="0" forceAA="0" compatLnSpc="1">
+            <a:prstTxWarp prst="textNoShape">
+              <a:avLst/>
+            </a:prstTxWarp>
+            <a:noAutofit/>
+          </a:bodyPr>
+          <a:lstStyle/>
+          <a:p>
+            <a:pPr algn="ctr"/>
+            <a:endParaRPr lang="ko-KR" altLang="en-US">
+              <a:solidFill>
+                <a:schemeClr val="lt1"/>
+              </a:solidFill>
+            </a:endParaRPr>
+          </a:p>
+        </p:txBody>
+      </p:sp>
+    </p:spTree>
+    <p:extLst>
+      <p:ext uri="{BB962C8B-B14F-4D97-AF65-F5344CB8AC3E}">
+        <p14:creationId xmlns:p14="http://schemas.microsoft.com/office/powerpoint/2010/main" val="871597364"/>
+      </p:ext>
+    </p:extLst>
+  </p:cSld>
+  <p:clrMapOvr>
+    <a:masterClrMapping/>
+  </p:clrMapOvr>
+  <p:timing>
+    <p:tnLst>
+      <p:par>
+        <p:cTn id="1" dur="indefinite" restart="never" nodeType="tmRoot"/>
+      </p:par>
+    </p:tnLst>
+  </p:timing>
+</p:sld>
+</file>
+
+<file path=ppt/slides/slide33.xml><?xml version="1.0" encoding="utf-8"?>
+<p:sld xmlns:a="http://schemas.openxmlformats.org/drawingml/2006/main" xmlns:r="http://schemas.openxmlformats.org/officeDocument/2006/relationships" xmlns:p="http://schemas.openxmlformats.org/presentationml/2006/main">
+  <p:cSld>
+    <p:spTree>
+      <p:nvGrpSpPr>
+        <p:cNvPr id="1" name=""/>
+        <p:cNvGrpSpPr/>
+        <p:nvPr/>
+      </p:nvGrpSpPr>
+      <p:grpSpPr>
+        <a:xfrm>
+          <a:off x="0" y="0"/>
+          <a:ext cx="0" cy="0"/>
+          <a:chOff x="0" y="0"/>
+          <a:chExt cx="0" cy="0"/>
+        </a:xfrm>
+      </p:grpSpPr>
+      <p:sp>
+        <p:nvSpPr>
+          <p:cNvPr id="2" name="제목 1"/>
+          <p:cNvSpPr>
+            <a:spLocks noGrp="1"/>
+          </p:cNvSpPr>
+          <p:nvPr>
+            <p:ph type="title"/>
+          </p:nvPr>
+        </p:nvSpPr>
+        <p:spPr/>
+        <p:txBody>
+          <a:bodyPr/>
+          <a:lstStyle/>
+          <a:p>
+            <a:r>
+              <a:rPr lang="ko-KR" altLang="en-US" dirty="0" smtClean="0"/>
+              <a:t>회원정보 </a:t>
+            </a:r>
+            <a:r>
+              <a:rPr lang="en-US" altLang="ko-KR" dirty="0" smtClean="0"/>
+              <a:t>LOG </a:t>
+            </a:r>
+            <a:r>
+              <a:rPr lang="ko-KR" altLang="en-US" dirty="0" smtClean="0"/>
+              <a:t>정보</a:t>
+            </a:r>
+            <a:endParaRPr lang="ko-KR" altLang="en-US" dirty="0"/>
+          </a:p>
+        </p:txBody>
+      </p:sp>
+      <p:sp>
+        <p:nvSpPr>
+          <p:cNvPr id="3" name="내용 개체 틀 2"/>
+          <p:cNvSpPr>
+            <a:spLocks noGrp="1"/>
+          </p:cNvSpPr>
+          <p:nvPr>
+            <p:ph idx="1"/>
+          </p:nvPr>
+        </p:nvSpPr>
+        <p:spPr/>
+        <p:txBody>
+          <a:bodyPr/>
+          <a:lstStyle/>
+          <a:p>
+            <a:r>
+              <a:rPr lang="ko-KR" altLang="en-US" dirty="0" smtClean="0"/>
+              <a:t>회원 가입</a:t>
+            </a:r>
+            <a:r>
+              <a:rPr lang="en-US" altLang="ko-KR" dirty="0" smtClean="0"/>
+              <a:t>/</a:t>
+            </a:r>
+            <a:r>
+              <a:rPr lang="ko-KR" altLang="en-US" dirty="0" smtClean="0"/>
+              <a:t>권한변경</a:t>
+            </a:r>
+            <a:r>
+              <a:rPr lang="en-US" altLang="ko-KR" dirty="0" smtClean="0"/>
+              <a:t>/</a:t>
+            </a:r>
+            <a:r>
+              <a:rPr lang="ko-KR" altLang="en-US" dirty="0" err="1" smtClean="0"/>
+              <a:t>탈퇴시</a:t>
+            </a:r>
+            <a:r>
+              <a:rPr lang="ko-KR" altLang="en-US" dirty="0" smtClean="0"/>
+              <a:t> </a:t>
+            </a:r>
+            <a:r>
+              <a:rPr lang="en-US" altLang="ko-KR" dirty="0" smtClean="0"/>
+              <a:t>LOG</a:t>
+            </a:r>
+            <a:r>
+              <a:rPr lang="ko-KR" altLang="en-US" dirty="0" smtClean="0"/>
+              <a:t>가 남음</a:t>
+            </a:r>
+            <a:endParaRPr lang="en-US" altLang="ko-KR" dirty="0"/>
+          </a:p>
+          <a:p>
+            <a:r>
+              <a:rPr lang="ko-KR" altLang="en-US" dirty="0" smtClean="0"/>
+              <a:t>변경권한이 있는 </a:t>
+            </a:r>
+            <a:r>
+              <a:rPr lang="en-US" altLang="ko-KR" dirty="0" smtClean="0"/>
+              <a:t>Admin</a:t>
+            </a:r>
+            <a:r>
+              <a:rPr lang="ko-KR" altLang="en-US" dirty="0" smtClean="0"/>
+              <a:t> </a:t>
+            </a:r>
+            <a:r>
+              <a:rPr lang="en-US" altLang="ko-KR" dirty="0" smtClean="0"/>
+              <a:t>ID</a:t>
+            </a:r>
+            <a:r>
+              <a:rPr lang="ko-KR" altLang="en-US" dirty="0" smtClean="0"/>
+              <a:t>로 로그인시만 조회가능</a:t>
+            </a:r>
+            <a:endParaRPr lang="ko-KR" altLang="en-US" dirty="0"/>
+          </a:p>
+        </p:txBody>
+      </p:sp>
+      <p:pic>
+        <p:nvPicPr>
+          <p:cNvPr id="20483" name="Picture 3"/>
+          <p:cNvPicPr>
+            <a:picLocks noChangeAspect="1" noChangeArrowheads="1"/>
+          </p:cNvPicPr>
+          <p:nvPr/>
+        </p:nvPicPr>
+        <p:blipFill>
+          <a:blip r:embed="rId2">
+            <a:extLst>
+              <a:ext uri="{28A0092B-C50C-407E-A947-70E740481C1C}">
+                <a14:useLocalDpi xmlns:a14="http://schemas.microsoft.com/office/drawing/2010/main" val="0"/>
+              </a:ext>
+            </a:extLst>
+          </a:blip>
+          <a:srcRect/>
+          <a:stretch>
+            <a:fillRect/>
+          </a:stretch>
+        </p:blipFill>
+        <p:spPr bwMode="auto">
+          <a:xfrm>
+            <a:off x="1245790" y="2536651"/>
+            <a:ext cx="7162800" cy="4276725"/>
+          </a:xfrm>
+          <a:prstGeom prst="rect">
+            <a:avLst/>
+          </a:prstGeom>
+          <a:noFill/>
+          <a:ln>
+            <a:noFill/>
+          </a:ln>
+          <a:effectLst/>
+          <a:extLst>
+            <a:ext uri="{909E8E84-426E-40DD-AFC4-6F175D3DCCD1}">
+              <a14:hiddenFill xmlns:a14="http://schemas.microsoft.com/office/drawing/2010/main">
+                <a:solidFill>
+                  <a:schemeClr val="accent1"/>
+                </a:solidFill>
+              </a14:hiddenFill>
+            </a:ext>
+            <a:ext uri="{91240B29-F687-4F45-9708-019B960494DF}">
+              <a14:hiddenLine xmlns:a14="http://schemas.microsoft.com/office/drawing/2010/main" w="9525">
+                <a:solidFill>
+                  <a:schemeClr val="tx1"/>
+                </a:solidFill>
+                <a:miter lim="800000"/>
+                <a:headEnd/>
+                <a:tailEnd/>
+              </a14:hiddenLine>
+            </a:ext>
+            <a:ext uri="{AF507438-7753-43E0-B8FC-AC1667EBCBE1}">
+              <a14:hiddenEffects xmlns:a14="http://schemas.microsoft.com/office/drawing/2010/main">
+                <a:effectLst>
+                  <a:outerShdw dist="35921" dir="2700000" algn="ctr" rotWithShape="0">
+                    <a:schemeClr val="bg2"/>
+                  </a:outerShdw>
+                </a:effectLst>
+              </a14:hiddenEffects>
+            </a:ext>
+          </a:extLst>
+        </p:spPr>
+      </p:pic>
+    </p:spTree>
+    <p:extLst>
+      <p:ext uri="{BB962C8B-B14F-4D97-AF65-F5344CB8AC3E}">
+        <p14:creationId xmlns:p14="http://schemas.microsoft.com/office/powerpoint/2010/main" val="72478635"/>
+      </p:ext>
+    </p:extLst>
+  </p:cSld>
+  <p:clrMapOvr>
+    <a:masterClrMapping/>
+  </p:clrMapOvr>
+  <p:timing>
+    <p:tnLst>
+      <p:par>
+        <p:cTn id="1" dur="indefinite" restart="never" nodeType="tmRoot"/>
+      </p:par>
+    </p:tnLst>
+  </p:timing>
+</p:sld>
+</file>
+
+<file path=ppt/slides/slide34.xml><?xml version="1.0" encoding="utf-8"?>
+<p:sld xmlns:a="http://schemas.openxmlformats.org/drawingml/2006/main" xmlns:r="http://schemas.openxmlformats.org/officeDocument/2006/relationships" xmlns:p="http://schemas.openxmlformats.org/presentationml/2006/main">
+  <p:cSld>
+    <p:spTree>
+      <p:nvGrpSpPr>
+        <p:cNvPr id="1" name=""/>
+        <p:cNvGrpSpPr/>
+        <p:nvPr/>
+      </p:nvGrpSpPr>
+      <p:grpSpPr>
+        <a:xfrm>
+          <a:off x="0" y="0"/>
+          <a:ext cx="0" cy="0"/>
+          <a:chOff x="0" y="0"/>
+          <a:chExt cx="0" cy="0"/>
+        </a:xfrm>
+      </p:grpSpPr>
+      <p:sp>
+        <p:nvSpPr>
+          <p:cNvPr id="2" name="제목 1"/>
+          <p:cNvSpPr>
+            <a:spLocks noGrp="1"/>
+          </p:cNvSpPr>
+          <p:nvPr>
+            <p:ph type="title"/>
+          </p:nvPr>
+        </p:nvSpPr>
+        <p:spPr/>
+        <p:txBody>
+          <a:bodyPr/>
+          <a:lstStyle/>
+          <a:p>
+            <a:r>
+              <a:rPr lang="ko-KR" altLang="en-US" dirty="0" err="1" smtClean="0"/>
+              <a:t>알람</a:t>
+            </a:r>
+            <a:r>
+              <a:rPr lang="ko-KR" altLang="en-US" dirty="0" smtClean="0"/>
+              <a:t> 메일 기능</a:t>
+            </a:r>
+            <a:endParaRPr lang="ko-KR" altLang="en-US" dirty="0"/>
+          </a:p>
+        </p:txBody>
+      </p:sp>
+      <p:sp>
+        <p:nvSpPr>
+          <p:cNvPr id="3" name="내용 개체 틀 2"/>
+          <p:cNvSpPr>
+            <a:spLocks noGrp="1"/>
+          </p:cNvSpPr>
+          <p:nvPr>
+            <p:ph idx="1"/>
+          </p:nvPr>
+        </p:nvSpPr>
+        <p:spPr>
+          <a:xfrm>
+            <a:off x="495221" y="980728"/>
+            <a:ext cx="8913972" cy="5001423"/>
+          </a:xfrm>
+        </p:spPr>
+        <p:txBody>
+          <a:bodyPr/>
+          <a:lstStyle/>
+          <a:p>
+            <a:r>
+              <a:rPr lang="ko-KR" altLang="en-US" sz="2400" dirty="0" smtClean="0"/>
+              <a:t>출고요청등록</a:t>
+            </a:r>
+            <a:r>
+              <a:rPr lang="en-US" altLang="ko-KR" sz="2400" dirty="0" smtClean="0"/>
+              <a:t>/</a:t>
+            </a:r>
+            <a:r>
+              <a:rPr lang="ko-KR" altLang="en-US" sz="2400" dirty="0" smtClean="0"/>
+              <a:t>승인</a:t>
+            </a:r>
+            <a:r>
+              <a:rPr lang="en-US" altLang="ko-KR" sz="2400" dirty="0" smtClean="0"/>
+              <a:t>/</a:t>
+            </a:r>
+            <a:r>
+              <a:rPr lang="ko-KR" altLang="en-US" sz="2400" dirty="0" err="1" smtClean="0"/>
+              <a:t>반려시</a:t>
+            </a:r>
+            <a:r>
+              <a:rPr lang="ko-KR" altLang="en-US" sz="2400" dirty="0" smtClean="0"/>
+              <a:t> 메일로 </a:t>
+            </a:r>
+            <a:r>
+              <a:rPr lang="ko-KR" altLang="en-US" sz="2400" dirty="0" err="1" smtClean="0"/>
+              <a:t>자동발신됨</a:t>
+            </a:r>
+            <a:endParaRPr lang="en-US" altLang="ko-KR" sz="2400" dirty="0" smtClean="0"/>
+          </a:p>
+          <a:p>
+            <a:r>
+              <a:rPr lang="ko-KR" altLang="en-US" sz="2400" dirty="0" smtClean="0"/>
+              <a:t>등록</a:t>
+            </a:r>
+            <a:r>
+              <a:rPr lang="en-US" altLang="ko-KR" sz="2400" dirty="0" smtClean="0"/>
+              <a:t>/</a:t>
+            </a:r>
+            <a:r>
+              <a:rPr lang="ko-KR" altLang="en-US" sz="2400" dirty="0" err="1" smtClean="0"/>
+              <a:t>삭제시</a:t>
+            </a:r>
+            <a:r>
+              <a:rPr lang="ko-KR" altLang="en-US" sz="2400" dirty="0" smtClean="0"/>
+              <a:t> </a:t>
+            </a:r>
+            <a:r>
+              <a:rPr lang="en-US" altLang="ko-KR" sz="2400" dirty="0" smtClean="0"/>
+              <a:t>: </a:t>
+            </a:r>
+            <a:r>
+              <a:rPr lang="ko-KR" altLang="en-US" sz="2400" dirty="0" smtClean="0"/>
+              <a:t>출고담당자에게</a:t>
+            </a:r>
+            <a:endParaRPr lang="en-US" altLang="ko-KR" sz="2400" dirty="0" smtClean="0"/>
+          </a:p>
+          <a:p>
+            <a:r>
+              <a:rPr lang="ko-KR" altLang="en-US" sz="2400" dirty="0" smtClean="0"/>
+              <a:t>승인</a:t>
+            </a:r>
+            <a:r>
+              <a:rPr lang="en-US" altLang="ko-KR" sz="2400" dirty="0" smtClean="0"/>
+              <a:t>/</a:t>
+            </a:r>
+            <a:r>
+              <a:rPr lang="ko-KR" altLang="en-US" sz="2400" dirty="0" err="1" smtClean="0"/>
+              <a:t>반려시</a:t>
+            </a:r>
+            <a:r>
+              <a:rPr lang="ko-KR" altLang="en-US" sz="2400" dirty="0" smtClean="0"/>
+              <a:t> </a:t>
+            </a:r>
+            <a:r>
+              <a:rPr lang="en-US" altLang="ko-KR" sz="2400" dirty="0" smtClean="0"/>
+              <a:t>: </a:t>
+            </a:r>
+            <a:r>
+              <a:rPr lang="ko-KR" altLang="en-US" sz="2400" dirty="0" smtClean="0"/>
+              <a:t>요청한 개발자에게</a:t>
+            </a:r>
+            <a:endParaRPr lang="ko-KR" altLang="en-US" sz="2400" dirty="0"/>
+          </a:p>
+        </p:txBody>
+      </p:sp>
+      <p:pic>
+        <p:nvPicPr>
+          <p:cNvPr id="21506" name="Picture 2"/>
+          <p:cNvPicPr>
+            <a:picLocks noChangeAspect="1" noChangeArrowheads="1"/>
+          </p:cNvPicPr>
+          <p:nvPr/>
+        </p:nvPicPr>
+        <p:blipFill>
+          <a:blip r:embed="rId2">
+            <a:extLst>
+              <a:ext uri="{28A0092B-C50C-407E-A947-70E740481C1C}">
+                <a14:useLocalDpi xmlns:a14="http://schemas.microsoft.com/office/drawing/2010/main" val="0"/>
+              </a:ext>
+            </a:extLst>
+          </a:blip>
+          <a:srcRect/>
+          <a:stretch>
+            <a:fillRect/>
+          </a:stretch>
+        </p:blipFill>
+        <p:spPr bwMode="auto">
+          <a:xfrm>
+            <a:off x="227013" y="3933056"/>
+            <a:ext cx="4724400" cy="2838450"/>
+          </a:xfrm>
+          <a:prstGeom prst="rect">
+            <a:avLst/>
+          </a:prstGeom>
+          <a:noFill/>
+          <a:ln w="9525">
+            <a:solidFill>
+              <a:schemeClr val="tx1"/>
+            </a:solidFill>
+            <a:miter lim="800000"/>
+            <a:headEnd/>
+            <a:tailEnd/>
+          </a:ln>
+          <a:effectLst/>
+          <a:extLst>
+            <a:ext uri="{909E8E84-426E-40DD-AFC4-6F175D3DCCD1}">
+              <a14:hiddenFill xmlns:a14="http://schemas.microsoft.com/office/drawing/2010/main">
+                <a:solidFill>
+                  <a:schemeClr val="accent1"/>
+                </a:solidFill>
+              </a14:hiddenFill>
+            </a:ext>
+            <a:ext uri="{AF507438-7753-43E0-B8FC-AC1667EBCBE1}">
+              <a14:hiddenEffects xmlns:a14="http://schemas.microsoft.com/office/drawing/2010/main">
+                <a:effectLst>
+                  <a:outerShdw dist="35921" dir="2700000" algn="ctr" rotWithShape="0">
+                    <a:schemeClr val="bg2"/>
+                  </a:outerShdw>
+                </a:effectLst>
+              </a14:hiddenEffects>
+            </a:ext>
+          </a:extLst>
+        </p:spPr>
+      </p:pic>
+      <p:pic>
+        <p:nvPicPr>
+          <p:cNvPr id="21507" name="Picture 3"/>
+          <p:cNvPicPr>
+            <a:picLocks noChangeAspect="1" noChangeArrowheads="1"/>
+          </p:cNvPicPr>
+          <p:nvPr/>
+        </p:nvPicPr>
+        <p:blipFill>
+          <a:blip r:embed="rId3">
+            <a:extLst>
+              <a:ext uri="{28A0092B-C50C-407E-A947-70E740481C1C}">
+                <a14:useLocalDpi xmlns:a14="http://schemas.microsoft.com/office/drawing/2010/main" val="0"/>
+              </a:ext>
+            </a:extLst>
+          </a:blip>
+          <a:srcRect/>
+          <a:stretch>
+            <a:fillRect/>
+          </a:stretch>
+        </p:blipFill>
+        <p:spPr bwMode="auto">
+          <a:xfrm>
+            <a:off x="227013" y="2276872"/>
+            <a:ext cx="6724650" cy="1533525"/>
+          </a:xfrm>
+          <a:prstGeom prst="rect">
+            <a:avLst/>
+          </a:prstGeom>
+          <a:noFill/>
+          <a:ln w="9525">
+            <a:solidFill>
+              <a:schemeClr val="tx1"/>
+            </a:solidFill>
+            <a:miter lim="800000"/>
+            <a:headEnd/>
+            <a:tailEnd/>
+          </a:ln>
+          <a:effectLst/>
+          <a:extLst>
+            <a:ext uri="{909E8E84-426E-40DD-AFC4-6F175D3DCCD1}">
+              <a14:hiddenFill xmlns:a14="http://schemas.microsoft.com/office/drawing/2010/main">
+                <a:solidFill>
+                  <a:schemeClr val="accent1"/>
+                </a:solidFill>
+              </a14:hiddenFill>
+            </a:ext>
+            <a:ext uri="{AF507438-7753-43E0-B8FC-AC1667EBCBE1}">
+              <a14:hiddenEffects xmlns:a14="http://schemas.microsoft.com/office/drawing/2010/main">
+                <a:effectLst>
+                  <a:outerShdw dist="35921" dir="2700000" algn="ctr" rotWithShape="0">
+                    <a:schemeClr val="bg2"/>
+                  </a:outerShdw>
+                </a:effectLst>
+              </a14:hiddenEffects>
+            </a:ext>
+          </a:extLst>
+        </p:spPr>
+      </p:pic>
+      <p:pic>
+        <p:nvPicPr>
+          <p:cNvPr id="21508" name="Picture 4"/>
+          <p:cNvPicPr>
+            <a:picLocks noChangeAspect="1" noChangeArrowheads="1"/>
+          </p:cNvPicPr>
+          <p:nvPr/>
+        </p:nvPicPr>
+        <p:blipFill>
+          <a:blip r:embed="rId4">
+            <a:extLst>
+              <a:ext uri="{28A0092B-C50C-407E-A947-70E740481C1C}">
+                <a14:useLocalDpi xmlns:a14="http://schemas.microsoft.com/office/drawing/2010/main" val="0"/>
+              </a:ext>
+            </a:extLst>
+          </a:blip>
+          <a:srcRect/>
+          <a:stretch>
+            <a:fillRect/>
+          </a:stretch>
+        </p:blipFill>
+        <p:spPr bwMode="auto">
+          <a:xfrm>
+            <a:off x="5121753" y="3878627"/>
+            <a:ext cx="4366957" cy="2892879"/>
+          </a:xfrm>
+          <a:prstGeom prst="rect">
+            <a:avLst/>
+          </a:prstGeom>
+          <a:noFill/>
+          <a:ln w="9525">
+            <a:solidFill>
+              <a:schemeClr val="tx1"/>
+            </a:solidFill>
+            <a:miter lim="800000"/>
+            <a:headEnd/>
+            <a:tailEnd/>
+          </a:ln>
+          <a:effectLst/>
+          <a:extLst>
+            <a:ext uri="{909E8E84-426E-40DD-AFC4-6F175D3DCCD1}">
+              <a14:hiddenFill xmlns:a14="http://schemas.microsoft.com/office/drawing/2010/main">
+                <a:solidFill>
+                  <a:schemeClr val="accent1"/>
+                </a:solidFill>
+              </a14:hiddenFill>
+            </a:ext>
+            <a:ext uri="{91240B29-F687-4F45-9708-019B960494DF}">
+              <a14:hiddenLine xmlns:a14="http://schemas.microsoft.com/office/drawing/2010/main" w="9525">
+                <a:solidFill>
+                  <a:schemeClr val="tx1"/>
+                </a:solidFill>
+                <a:miter lim="800000"/>
+                <a:headEnd/>
+                <a:tailEnd/>
+              </a14:hiddenLine>
+            </a:ext>
+            <a:ext uri="{AF507438-7753-43E0-B8FC-AC1667EBCBE1}">
+              <a14:hiddenEffects xmlns:a14="http://schemas.microsoft.com/office/drawing/2010/main">
+                <a:effectLst>
+                  <a:outerShdw dist="35921" dir="2700000" algn="ctr" rotWithShape="0">
+                    <a:schemeClr val="bg2"/>
+                  </a:outerShdw>
+                </a:effectLst>
+              </a14:hiddenEffects>
+            </a:ext>
+          </a:extLst>
+        </p:spPr>
+      </p:pic>
+    </p:spTree>
+    <p:extLst>
+      <p:ext uri="{BB962C8B-B14F-4D97-AF65-F5344CB8AC3E}">
+        <p14:creationId xmlns:p14="http://schemas.microsoft.com/office/powerpoint/2010/main" val="3066541336"/>
+      </p:ext>
+    </p:extLst>
+  </p:cSld>
+  <p:clrMapOvr>
+    <a:masterClrMapping/>
+  </p:clrMapOvr>
+  <p:timing>
+    <p:tnLst>
+      <p:par>
+        <p:cTn id="1" dur="indefinite" restart="never" nodeType="tmRoot"/>
+      </p:par>
+    </p:tnLst>
+  </p:timing>
+</p:sld>
+</file>
+
+<file path=ppt/slides/slide35.xml><?xml version="1.0" encoding="utf-8"?>
 <p:sld xmlns:a="http://schemas.openxmlformats.org/drawingml/2006/main" xmlns:r="http://schemas.openxmlformats.org/officeDocument/2006/relationships" xmlns:p="http://schemas.openxmlformats.org/presentationml/2006/main">
   <p:cSld>
     <p:spTree>
@@ -21017,7 +23148,7 @@
 </p:sld>
 </file>
 
-<file path=ppt/slides/slide32.xml><?xml version="1.0" encoding="utf-8"?>
+<file path=ppt/slides/slide36.xml><?xml version="1.0" encoding="utf-8"?>
 <p:sld xmlns:a="http://schemas.openxmlformats.org/drawingml/2006/main" xmlns:r="http://schemas.openxmlformats.org/officeDocument/2006/relationships" xmlns:p="http://schemas.openxmlformats.org/presentationml/2006/main">
   <p:cSld>
     <p:spTree>
@@ -24080,6 +26211,71 @@
 </p:sld>
 </file>
 
+<file path=ppt/slides/slide37.xml><?xml version="1.0" encoding="utf-8"?>
+<p:sld xmlns:a="http://schemas.openxmlformats.org/drawingml/2006/main" xmlns:r="http://schemas.openxmlformats.org/officeDocument/2006/relationships" xmlns:p="http://schemas.openxmlformats.org/presentationml/2006/main">
+  <p:cSld>
+    <p:spTree>
+      <p:nvGrpSpPr>
+        <p:cNvPr id="1" name=""/>
+        <p:cNvGrpSpPr/>
+        <p:nvPr/>
+      </p:nvGrpSpPr>
+      <p:grpSpPr>
+        <a:xfrm>
+          <a:off x="0" y="0"/>
+          <a:ext cx="0" cy="0"/>
+          <a:chOff x="0" y="0"/>
+          <a:chExt cx="0" cy="0"/>
+        </a:xfrm>
+      </p:grpSpPr>
+      <p:sp>
+        <p:nvSpPr>
+          <p:cNvPr id="2" name="제목 1"/>
+          <p:cNvSpPr>
+            <a:spLocks noGrp="1"/>
+          </p:cNvSpPr>
+          <p:nvPr>
+            <p:ph type="title"/>
+          </p:nvPr>
+        </p:nvSpPr>
+        <p:spPr>
+          <a:xfrm>
+            <a:off x="703734" y="3356992"/>
+            <a:ext cx="8913972" cy="706090"/>
+          </a:xfrm>
+        </p:spPr>
+        <p:txBody>
+          <a:bodyPr/>
+          <a:lstStyle/>
+          <a:p>
+            <a:r>
+              <a:rPr lang="en-US" altLang="ko-KR" sz="5400" dirty="0" smtClean="0"/>
+              <a:t>Thank you</a:t>
+            </a:r>
+            <a:endParaRPr lang="ko-KR" altLang="en-US" sz="5400" dirty="0"/>
+          </a:p>
+        </p:txBody>
+      </p:sp>
+    </p:spTree>
+    <p:extLst>
+      <p:ext uri="{BB962C8B-B14F-4D97-AF65-F5344CB8AC3E}">
+        <p14:creationId xmlns:p14="http://schemas.microsoft.com/office/powerpoint/2010/main" val="2405062937"/>
+      </p:ext>
+    </p:extLst>
+  </p:cSld>
+  <p:clrMapOvr>
+    <a:masterClrMapping/>
+  </p:clrMapOvr>
+  <p:timing>
+    <p:tnLst>
+      <p:par>
+        <p:cTn id="1" dur="indefinite" restart="never" nodeType="tmRoot"/>
+      </p:par>
+    </p:tnLst>
+  </p:timing>
+</p:sld>
+</file>
+
 <file path=ppt/slides/slide4.xml><?xml version="1.0" encoding="utf-8"?>
 <p:sld xmlns:a="http://schemas.openxmlformats.org/drawingml/2006/main" xmlns:r="http://schemas.openxmlformats.org/officeDocument/2006/relationships" xmlns:p="http://schemas.openxmlformats.org/presentationml/2006/main">
   <p:cSld>
@@ -25057,65 +27253,6 @@
       </p:sp>
       <p:pic>
         <p:nvPicPr>
-          <p:cNvPr id="3" name="Picture 2"/>
-          <p:cNvPicPr>
-            <a:picLocks noChangeAspect="1" noChangeArrowheads="1"/>
-          </p:cNvPicPr>
-          <p:nvPr/>
-        </p:nvPicPr>
-        <p:blipFill>
-          <a:blip r:embed="rId2">
-            <a:extLst>
-              <a:ext uri="{28A0092B-C50C-407E-A947-70E740481C1C}">
-                <a14:useLocalDpi xmlns:a14="http://schemas.microsoft.com/office/drawing/2010/main" val="0"/>
-              </a:ext>
-            </a:extLst>
-          </a:blip>
-          <a:srcRect/>
-          <a:stretch>
-            <a:fillRect/>
-          </a:stretch>
-        </p:blipFill>
-        <p:spPr bwMode="auto">
-          <a:xfrm>
-            <a:off x="62857" y="1706853"/>
-            <a:ext cx="9794107" cy="1650139"/>
-          </a:xfrm>
-          <a:prstGeom prst="rect">
-            <a:avLst/>
-          </a:prstGeom>
-          <a:noFill/>
-          <a:ln w="9525">
-            <a:solidFill>
-              <a:schemeClr val="tx1"/>
-            </a:solidFill>
-            <a:miter lim="800000"/>
-            <a:headEnd/>
-            <a:tailEnd/>
-          </a:ln>
-          <a:effectLst/>
-          <a:extLst>
-            <a:ext uri="{909E8E84-426E-40DD-AFC4-6F175D3DCCD1}">
-              <a14:hiddenFill xmlns:a14="http://schemas.microsoft.com/office/drawing/2010/main">
-                <a:solidFill>
-                  <a:schemeClr val="accent1"/>
-                </a:solidFill>
-              </a14:hiddenFill>
-            </a:ext>
-            <a:ext uri="{AF507438-7753-43E0-B8FC-AC1667EBCBE1}">
-              <a14:hiddenEffects xmlns:a14="http://schemas.microsoft.com/office/drawing/2010/main">
-                <a:effectLst>
-                  <a:outerShdw dist="35921" dir="2700000" algn="ctr" rotWithShape="0">
-                    <a:schemeClr val="bg2"/>
-                  </a:outerShdw>
-                </a:effectLst>
-              </a14:hiddenEffects>
-            </a:ext>
-          </a:extLst>
-        </p:spPr>
-      </p:pic>
-      <p:pic>
-        <p:nvPicPr>
           <p:cNvPr id="1027" name="Picture 3"/>
           <p:cNvPicPr>
             <a:picLocks noChangeAspect="1" noChangeArrowheads="1"/>
@@ -25123,7 +27260,7 @@
           <p:nvPr/>
         </p:nvPicPr>
         <p:blipFill rotWithShape="1">
-          <a:blip r:embed="rId3">
+          <a:blip r:embed="rId2">
             <a:extLst>
               <a:ext uri="{28A0092B-C50C-407E-A947-70E740481C1C}">
                 <a14:useLocalDpi xmlns:a14="http://schemas.microsoft.com/office/drawing/2010/main" val="0"/>
@@ -25158,6 +27295,73 @@
                   <a:schemeClr val="accent1"/>
                 </a:solidFill>
               </a14:hiddenFill>
+            </a:ext>
+            <a:ext uri="{AF507438-7753-43E0-B8FC-AC1667EBCBE1}">
+              <a14:hiddenEffects xmlns:a14="http://schemas.microsoft.com/office/drawing/2010/main">
+                <a:effectLst>
+                  <a:outerShdw dist="35921" dir="2700000" algn="ctr" rotWithShape="0">
+                    <a:schemeClr val="bg2"/>
+                  </a:outerShdw>
+                </a:effectLst>
+              </a14:hiddenEffects>
+            </a:ext>
+          </a:extLst>
+        </p:spPr>
+      </p:pic>
+      <p:pic>
+        <p:nvPicPr>
+          <p:cNvPr id="1026" name="Picture 2"/>
+          <p:cNvPicPr>
+            <a:picLocks noChangeAspect="1" noChangeArrowheads="1"/>
+          </p:cNvPicPr>
+          <p:nvPr/>
+        </p:nvPicPr>
+        <p:blipFill rotWithShape="1">
+          <a:blip r:embed="rId3">
+            <a:extLst>
+              <a:ext uri="{28A0092B-C50C-407E-A947-70E740481C1C}">
+                <a14:useLocalDpi xmlns:a14="http://schemas.microsoft.com/office/drawing/2010/main" val="0"/>
+              </a:ext>
+            </a:extLst>
+          </a:blip>
+          <a:srcRect b="13644"/>
+          <a:stretch/>
+        </p:blipFill>
+        <p:spPr bwMode="auto">
+          <a:xfrm>
+            <a:off x="-16348" y="1781177"/>
+            <a:ext cx="9904413" cy="1457323"/>
+          </a:xfrm>
+          <a:prstGeom prst="rect">
+            <a:avLst/>
+          </a:prstGeom>
+          <a:noFill/>
+          <a:ln w="9525">
+            <a:solidFill>
+              <a:schemeClr val="tx1"/>
+            </a:solidFill>
+            <a:miter lim="800000"/>
+            <a:headEnd/>
+            <a:tailEnd/>
+          </a:ln>
+          <a:effectLst/>
+          <a:extLst>
+            <a:ext uri="{909E8E84-426E-40DD-AFC4-6F175D3DCCD1}">
+              <a14:hiddenFill xmlns:a14="http://schemas.microsoft.com/office/drawing/2010/main">
+                <a:solidFill>
+                  <a:schemeClr val="accent1"/>
+                </a:solidFill>
+              </a14:hiddenFill>
+            </a:ext>
+            <a:ext uri="{91240B29-F687-4F45-9708-019B960494DF}">
+              <a14:hiddenLine xmlns:a14="http://schemas.microsoft.com/office/drawing/2010/main" w="9525">
+                <a:solidFill>
+                  <a:schemeClr val="tx1"/>
+                </a:solidFill>
+                <a:miter lim="800000"/>
+                <a:headEnd/>
+                <a:tailEnd/>
+              </a14:hiddenLine>
             </a:ext>
             <a:ext uri="{AF507438-7753-43E0-B8FC-AC1667EBCBE1}">
               <a14:hiddenEffects xmlns:a14="http://schemas.microsoft.com/office/drawing/2010/main">
@@ -25646,6 +27850,13 @@
   <p:clrMapOvr>
     <a:masterClrMapping/>
   </p:clrMapOvr>
+  <p:timing>
+    <p:tnLst>
+      <p:par>
+        <p:cTn id="1" dur="indefinite" restart="never" nodeType="tmRoot"/>
+      </p:par>
+    </p:tnLst>
+  </p:timing>
 </p:sld>
 </file>
 
@@ -25852,7 +28063,7 @@
         </p:nvSpPr>
         <p:spPr>
           <a:xfrm>
-            <a:off x="6392366" y="1556793"/>
+            <a:off x="5888310" y="1692449"/>
             <a:ext cx="389981" cy="440407"/>
           </a:xfrm>
           <a:prstGeom prst="downArrow">
@@ -25909,7 +28120,7 @@
         </p:nvSpPr>
         <p:spPr bwMode="auto">
           <a:xfrm>
-            <a:off x="5456262" y="1196752"/>
+            <a:off x="4952206" y="1332408"/>
             <a:ext cx="3952931" cy="504056"/>
           </a:xfrm>
           <a:prstGeom prst="rect">
@@ -26120,7 +28331,7 @@
       </p:sp>
       <p:pic>
         <p:nvPicPr>
-          <p:cNvPr id="1026" name="Picture 2"/>
+          <p:cNvPr id="2050" name="Picture 2"/>
           <p:cNvPicPr>
             <a:picLocks noChangeAspect="1" noChangeArrowheads="1"/>
           </p:cNvPicPr>
@@ -26141,20 +28352,15 @@
         </p:blipFill>
         <p:spPr bwMode="auto">
           <a:xfrm>
-            <a:off x="127670" y="2006577"/>
-            <a:ext cx="9505056" cy="2504278"/>
+            <a:off x="0" y="2166938"/>
+            <a:ext cx="9904413" cy="2081419"/>
           </a:xfrm>
           <a:prstGeom prst="rect">
             <a:avLst/>
           </a:prstGeom>
           <a:noFill/>
-          <a:ln w="9525">
-            <a:solidFill>
-              <a:schemeClr val="tx1"/>
-            </a:solidFill>
-            <a:miter lim="800000"/>
-            <a:headEnd/>
-            <a:tailEnd/>
+          <a:ln>
+            <a:noFill/>
           </a:ln>
           <a:effectLst/>
           <a:extLst>
@@ -26164,6 +28370,16 @@
                   <a:schemeClr val="accent1"/>
                 </a:solidFill>
               </a14:hiddenFill>
+            </a:ext>
+            <a:ext uri="{91240B29-F687-4F45-9708-019B960494DF}">
+              <a14:hiddenLine xmlns:a14="http://schemas.microsoft.com/office/drawing/2010/main" w="9525">
+                <a:solidFill>
+                  <a:schemeClr val="tx1"/>
+                </a:solidFill>
+                <a:miter lim="800000"/>
+                <a:headEnd/>
+                <a:tailEnd/>
+              </a14:hiddenLine>
             </a:ext>
             <a:ext uri="{AF507438-7753-43E0-B8FC-AC1667EBCBE1}">
               <a14:hiddenEffects xmlns:a14="http://schemas.microsoft.com/office/drawing/2010/main">
